--- a/Презентация.pptx
+++ b/Презентация.pptx
@@ -5,10 +5,10 @@
     <p:sldMasterId id="2147483648" r:id="rId1"/>
   </p:sldMasterIdLst>
   <p:notesMasterIdLst>
-    <p:notesMasterId r:id="rId23"/>
+    <p:notesMasterId r:id="rId24"/>
   </p:notesMasterIdLst>
   <p:handoutMasterIdLst>
-    <p:handoutMasterId r:id="rId24"/>
+    <p:handoutMasterId r:id="rId25"/>
   </p:handoutMasterIdLst>
   <p:sldIdLst>
     <p:sldId id="256" r:id="rId2"/>
@@ -27,11 +27,12 @@
     <p:sldId id="270" r:id="rId15"/>
     <p:sldId id="271" r:id="rId16"/>
     <p:sldId id="272" r:id="rId17"/>
-    <p:sldId id="273" r:id="rId18"/>
-    <p:sldId id="275" r:id="rId19"/>
-    <p:sldId id="276" r:id="rId20"/>
-    <p:sldId id="278" r:id="rId21"/>
-    <p:sldId id="277" r:id="rId22"/>
+    <p:sldId id="279" r:id="rId18"/>
+    <p:sldId id="273" r:id="rId19"/>
+    <p:sldId id="275" r:id="rId20"/>
+    <p:sldId id="276" r:id="rId21"/>
+    <p:sldId id="278" r:id="rId22"/>
+    <p:sldId id="277" r:id="rId23"/>
   </p:sldIdLst>
   <p:sldSz cx="9144000" cy="6858000" type="screen4x3"/>
   <p:notesSz cx="6858000" cy="9144000"/>
@@ -151,6 +152,7 @@
             <p14:sldId id="270"/>
             <p14:sldId id="271"/>
             <p14:sldId id="272"/>
+            <p14:sldId id="279"/>
             <p14:sldId id="273"/>
             <p14:sldId id="275"/>
             <p14:sldId id="276"/>
@@ -246,7 +248,7 @@
           <a:p>
             <a:fld id="{3FE8EB59-A261-416C-931C-E2EF0986E189}" type="datetimeFigureOut">
               <a:rPr lang="ru-RU" smtClean="0"/>
-              <a:t>12.06.2016</a:t>
+              <a:t>13.06.2016</a:t>
             </a:fld>
             <a:endParaRPr lang="ru-RU"/>
           </a:p>
@@ -412,7 +414,7 @@
           <a:p>
             <a:fld id="{8BB953F0-ECCB-4040-8318-F103F054915A}" type="datetimeFigureOut">
               <a:rPr lang="ru-RU" smtClean="0"/>
-              <a:t>12.06.2016</a:t>
+              <a:t>13.06.2016</a:t>
             </a:fld>
             <a:endParaRPr lang="ru-RU"/>
           </a:p>
@@ -946,7 +948,7 @@
           <a:p>
             <a:fld id="{E2E078D9-DDDA-40C7-9957-43D9CC6C1BC2}" type="datetime1">
               <a:rPr lang="ru-RU" smtClean="0"/>
-              <a:t>12.06.2016</a:t>
+              <a:t>13.06.2016</a:t>
             </a:fld>
             <a:endParaRPr lang="ru-RU"/>
           </a:p>
@@ -1111,7 +1113,7 @@
           <a:p>
             <a:fld id="{31AE8E02-8CCA-4D3F-B177-41476F421F79}" type="datetime1">
               <a:rPr lang="ru-RU" smtClean="0"/>
-              <a:t>12.06.2016</a:t>
+              <a:t>13.06.2016</a:t>
             </a:fld>
             <a:endParaRPr lang="ru-RU"/>
           </a:p>
@@ -1286,7 +1288,7 @@
           <a:p>
             <a:fld id="{E6EFBFF9-A42C-46C8-8AFE-820B9C42003B}" type="datetime1">
               <a:rPr lang="ru-RU" smtClean="0"/>
-              <a:t>12.06.2016</a:t>
+              <a:t>13.06.2016</a:t>
             </a:fld>
             <a:endParaRPr lang="ru-RU"/>
           </a:p>
@@ -1451,7 +1453,7 @@
           <a:p>
             <a:fld id="{832A4003-2B9D-412A-978B-B70F5451AC58}" type="datetime1">
               <a:rPr lang="ru-RU" smtClean="0"/>
-              <a:t>12.06.2016</a:t>
+              <a:t>13.06.2016</a:t>
             </a:fld>
             <a:endParaRPr lang="ru-RU"/>
           </a:p>
@@ -1692,7 +1694,7 @@
           <a:p>
             <a:fld id="{11F52847-5BB1-49EC-865A-B74B53482ECD}" type="datetime1">
               <a:rPr lang="ru-RU" smtClean="0"/>
-              <a:t>12.06.2016</a:t>
+              <a:t>13.06.2016</a:t>
             </a:fld>
             <a:endParaRPr lang="ru-RU"/>
           </a:p>
@@ -1975,7 +1977,7 @@
           <a:p>
             <a:fld id="{754AEBC1-ADF1-4BB0-B617-BCD0C3032BC8}" type="datetime1">
               <a:rPr lang="ru-RU" smtClean="0"/>
-              <a:t>12.06.2016</a:t>
+              <a:t>13.06.2016</a:t>
             </a:fld>
             <a:endParaRPr lang="ru-RU"/>
           </a:p>
@@ -2392,7 +2394,7 @@
           <a:p>
             <a:fld id="{03BA16AC-4D66-4872-94FF-BE564D59809A}" type="datetime1">
               <a:rPr lang="ru-RU" smtClean="0"/>
-              <a:t>12.06.2016</a:t>
+              <a:t>13.06.2016</a:t>
             </a:fld>
             <a:endParaRPr lang="ru-RU"/>
           </a:p>
@@ -2505,7 +2507,7 @@
           <a:p>
             <a:fld id="{C47790AF-F3DF-4673-B707-6C2C5D4F83F2}" type="datetime1">
               <a:rPr lang="ru-RU" smtClean="0"/>
-              <a:t>12.06.2016</a:t>
+              <a:t>13.06.2016</a:t>
             </a:fld>
             <a:endParaRPr lang="ru-RU"/>
           </a:p>
@@ -2595,7 +2597,7 @@
           <a:p>
             <a:fld id="{1944E0C4-E7F0-4003-8E29-D8587237A247}" type="datetime1">
               <a:rPr lang="ru-RU" smtClean="0"/>
-              <a:t>12.06.2016</a:t>
+              <a:t>13.06.2016</a:t>
             </a:fld>
             <a:endParaRPr lang="ru-RU"/>
           </a:p>
@@ -2867,7 +2869,7 @@
           <a:p>
             <a:fld id="{E01D14A7-DD1C-4A04-9A54-42FD1A9056DA}" type="datetime1">
               <a:rPr lang="ru-RU" smtClean="0"/>
-              <a:t>12.06.2016</a:t>
+              <a:t>13.06.2016</a:t>
             </a:fld>
             <a:endParaRPr lang="ru-RU"/>
           </a:p>
@@ -3115,7 +3117,7 @@
           <a:p>
             <a:fld id="{6F745911-F105-43A9-B4C1-3A1208F9A036}" type="datetime1">
               <a:rPr lang="ru-RU" smtClean="0"/>
-              <a:t>12.06.2016</a:t>
+              <a:t>13.06.2016</a:t>
             </a:fld>
             <a:endParaRPr lang="ru-RU"/>
           </a:p>
@@ -3323,7 +3325,7 @@
           <a:p>
             <a:fld id="{C01449A1-636D-436A-B500-739015ADE5CF}" type="datetime1">
               <a:rPr lang="ru-RU" smtClean="0"/>
-              <a:t>12.06.2016</a:t>
+              <a:t>13.06.2016</a:t>
             </a:fld>
             <a:endParaRPr lang="ru-RU"/>
           </a:p>
@@ -3762,25 +3764,7 @@
                 </a:solidFill>
                 <a:latin typeface="GOST type A" pitchFamily="2" charset="0"/>
               </a:rPr>
-              <a:t>Дипломный проект выполнил </a:t>
-            </a:r>
-            <a:r>
-              <a:rPr lang="ru-RU" i="1" dirty="0" err="1" smtClean="0">
-                <a:solidFill>
-                  <a:schemeClr val="tx1"/>
-                </a:solidFill>
-                <a:latin typeface="GOST type A" pitchFamily="2" charset="0"/>
-              </a:rPr>
-              <a:t>Карандаев</a:t>
-            </a:r>
-            <a:r>
-              <a:rPr lang="ru-RU" i="1" dirty="0" smtClean="0">
-                <a:solidFill>
-                  <a:schemeClr val="tx1"/>
-                </a:solidFill>
-                <a:latin typeface="GOST type A" pitchFamily="2" charset="0"/>
-              </a:rPr>
-              <a:t> В.Ю.</a:t>
+              <a:t>Дипломный проект выполнил Карандаев В.Ю.</a:t>
             </a:r>
             <a:endParaRPr lang="ru-RU" i="1" dirty="0">
               <a:solidFill>
@@ -3933,7 +3917,6 @@
               <a:rPr lang="ru-RU" sz="2200" b="0" i="1" dirty="0"/>
               <a:t>Графики изменения положения звеньев ноги №5</a:t>
             </a:r>
-            <a:endParaRPr lang="ru-RU" sz="2200" b="0" i="1" dirty="0"/>
           </a:p>
         </p:txBody>
       </p:sp>
@@ -3995,12 +3978,12 @@
       </p:sp>
       <p:pic>
         <p:nvPicPr>
-          <p:cNvPr id="8" name="Объект 7"/>
+          <p:cNvPr id="3" name="Объект 2"/>
           <p:cNvPicPr>
             <a:picLocks noGrp="1" noChangeAspect="1"/>
           </p:cNvPicPr>
           <p:nvPr>
-            <p:ph sz="quarter" idx="4"/>
+            <p:ph sz="half" idx="2"/>
           </p:nvPr>
         </p:nvPicPr>
         <p:blipFill>
@@ -4017,19 +4000,19 @@
         </p:blipFill>
         <p:spPr>
           <a:xfrm>
-            <a:off x="5454433" y="2174875"/>
-            <a:ext cx="2422959" cy="3951288"/>
+            <a:off x="457200" y="2663856"/>
+            <a:ext cx="4040188" cy="2973325"/>
           </a:xfrm>
         </p:spPr>
       </p:pic>
       <p:pic>
         <p:nvPicPr>
-          <p:cNvPr id="7" name="Объект 6"/>
+          <p:cNvPr id="6" name="Объект 5"/>
           <p:cNvPicPr>
             <a:picLocks noGrp="1" noChangeAspect="1"/>
           </p:cNvPicPr>
           <p:nvPr>
-            <p:ph sz="half" idx="2"/>
+            <p:ph sz="quarter" idx="4"/>
           </p:nvPr>
         </p:nvPicPr>
         <p:blipFill>
@@ -4046,8 +4029,8 @@
         </p:blipFill>
         <p:spPr>
           <a:xfrm>
-            <a:off x="457200" y="2522021"/>
-            <a:ext cx="4040188" cy="3256996"/>
+            <a:off x="5498311" y="2174875"/>
+            <a:ext cx="2335203" cy="3951288"/>
           </a:xfrm>
         </p:spPr>
       </p:pic>
@@ -13938,7 +13921,7 @@
         <p:spPr/>
         <p:txBody>
           <a:bodyPr>
-            <a:normAutofit fontScale="62500" lnSpcReduction="20000"/>
+            <a:noAutofit/>
           </a:bodyPr>
           <a:lstStyle/>
           <a:p>
@@ -13947,11 +13930,11 @@
               <a:buAutoNum type="arabicPeriod"/>
             </a:pPr>
             <a:r>
-              <a:rPr lang="ru-RU" i="1" dirty="0" smtClean="0"/>
+              <a:rPr lang="ru-RU" sz="2000" i="1" dirty="0" smtClean="0"/>
               <a:t>Ошибки в </a:t>
             </a:r>
             <a:r>
-              <a:rPr lang="ru-RU" i="1" dirty="0"/>
+              <a:rPr lang="ru-RU" sz="2000" i="1" dirty="0"/>
               <a:t>случае движения по прямой – 3,6%, в случае движения по часовой стрелке – 3,8%, в случае движения против часовой стрелки – 3,1%.</a:t>
             </a:r>
           </a:p>
@@ -13961,14 +13944,14 @@
               <a:buAutoNum type="arabicPeriod"/>
             </a:pPr>
             <a:r>
-              <a:rPr lang="ru-RU" i="1" dirty="0" smtClean="0"/>
+              <a:rPr lang="ru-RU" sz="2000" i="1" dirty="0" smtClean="0"/>
               <a:t>При прохождении </a:t>
             </a:r>
             <a:r>
-              <a:rPr lang="ru-RU" i="1" dirty="0"/>
+              <a:rPr lang="ru-RU" sz="2000" i="1" dirty="0"/>
               <a:t>простых траекторий с нулем и одним поворотами проблем с прохождением траектории не возникло. При прохождении двух поворотов один раз из десяти робот не отработал траекторию. При прохождении трех поворотов робот трижды неправильно отработал траекторию. </a:t>
             </a:r>
-            <a:endParaRPr lang="ru-RU" i="1" dirty="0" smtClean="0"/>
+            <a:endParaRPr lang="ru-RU" sz="2000" i="1" dirty="0" smtClean="0"/>
           </a:p>
           <a:p>
             <a:pPr marL="514350" indent="-514350">
@@ -13976,55 +13959,55 @@
               <a:buAutoNum type="arabicPeriod"/>
             </a:pPr>
             <a:r>
-              <a:rPr lang="ru-RU" i="1" dirty="0"/>
+              <a:rPr lang="ru-RU" sz="2000" i="1" dirty="0"/>
               <a:t>Для третьей части эксперимента было рассмотрено три </a:t>
             </a:r>
             <a:r>
-              <a:rPr lang="ru-RU" i="1" dirty="0" smtClean="0"/>
+              <a:rPr lang="ru-RU" sz="2000" i="1" dirty="0" smtClean="0"/>
               <a:t>случая:</a:t>
             </a:r>
           </a:p>
           <a:p>
             <a:pPr lvl="1"/>
             <a:r>
-              <a:rPr lang="ru-RU" i="1" dirty="0"/>
+              <a:rPr lang="ru-RU" sz="2000" i="1" dirty="0"/>
               <a:t>В случае полностью </a:t>
             </a:r>
             <a:r>
-              <a:rPr lang="ru-RU" i="1" dirty="0" smtClean="0"/>
+              <a:rPr lang="ru-RU" sz="2000" i="1" dirty="0" smtClean="0"/>
               <a:t>заряженного аккумулятора </a:t>
             </a:r>
             <a:r>
-              <a:rPr lang="ru-RU" i="1" dirty="0"/>
+              <a:rPr lang="ru-RU" sz="2000" i="1" dirty="0"/>
               <a:t>робот полностью отрабатывает траекторию на высокой скорости.</a:t>
             </a:r>
           </a:p>
           <a:p>
             <a:pPr lvl="1"/>
             <a:r>
-              <a:rPr lang="ru-RU" i="1" dirty="0"/>
+              <a:rPr lang="ru-RU" sz="2000" i="1" dirty="0"/>
               <a:t>В случае напряжения 5,0 В траектория так же выполняется без ошибок, но время исполнения команд увеличивается и робот шагает медленнее.</a:t>
             </a:r>
           </a:p>
           <a:p>
             <a:pPr lvl="1"/>
             <a:r>
-              <a:rPr lang="ru-RU" i="1" dirty="0"/>
+              <a:rPr lang="ru-RU" sz="2000" i="1" dirty="0"/>
               <a:t>В случае </a:t>
             </a:r>
             <a:r>
-              <a:rPr lang="ru-RU" i="1" dirty="0" smtClean="0"/>
+              <a:rPr lang="ru-RU" sz="2000" i="1" dirty="0" smtClean="0"/>
               <a:t>разряженного аккумулятора </a:t>
             </a:r>
             <a:r>
-              <a:rPr lang="ru-RU" i="1" dirty="0"/>
+              <a:rPr lang="ru-RU" sz="2000" i="1" dirty="0"/>
               <a:t>с напряжением ниже 4,8 В робот продолжает принимать команды, но выполняет их неправильно и не решает поставленной задачи</a:t>
             </a:r>
             <a:r>
-              <a:rPr lang="ru-RU" i="1" dirty="0" smtClean="0"/>
+              <a:rPr lang="ru-RU" sz="2000" i="1" dirty="0" smtClean="0"/>
               <a:t>.</a:t>
             </a:r>
-            <a:endParaRPr lang="ru-RU" i="1" dirty="0"/>
+            <a:endParaRPr lang="ru-RU" sz="2000" i="1" dirty="0"/>
           </a:p>
         </p:txBody>
       </p:sp>
@@ -14116,181 +14099,196 @@
               <a:buNone/>
             </a:pPr>
             <a:r>
-              <a:rPr lang="en-US" sz="2000" i="1" dirty="0"/>
+              <a:rPr lang="en-US" sz="1900" i="1" dirty="0"/>
               <a:t>Номинальные значения и типы выбранных </a:t>
             </a:r>
             <a:r>
-              <a:rPr lang="en-US" sz="2000" i="1" dirty="0" smtClean="0"/>
+              <a:rPr lang="en-US" sz="1900" i="1" dirty="0" smtClean="0"/>
               <a:t>элементов</a:t>
             </a:r>
             <a:r>
-              <a:rPr lang="ru-RU" sz="2000" i="1" dirty="0" smtClean="0"/>
+              <a:rPr lang="ru-RU" sz="1900" i="1" dirty="0" smtClean="0"/>
               <a:t>:</a:t>
             </a:r>
           </a:p>
           <a:p>
             <a:r>
-              <a:rPr lang="en-US" sz="2000" i="1" dirty="0" smtClean="0"/>
+              <a:rPr lang="en-US" sz="1900" i="1" dirty="0" smtClean="0"/>
+              <a:t>DA1 </a:t>
+            </a:r>
+            <a:r>
+              <a:rPr lang="ru-RU" sz="1900" i="1" dirty="0"/>
+              <a:t>микросхема </a:t>
+            </a:r>
+            <a:r>
+              <a:rPr lang="en-US" sz="1900" i="1" dirty="0"/>
+              <a:t>LM2596S-3.3</a:t>
+            </a:r>
+            <a:endParaRPr lang="ru-RU" sz="1900" i="1" dirty="0" smtClean="0"/>
+          </a:p>
+          <a:p>
+            <a:r>
+              <a:rPr lang="en-US" sz="1900" i="1" dirty="0" smtClean="0"/>
               <a:t>R1 </a:t>
             </a:r>
             <a:r>
-              <a:rPr lang="en-US" sz="2000" i="1" dirty="0"/>
+              <a:rPr lang="en-US" sz="1900" i="1" dirty="0"/>
               <a:t>= 1</a:t>
             </a:r>
             <a:r>
-              <a:rPr lang="ru-RU" sz="2000" i="1" dirty="0"/>
+              <a:rPr lang="ru-RU" sz="1900" i="1" dirty="0"/>
               <a:t>кОм,  ±1% (Е96), 1Вт, 2010;</a:t>
             </a:r>
           </a:p>
           <a:p>
             <a:r>
-              <a:rPr lang="en-US" sz="2000" i="1" dirty="0" smtClean="0"/>
+              <a:rPr lang="en-US" sz="1900" i="1" dirty="0" smtClean="0"/>
               <a:t>R2 </a:t>
             </a:r>
             <a:r>
-              <a:rPr lang="en-US" sz="2000" i="1" dirty="0"/>
+              <a:rPr lang="en-US" sz="1900" i="1" dirty="0"/>
               <a:t>= 10</a:t>
             </a:r>
             <a:r>
-              <a:rPr lang="ru-RU" sz="2000" i="1" dirty="0"/>
+              <a:rPr lang="ru-RU" sz="1900" i="1" dirty="0"/>
               <a:t>кОм,  ±10% , 1Вт, 3006</a:t>
             </a:r>
             <a:r>
-              <a:rPr lang="en-US" sz="2000" i="1" dirty="0"/>
+              <a:rPr lang="en-US" sz="1900" i="1" dirty="0"/>
               <a:t>P-1-103 (Bourns);</a:t>
             </a:r>
           </a:p>
           <a:p>
             <a:r>
-              <a:rPr lang="en-US" sz="2000" i="1" dirty="0" smtClean="0"/>
+              <a:rPr lang="en-US" sz="1900" i="1" dirty="0" smtClean="0"/>
               <a:t>C1 </a:t>
             </a:r>
             <a:r>
-              <a:rPr lang="en-US" sz="2000" i="1" dirty="0"/>
+              <a:rPr lang="en-US" sz="1900" i="1" dirty="0"/>
               <a:t>= 470</a:t>
             </a:r>
             <a:r>
-              <a:rPr lang="ru-RU" sz="2000" i="1" dirty="0"/>
+              <a:rPr lang="ru-RU" sz="1900" i="1" dirty="0"/>
               <a:t>мкФ, 50</a:t>
             </a:r>
             <a:r>
-              <a:rPr lang="en-US" sz="2000" i="1" dirty="0"/>
+              <a:rPr lang="en-US" sz="1900" i="1" dirty="0"/>
               <a:t>V, </a:t>
             </a:r>
             <a:r>
-              <a:rPr lang="ru-RU" sz="2000" i="1" dirty="0"/>
+              <a:rPr lang="ru-RU" sz="1900" i="1" dirty="0"/>
               <a:t>Алюминиевый электролитический (</a:t>
             </a:r>
             <a:r>
-              <a:rPr lang="en-US" sz="2000" i="1" dirty="0"/>
+              <a:rPr lang="en-US" sz="1900" i="1" dirty="0"/>
               <a:t>Vishay);</a:t>
             </a:r>
           </a:p>
           <a:p>
             <a:r>
-              <a:rPr lang="en-US" sz="2000" i="1" dirty="0" smtClean="0"/>
+              <a:rPr lang="en-US" sz="1900" i="1" dirty="0" smtClean="0"/>
               <a:t>C2 </a:t>
             </a:r>
             <a:r>
-              <a:rPr lang="en-US" sz="2000" i="1" dirty="0"/>
+              <a:rPr lang="en-US" sz="1900" i="1" dirty="0"/>
               <a:t>= 220</a:t>
             </a:r>
             <a:r>
-              <a:rPr lang="ru-RU" sz="2000" i="1" dirty="0"/>
+              <a:rPr lang="ru-RU" sz="1900" i="1" dirty="0"/>
               <a:t>мкФ </a:t>
             </a:r>
             <a:r>
-              <a:rPr lang="en-US" sz="2000" i="1" dirty="0"/>
+              <a:rPr lang="en-US" sz="1900" i="1" dirty="0"/>
               <a:t>F, 35V, </a:t>
             </a:r>
             <a:r>
-              <a:rPr lang="ru-RU" sz="2000" i="1" dirty="0"/>
+              <a:rPr lang="ru-RU" sz="1900" i="1" dirty="0"/>
               <a:t>Алюминиевый электролитический (</a:t>
             </a:r>
             <a:r>
-              <a:rPr lang="en-US" sz="2000" i="1" dirty="0"/>
+              <a:rPr lang="en-US" sz="1900" i="1" dirty="0"/>
               <a:t>Vishay);</a:t>
             </a:r>
           </a:p>
           <a:p>
             <a:r>
-              <a:rPr lang="en-US" sz="2000" i="1" dirty="0" smtClean="0"/>
+              <a:rPr lang="en-US" sz="1900" i="1" dirty="0" smtClean="0"/>
               <a:t>L1 </a:t>
             </a:r>
             <a:r>
-              <a:rPr lang="en-US" sz="2000" i="1" dirty="0"/>
+              <a:rPr lang="en-US" sz="1900" i="1" dirty="0"/>
               <a:t>= 68</a:t>
             </a:r>
             <a:r>
-              <a:rPr lang="ru-RU" sz="2000" i="1" dirty="0" err="1"/>
+              <a:rPr lang="ru-RU" sz="1900" i="1" dirty="0" err="1"/>
               <a:t>мкГн</a:t>
             </a:r>
             <a:r>
-              <a:rPr lang="ru-RU" sz="2000" i="1" dirty="0"/>
+              <a:rPr lang="ru-RU" sz="1900" i="1" dirty="0"/>
               <a:t> 3.4</a:t>
             </a:r>
             <a:r>
-              <a:rPr lang="en-US" sz="2000" i="1" dirty="0"/>
+              <a:rPr lang="en-US" sz="1900" i="1" dirty="0"/>
               <a:t>A (EPCOS / TDK);</a:t>
             </a:r>
           </a:p>
           <a:p>
             <a:r>
-              <a:rPr lang="en-US" sz="2000" i="1" dirty="0" smtClean="0"/>
+              <a:rPr lang="en-US" sz="1900" i="1" dirty="0" smtClean="0"/>
               <a:t>D1 </a:t>
             </a:r>
             <a:r>
-              <a:rPr lang="en-US" sz="2000" i="1" dirty="0"/>
+              <a:rPr lang="en-US" sz="1900" i="1" dirty="0"/>
               <a:t>— </a:t>
             </a:r>
             <a:r>
-              <a:rPr lang="ru-RU" sz="2000" i="1" dirty="0"/>
+              <a:rPr lang="ru-RU" sz="1900" i="1" dirty="0"/>
               <a:t>Диод </a:t>
             </a:r>
             <a:r>
-              <a:rPr lang="ru-RU" sz="2000" i="1" dirty="0" err="1"/>
+              <a:rPr lang="ru-RU" sz="1900" i="1" dirty="0" err="1"/>
               <a:t>Шоттки</a:t>
             </a:r>
             <a:r>
-              <a:rPr lang="ru-RU" sz="2000" i="1" dirty="0"/>
+              <a:rPr lang="ru-RU" sz="1900" i="1" dirty="0"/>
               <a:t>, </a:t>
             </a:r>
             <a:r>
-              <a:rPr lang="en-US" sz="2000" i="1" dirty="0"/>
+              <a:rPr lang="en-US" sz="1900" i="1" dirty="0"/>
               <a:t>MBR350 50</a:t>
             </a:r>
             <a:r>
-              <a:rPr lang="ru-RU" sz="2000" i="1" dirty="0"/>
+              <a:rPr lang="ru-RU" sz="1900" i="1" dirty="0"/>
               <a:t>В 3А (</a:t>
             </a:r>
             <a:r>
-              <a:rPr lang="en-US" sz="2000" i="1" dirty="0"/>
+              <a:rPr lang="en-US" sz="1900" i="1" dirty="0"/>
               <a:t>Vishay);</a:t>
             </a:r>
           </a:p>
           <a:p>
             <a:r>
-              <a:rPr lang="en-US" sz="2000" i="1" dirty="0" smtClean="0"/>
+              <a:rPr lang="en-US" sz="1900" i="1" dirty="0" smtClean="0"/>
               <a:t>XP1 </a:t>
             </a:r>
             <a:r>
-              <a:rPr lang="en-US" sz="2000" i="1" dirty="0"/>
+              <a:rPr lang="en-US" sz="1900" i="1" dirty="0"/>
               <a:t>- </a:t>
             </a:r>
             <a:r>
-              <a:rPr lang="ru-RU" sz="2000" i="1" dirty="0"/>
+              <a:rPr lang="ru-RU" sz="1900" i="1" dirty="0"/>
               <a:t>Вилка штыревая 2.54мм 2</a:t>
             </a:r>
             <a:r>
-              <a:rPr lang="en-US" sz="2000" i="1" dirty="0"/>
+              <a:rPr lang="en-US" sz="1900" i="1" dirty="0"/>
               <a:t>x3 </a:t>
             </a:r>
             <a:r>
-              <a:rPr lang="ru-RU" sz="2000" i="1" dirty="0"/>
+              <a:rPr lang="ru-RU" sz="1900" i="1" dirty="0"/>
               <a:t>прямая, </a:t>
             </a:r>
             <a:r>
-              <a:rPr lang="en-US" sz="2000" i="1" dirty="0"/>
+              <a:rPr lang="en-US" sz="1900" i="1" dirty="0"/>
               <a:t>PLD-6(DS1021-2x3S).</a:t>
             </a:r>
           </a:p>
@@ -14320,7 +14318,7 @@
         </p:blipFill>
         <p:spPr>
           <a:xfrm>
-            <a:off x="4664581" y="1556792"/>
+            <a:off x="4572000" y="3933056"/>
             <a:ext cx="3867859" cy="2520280"/>
           </a:xfrm>
         </p:spPr>
@@ -14348,36 +14346,99 @@
           </a:p>
         </p:txBody>
       </p:sp>
-      <p:pic>
-        <p:nvPicPr>
-          <p:cNvPr id="5" name="Рисунок 4"/>
-          <p:cNvPicPr>
-            <a:picLocks noChangeAspect="1"/>
-          </p:cNvPicPr>
+      <p:sp>
+        <p:nvSpPr>
+          <p:cNvPr id="7" name="TextBox 6"/>
+          <p:cNvSpPr txBox="1"/>
           <p:nvPr/>
-        </p:nvPicPr>
-        <p:blipFill>
-          <a:blip r:embed="rId3" cstate="print">
-            <a:extLst>
-              <a:ext uri="{28A0092B-C50C-407E-A947-70E740481C1C}">
-                <a14:useLocalDpi xmlns:a14="http://schemas.microsoft.com/office/drawing/2010/main" val="0"/>
-              </a:ext>
-            </a:extLst>
-          </a:blip>
-          <a:stretch>
-            <a:fillRect/>
-          </a:stretch>
-        </p:blipFill>
+        </p:nvSpPr>
         <p:spPr>
           <a:xfrm>
-            <a:off x="4644006" y="4205558"/>
-            <a:ext cx="3895779" cy="2158870"/>
+            <a:off x="4572000" y="1635765"/>
+            <a:ext cx="3888432" cy="2585323"/>
           </a:xfrm>
           <a:prstGeom prst="rect">
             <a:avLst/>
           </a:prstGeom>
+          <a:noFill/>
         </p:spPr>
-      </p:pic>
+        <p:txBody>
+          <a:bodyPr wrap="square" rtlCol="0">
+            <a:spAutoFit/>
+          </a:bodyPr>
+          <a:lstStyle/>
+          <a:p>
+            <a:pPr lvl="0"/>
+            <a:r>
+              <a:rPr lang="ru-RU" i="1" dirty="0" smtClean="0"/>
+              <a:t>Требования  к плате:</a:t>
+            </a:r>
+            <a:endParaRPr lang="en-US" i="1" dirty="0" smtClean="0"/>
+          </a:p>
+          <a:p>
+            <a:pPr marL="285750" lvl="0" indent="-285750">
+              <a:buFont typeface="Arial" pitchFamily="34" charset="0"/>
+              <a:buChar char="•"/>
+            </a:pPr>
+            <a:r>
+              <a:rPr lang="ru-RU" i="1" dirty="0" smtClean="0"/>
+              <a:t>Выходное </a:t>
+            </a:r>
+            <a:r>
+              <a:rPr lang="ru-RU" i="1" dirty="0"/>
+              <a:t>напряжение 6В ± 5%;</a:t>
+            </a:r>
+          </a:p>
+          <a:p>
+            <a:pPr marL="285750" lvl="0" indent="-285750">
+              <a:buFont typeface="Arial" pitchFamily="34" charset="0"/>
+              <a:buChar char="•"/>
+            </a:pPr>
+            <a:r>
+              <a:rPr lang="ru-RU" i="1" dirty="0"/>
+              <a:t>Диапазон входного напряжения питания 4В-7В;</a:t>
+            </a:r>
+          </a:p>
+          <a:p>
+            <a:pPr marL="285750" lvl="0" indent="-285750">
+              <a:buFont typeface="Arial" pitchFamily="34" charset="0"/>
+              <a:buChar char="•"/>
+            </a:pPr>
+            <a:r>
+              <a:rPr lang="ru-RU" i="1" dirty="0"/>
+              <a:t>Максимальный потребляемый ток </a:t>
+            </a:r>
+            <a:r>
+              <a:rPr lang="ru-RU" i="1" dirty="0" smtClean="0"/>
+              <a:t>1А</a:t>
+            </a:r>
+          </a:p>
+          <a:p>
+            <a:pPr lvl="0"/>
+            <a:r>
+              <a:rPr lang="ru-RU" i="1" dirty="0" smtClean="0"/>
+              <a:t>    (1 </a:t>
+            </a:r>
+            <a:r>
+              <a:rPr lang="ru-RU" i="1" dirty="0"/>
+              <a:t>канал / 1 сервопривод);</a:t>
+            </a:r>
+          </a:p>
+          <a:p>
+            <a:pPr marL="285750" lvl="0" indent="-285750">
+              <a:buFont typeface="Arial" pitchFamily="34" charset="0"/>
+              <a:buChar char="•"/>
+            </a:pPr>
+            <a:r>
+              <a:rPr lang="ru-RU" i="1" dirty="0"/>
+              <a:t>Диапазон рабочих температур от −20 до +40 °C;</a:t>
+            </a:r>
+          </a:p>
+          <a:p>
+            <a:endParaRPr lang="ru-RU" dirty="0"/>
+          </a:p>
+        </p:txBody>
+      </p:sp>
     </p:spTree>
     <p:extLst>
       <p:ext uri="{BB962C8B-B14F-4D97-AF65-F5344CB8AC3E}">
@@ -14399,6 +14460,120 @@
 </file>
 
 <file path=ppt/slides/slide17.xml><?xml version="1.0" encoding="utf-8"?>
+<p:sld xmlns:a="http://schemas.openxmlformats.org/drawingml/2006/main" xmlns:r="http://schemas.openxmlformats.org/officeDocument/2006/relationships" xmlns:p="http://schemas.openxmlformats.org/presentationml/2006/main">
+  <p:cSld>
+    <p:spTree>
+      <p:nvGrpSpPr>
+        <p:cNvPr id="1" name=""/>
+        <p:cNvGrpSpPr/>
+        <p:nvPr/>
+      </p:nvGrpSpPr>
+      <p:grpSpPr>
+        <a:xfrm>
+          <a:off x="0" y="0"/>
+          <a:ext cx="0" cy="0"/>
+          <a:chOff x="0" y="0"/>
+          <a:chExt cx="0" cy="0"/>
+        </a:xfrm>
+      </p:grpSpPr>
+      <p:sp>
+        <p:nvSpPr>
+          <p:cNvPr id="14" name="Заголовок 13"/>
+          <p:cNvSpPr>
+            <a:spLocks noGrp="1"/>
+          </p:cNvSpPr>
+          <p:nvPr>
+            <p:ph type="title"/>
+          </p:nvPr>
+        </p:nvSpPr>
+        <p:spPr/>
+        <p:txBody>
+          <a:bodyPr>
+            <a:noAutofit/>
+          </a:bodyPr>
+          <a:lstStyle/>
+          <a:p>
+            <a:r>
+              <a:rPr lang="ru-RU" sz="3500" i="1" dirty="0"/>
+              <a:t>Проектирование платы стабилизации напряжения</a:t>
+            </a:r>
+            <a:endParaRPr lang="ru-RU" sz="3500" dirty="0"/>
+          </a:p>
+        </p:txBody>
+      </p:sp>
+      <p:pic>
+        <p:nvPicPr>
+          <p:cNvPr id="7" name="Объект 6"/>
+          <p:cNvPicPr>
+            <a:picLocks noGrp="1" noChangeAspect="1"/>
+          </p:cNvPicPr>
+          <p:nvPr>
+            <p:ph idx="1"/>
+          </p:nvPr>
+        </p:nvPicPr>
+        <p:blipFill>
+          <a:blip r:embed="rId2">
+            <a:extLst>
+              <a:ext uri="{28A0092B-C50C-407E-A947-70E740481C1C}">
+                <a14:useLocalDpi xmlns:a14="http://schemas.microsoft.com/office/drawing/2010/main" val="0"/>
+              </a:ext>
+            </a:extLst>
+          </a:blip>
+          <a:stretch>
+            <a:fillRect/>
+          </a:stretch>
+        </p:blipFill>
+        <p:spPr>
+          <a:xfrm>
+            <a:off x="0" y="0"/>
+            <a:ext cx="9144000" cy="6455482"/>
+          </a:xfrm>
+        </p:spPr>
+      </p:pic>
+      <p:sp>
+        <p:nvSpPr>
+          <p:cNvPr id="4" name="Номер слайда 3"/>
+          <p:cNvSpPr>
+            <a:spLocks noGrp="1"/>
+          </p:cNvSpPr>
+          <p:nvPr>
+            <p:ph type="sldNum" sz="quarter" idx="12"/>
+          </p:nvPr>
+        </p:nvSpPr>
+        <p:spPr/>
+        <p:txBody>
+          <a:bodyPr/>
+          <a:lstStyle/>
+          <a:p>
+            <a:fld id="{B19B0651-EE4F-4900-A07F-96A6BFA9D0F0}" type="slidenum">
+              <a:rPr lang="ru-RU" sz="1400" i="1" smtClean="0"/>
+              <a:t>17</a:t>
+            </a:fld>
+            <a:endParaRPr lang="ru-RU" sz="1400" i="1" dirty="0"/>
+          </a:p>
+        </p:txBody>
+      </p:sp>
+    </p:spTree>
+    <p:extLst>
+      <p:ext uri="{BB962C8B-B14F-4D97-AF65-F5344CB8AC3E}">
+        <p14:creationId xmlns:p14="http://schemas.microsoft.com/office/powerpoint/2010/main" val="1052324831"/>
+      </p:ext>
+    </p:extLst>
+  </p:cSld>
+  <p:clrMapOvr>
+    <a:masterClrMapping/>
+  </p:clrMapOvr>
+  <p:timing>
+    <p:tnLst>
+      <p:par>
+        <p:cTn id="1" dur="indefinite" restart="never" nodeType="tmRoot"/>
+      </p:par>
+    </p:tnLst>
+  </p:timing>
+</p:sld>
+</file>
+
+<file path=ppt/slides/slide18.xml><?xml version="1.0" encoding="utf-8"?>
 <p:sld xmlns:a="http://schemas.openxmlformats.org/drawingml/2006/main" xmlns:r="http://schemas.openxmlformats.org/officeDocument/2006/relationships" xmlns:p="http://schemas.openxmlformats.org/presentationml/2006/main">
   <p:cSld>
     <p:spTree>
@@ -14495,7 +14670,7 @@
           <a:p>
             <a:fld id="{B19B0651-EE4F-4900-A07F-96A6BFA9D0F0}" type="slidenum">
               <a:rPr lang="ru-RU" sz="1400" i="1" smtClean="0"/>
-              <a:t>17</a:t>
+              <a:t>18</a:t>
             </a:fld>
             <a:endParaRPr lang="ru-RU" sz="1400" i="1" dirty="0"/>
           </a:p>
@@ -14521,7 +14696,7 @@
 </p:sld>
 </file>
 
-<file path=ppt/slides/slide18.xml><?xml version="1.0" encoding="utf-8"?>
+<file path=ppt/slides/slide19.xml><?xml version="1.0" encoding="utf-8"?>
 <p:sld xmlns:a="http://schemas.openxmlformats.org/drawingml/2006/main" xmlns:r="http://schemas.openxmlformats.org/officeDocument/2006/relationships" xmlns:p="http://schemas.openxmlformats.org/presentationml/2006/main">
   <p:cSld>
     <p:spTree>
@@ -14597,7 +14772,6 @@
               <a:rPr lang="ru-RU" b="0" i="1" dirty="0"/>
               <a:t>всех стадий работ </a:t>
             </a:r>
-            <a:endParaRPr lang="ru-RU" b="0" i="1" dirty="0"/>
           </a:p>
         </p:txBody>
       </p:sp>
@@ -14710,7 +14884,7 @@
           <a:p>
             <a:fld id="{B19B0651-EE4F-4900-A07F-96A6BFA9D0F0}" type="slidenum">
               <a:rPr lang="ru-RU" sz="1400" i="1" smtClean="0"/>
-              <a:t>18</a:t>
+              <a:t>19</a:t>
             </a:fld>
             <a:endParaRPr lang="ru-RU" sz="1400" i="1" dirty="0"/>
           </a:p>
@@ -14720,215 +14894,6 @@
     <p:extLst>
       <p:ext uri="{BB962C8B-B14F-4D97-AF65-F5344CB8AC3E}">
         <p14:creationId xmlns:p14="http://schemas.microsoft.com/office/powerpoint/2010/main" val="3056588272"/>
-      </p:ext>
-    </p:extLst>
-  </p:cSld>
-  <p:clrMapOvr>
-    <a:masterClrMapping/>
-  </p:clrMapOvr>
-  <p:timing>
-    <p:tnLst>
-      <p:par>
-        <p:cTn id="1" dur="indefinite" restart="never" nodeType="tmRoot"/>
-      </p:par>
-    </p:tnLst>
-  </p:timing>
-</p:sld>
-</file>
-
-<file path=ppt/slides/slide19.xml><?xml version="1.0" encoding="utf-8"?>
-<p:sld xmlns:a="http://schemas.openxmlformats.org/drawingml/2006/main" xmlns:r="http://schemas.openxmlformats.org/officeDocument/2006/relationships" xmlns:p="http://schemas.openxmlformats.org/presentationml/2006/main">
-  <p:cSld>
-    <p:spTree>
-      <p:nvGrpSpPr>
-        <p:cNvPr id="1" name=""/>
-        <p:cNvGrpSpPr/>
-        <p:nvPr/>
-      </p:nvGrpSpPr>
-      <p:grpSpPr>
-        <a:xfrm>
-          <a:off x="0" y="0"/>
-          <a:ext cx="0" cy="0"/>
-          <a:chOff x="0" y="0"/>
-          <a:chExt cx="0" cy="0"/>
-        </a:xfrm>
-      </p:grpSpPr>
-      <p:sp>
-        <p:nvSpPr>
-          <p:cNvPr id="14" name="Заголовок 13"/>
-          <p:cNvSpPr>
-            <a:spLocks noGrp="1"/>
-          </p:cNvSpPr>
-          <p:nvPr>
-            <p:ph type="title"/>
-          </p:nvPr>
-        </p:nvSpPr>
-        <p:spPr/>
-        <p:txBody>
-          <a:bodyPr>
-            <a:noAutofit/>
-          </a:bodyPr>
-          <a:lstStyle/>
-          <a:p>
-            <a:r>
-              <a:rPr lang="ru-RU" sz="3600" i="1" dirty="0" smtClean="0"/>
-              <a:t>Охрана </a:t>
-            </a:r>
-            <a:r>
-              <a:rPr lang="ru-RU" sz="3600" i="1" dirty="0"/>
-              <a:t>труда и </a:t>
-            </a:r>
-            <a:r>
-              <a:rPr lang="ru-RU" sz="3600" i="1" dirty="0" smtClean="0"/>
-              <a:t>экологии</a:t>
-            </a:r>
-            <a:endParaRPr lang="ru-RU" sz="3500" i="1" dirty="0"/>
-          </a:p>
-        </p:txBody>
-      </p:sp>
-      <p:sp>
-        <p:nvSpPr>
-          <p:cNvPr id="7" name="Текст 6"/>
-          <p:cNvSpPr>
-            <a:spLocks noGrp="1"/>
-          </p:cNvSpPr>
-          <p:nvPr>
-            <p:ph type="body" idx="1"/>
-          </p:nvPr>
-        </p:nvSpPr>
-        <p:spPr>
-          <a:xfrm>
-            <a:off x="457200" y="1853134"/>
-            <a:ext cx="4040188" cy="639762"/>
-          </a:xfrm>
-        </p:spPr>
-        <p:txBody>
-          <a:bodyPr/>
-          <a:lstStyle/>
-          <a:p>
-            <a:pPr algn="ctr"/>
-            <a:r>
-              <a:rPr lang="en-US" b="0" i="1" dirty="0"/>
-              <a:t>Схема системы вентиляции</a:t>
-            </a:r>
-            <a:endParaRPr lang="ru-RU" b="0" i="1" dirty="0"/>
-          </a:p>
-        </p:txBody>
-      </p:sp>
-      <p:pic>
-        <p:nvPicPr>
-          <p:cNvPr id="16" name="Объект 15"/>
-          <p:cNvPicPr>
-            <a:picLocks noGrp="1" noChangeAspect="1"/>
-          </p:cNvPicPr>
-          <p:nvPr>
-            <p:ph sz="half" idx="2"/>
-          </p:nvPr>
-        </p:nvPicPr>
-        <p:blipFill>
-          <a:blip r:embed="rId2" cstate="print">
-            <a:extLst>
-              <a:ext uri="{28A0092B-C50C-407E-A947-70E740481C1C}">
-                <a14:useLocalDpi xmlns:a14="http://schemas.microsoft.com/office/drawing/2010/main" val="0"/>
-              </a:ext>
-            </a:extLst>
-          </a:blip>
-          <a:stretch>
-            <a:fillRect/>
-          </a:stretch>
-        </p:blipFill>
-        <p:spPr>
-          <a:xfrm>
-            <a:off x="457200" y="3004226"/>
-            <a:ext cx="4040188" cy="1807065"/>
-          </a:xfrm>
-        </p:spPr>
-      </p:pic>
-      <p:sp>
-        <p:nvSpPr>
-          <p:cNvPr id="11" name="Текст 10"/>
-          <p:cNvSpPr>
-            <a:spLocks noGrp="1"/>
-          </p:cNvSpPr>
-          <p:nvPr>
-            <p:ph type="body" sz="quarter" idx="3"/>
-          </p:nvPr>
-        </p:nvSpPr>
-        <p:spPr>
-          <a:xfrm>
-            <a:off x="4645025" y="1853134"/>
-            <a:ext cx="4041775" cy="639762"/>
-          </a:xfrm>
-        </p:spPr>
-        <p:txBody>
-          <a:bodyPr/>
-          <a:lstStyle/>
-          <a:p>
-            <a:pPr algn="ctr"/>
-            <a:r>
-              <a:rPr lang="en-US" b="0" i="1" dirty="0"/>
-              <a:t>Фильтр очистки воздуха</a:t>
-            </a:r>
-            <a:endParaRPr lang="ru-RU" b="0" i="1" dirty="0"/>
-          </a:p>
-        </p:txBody>
-      </p:sp>
-      <p:pic>
-        <p:nvPicPr>
-          <p:cNvPr id="17" name="Объект 16"/>
-          <p:cNvPicPr>
-            <a:picLocks noGrp="1" noChangeAspect="1"/>
-          </p:cNvPicPr>
-          <p:nvPr>
-            <p:ph sz="quarter" idx="4"/>
-          </p:nvPr>
-        </p:nvPicPr>
-        <p:blipFill>
-          <a:blip r:embed="rId3" cstate="print">
-            <a:extLst>
-              <a:ext uri="{28A0092B-C50C-407E-A947-70E740481C1C}">
-                <a14:useLocalDpi xmlns:a14="http://schemas.microsoft.com/office/drawing/2010/main" val="0"/>
-              </a:ext>
-            </a:extLst>
-          </a:blip>
-          <a:stretch>
-            <a:fillRect/>
-          </a:stretch>
-        </p:blipFill>
-        <p:spPr>
-          <a:xfrm>
-            <a:off x="4645025" y="2924944"/>
-            <a:ext cx="4041775" cy="1965629"/>
-          </a:xfrm>
-        </p:spPr>
-      </p:pic>
-      <p:sp>
-        <p:nvSpPr>
-          <p:cNvPr id="4" name="Номер слайда 3"/>
-          <p:cNvSpPr>
-            <a:spLocks noGrp="1"/>
-          </p:cNvSpPr>
-          <p:nvPr>
-            <p:ph type="sldNum" sz="quarter" idx="12"/>
-          </p:nvPr>
-        </p:nvSpPr>
-        <p:spPr/>
-        <p:txBody>
-          <a:bodyPr/>
-          <a:lstStyle/>
-          <a:p>
-            <a:fld id="{B19B0651-EE4F-4900-A07F-96A6BFA9D0F0}" type="slidenum">
-              <a:rPr lang="ru-RU" sz="1400" i="1" smtClean="0"/>
-              <a:t>19</a:t>
-            </a:fld>
-            <a:endParaRPr lang="ru-RU" sz="1400" i="1" dirty="0"/>
-          </a:p>
-        </p:txBody>
-      </p:sp>
-    </p:spTree>
-    <p:extLst>
-      <p:ext uri="{BB962C8B-B14F-4D97-AF65-F5344CB8AC3E}">
-        <p14:creationId xmlns:p14="http://schemas.microsoft.com/office/powerpoint/2010/main" val="3528561532"/>
       </p:ext>
     </p:extLst>
   </p:cSld>
@@ -15304,6 +15269,417 @@
       </p:grpSpPr>
       <p:sp>
         <p:nvSpPr>
+          <p:cNvPr id="14" name="Заголовок 13"/>
+          <p:cNvSpPr>
+            <a:spLocks noGrp="1"/>
+          </p:cNvSpPr>
+          <p:nvPr>
+            <p:ph type="title"/>
+          </p:nvPr>
+        </p:nvSpPr>
+        <p:spPr>
+          <a:xfrm>
+            <a:off x="457200" y="116632"/>
+            <a:ext cx="8229600" cy="1143000"/>
+          </a:xfrm>
+        </p:spPr>
+        <p:txBody>
+          <a:bodyPr>
+            <a:noAutofit/>
+          </a:bodyPr>
+          <a:lstStyle/>
+          <a:p>
+            <a:r>
+              <a:rPr lang="ru-RU" sz="3600" i="1" dirty="0" smtClean="0"/>
+              <a:t>Охрана </a:t>
+            </a:r>
+            <a:r>
+              <a:rPr lang="ru-RU" sz="3600" i="1" dirty="0"/>
+              <a:t>труда и </a:t>
+            </a:r>
+            <a:r>
+              <a:rPr lang="ru-RU" sz="3600" i="1" dirty="0" smtClean="0"/>
+              <a:t>экологии</a:t>
+            </a:r>
+            <a:endParaRPr lang="ru-RU" sz="3500" i="1" dirty="0"/>
+          </a:p>
+        </p:txBody>
+      </p:sp>
+      <p:sp>
+        <p:nvSpPr>
+          <p:cNvPr id="7" name="Текст 6"/>
+          <p:cNvSpPr>
+            <a:spLocks noGrp="1"/>
+          </p:cNvSpPr>
+          <p:nvPr>
+            <p:ph type="body" idx="1"/>
+          </p:nvPr>
+        </p:nvSpPr>
+        <p:spPr>
+          <a:xfrm>
+            <a:off x="457200" y="3861048"/>
+            <a:ext cx="4040188" cy="639762"/>
+          </a:xfrm>
+        </p:spPr>
+        <p:txBody>
+          <a:bodyPr/>
+          <a:lstStyle/>
+          <a:p>
+            <a:pPr algn="ctr"/>
+            <a:r>
+              <a:rPr lang="en-US" b="0" i="1" dirty="0"/>
+              <a:t>Схема системы вентиляции</a:t>
+            </a:r>
+            <a:endParaRPr lang="ru-RU" b="0" i="1" dirty="0"/>
+          </a:p>
+        </p:txBody>
+      </p:sp>
+      <p:sp>
+        <p:nvSpPr>
+          <p:cNvPr id="11" name="Текст 10"/>
+          <p:cNvSpPr>
+            <a:spLocks noGrp="1"/>
+          </p:cNvSpPr>
+          <p:nvPr>
+            <p:ph type="body" sz="quarter" idx="3"/>
+          </p:nvPr>
+        </p:nvSpPr>
+        <p:spPr>
+          <a:xfrm>
+            <a:off x="4645025" y="3861048"/>
+            <a:ext cx="4041775" cy="639762"/>
+          </a:xfrm>
+        </p:spPr>
+        <p:txBody>
+          <a:bodyPr/>
+          <a:lstStyle/>
+          <a:p>
+            <a:pPr algn="ctr"/>
+            <a:r>
+              <a:rPr lang="en-US" b="0" i="1" dirty="0"/>
+              <a:t>Фильтр очистки воздуха</a:t>
+            </a:r>
+            <a:endParaRPr lang="ru-RU" b="0" i="1" dirty="0"/>
+          </a:p>
+        </p:txBody>
+      </p:sp>
+      <p:pic>
+        <p:nvPicPr>
+          <p:cNvPr id="17" name="Объект 16"/>
+          <p:cNvPicPr>
+            <a:picLocks noGrp="1" noChangeAspect="1"/>
+          </p:cNvPicPr>
+          <p:nvPr>
+            <p:ph sz="quarter" idx="4"/>
+          </p:nvPr>
+        </p:nvPicPr>
+        <p:blipFill>
+          <a:blip r:embed="rId2" cstate="print">
+            <a:extLst>
+              <a:ext uri="{28A0092B-C50C-407E-A947-70E740481C1C}">
+                <a14:useLocalDpi xmlns:a14="http://schemas.microsoft.com/office/drawing/2010/main" val="0"/>
+              </a:ext>
+            </a:extLst>
+          </a:blip>
+          <a:stretch>
+            <a:fillRect/>
+          </a:stretch>
+        </p:blipFill>
+        <p:spPr>
+          <a:xfrm>
+            <a:off x="4645025" y="4437112"/>
+            <a:ext cx="4041775" cy="1965629"/>
+          </a:xfrm>
+        </p:spPr>
+      </p:pic>
+      <p:sp>
+        <p:nvSpPr>
+          <p:cNvPr id="4" name="Номер слайда 3"/>
+          <p:cNvSpPr>
+            <a:spLocks noGrp="1"/>
+          </p:cNvSpPr>
+          <p:nvPr>
+            <p:ph type="sldNum" sz="quarter" idx="12"/>
+          </p:nvPr>
+        </p:nvSpPr>
+        <p:spPr/>
+        <p:txBody>
+          <a:bodyPr/>
+          <a:lstStyle/>
+          <a:p>
+            <a:fld id="{B19B0651-EE4F-4900-A07F-96A6BFA9D0F0}" type="slidenum">
+              <a:rPr lang="ru-RU" sz="1400" i="1" smtClean="0"/>
+              <a:t>20</a:t>
+            </a:fld>
+            <a:endParaRPr lang="ru-RU" sz="1400" i="1" dirty="0"/>
+          </a:p>
+        </p:txBody>
+      </p:sp>
+      <p:pic>
+        <p:nvPicPr>
+          <p:cNvPr id="3" name="Объект 2"/>
+          <p:cNvPicPr>
+            <a:picLocks noGrp="1" noChangeAspect="1"/>
+          </p:cNvPicPr>
+          <p:nvPr>
+            <p:ph sz="half" idx="2"/>
+          </p:nvPr>
+        </p:nvPicPr>
+        <p:blipFill>
+          <a:blip r:embed="rId3" cstate="print">
+            <a:extLst>
+              <a:ext uri="{28A0092B-C50C-407E-A947-70E740481C1C}">
+                <a14:useLocalDpi xmlns:a14="http://schemas.microsoft.com/office/drawing/2010/main" val="0"/>
+              </a:ext>
+            </a:extLst>
+          </a:blip>
+          <a:stretch>
+            <a:fillRect/>
+          </a:stretch>
+        </p:blipFill>
+        <p:spPr>
+          <a:xfrm>
+            <a:off x="457200" y="4667870"/>
+            <a:ext cx="4040188" cy="1641450"/>
+          </a:xfrm>
+        </p:spPr>
+      </p:pic>
+      <p:sp>
+        <p:nvSpPr>
+          <p:cNvPr id="10" name="Текст 6"/>
+          <p:cNvSpPr txBox="1">
+            <a:spLocks/>
+          </p:cNvSpPr>
+          <p:nvPr/>
+        </p:nvSpPr>
+        <p:spPr>
+          <a:xfrm>
+            <a:off x="2551906" y="1052736"/>
+            <a:ext cx="4040188" cy="639762"/>
+          </a:xfrm>
+          <a:prstGeom prst="rect">
+            <a:avLst/>
+          </a:prstGeom>
+        </p:spPr>
+        <p:txBody>
+          <a:bodyPr vert="horz" lIns="91440" tIns="45720" rIns="91440" bIns="45720" rtlCol="0" anchor="b">
+            <a:normAutofit/>
+          </a:bodyPr>
+          <a:lstStyle>
+            <a:lvl1pPr marL="0" indent="0" algn="l" defTabSz="914400" rtl="0" eaLnBrk="1" latinLnBrk="0" hangingPunct="1">
+              <a:spcBef>
+                <a:spcPct val="20000"/>
+              </a:spcBef>
+              <a:buFont typeface="Arial" pitchFamily="34" charset="0"/>
+              <a:buNone/>
+              <a:defRPr sz="2400" b="1" kern="1200">
+                <a:solidFill>
+                  <a:schemeClr val="tx1"/>
+                </a:solidFill>
+                <a:latin typeface="+mn-lt"/>
+                <a:ea typeface="+mn-ea"/>
+                <a:cs typeface="+mn-cs"/>
+              </a:defRPr>
+            </a:lvl1pPr>
+            <a:lvl2pPr marL="457200" indent="0" algn="l" defTabSz="914400" rtl="0" eaLnBrk="1" latinLnBrk="0" hangingPunct="1">
+              <a:spcBef>
+                <a:spcPct val="20000"/>
+              </a:spcBef>
+              <a:buFont typeface="Arial" pitchFamily="34" charset="0"/>
+              <a:buNone/>
+              <a:defRPr sz="2000" b="1" kern="1200">
+                <a:solidFill>
+                  <a:schemeClr val="tx1"/>
+                </a:solidFill>
+                <a:latin typeface="+mn-lt"/>
+                <a:ea typeface="+mn-ea"/>
+                <a:cs typeface="+mn-cs"/>
+              </a:defRPr>
+            </a:lvl2pPr>
+            <a:lvl3pPr marL="914400" indent="0" algn="l" defTabSz="914400" rtl="0" eaLnBrk="1" latinLnBrk="0" hangingPunct="1">
+              <a:spcBef>
+                <a:spcPct val="20000"/>
+              </a:spcBef>
+              <a:buFont typeface="Arial" pitchFamily="34" charset="0"/>
+              <a:buNone/>
+              <a:defRPr sz="1800" b="1" kern="1200">
+                <a:solidFill>
+                  <a:schemeClr val="tx1"/>
+                </a:solidFill>
+                <a:latin typeface="+mn-lt"/>
+                <a:ea typeface="+mn-ea"/>
+                <a:cs typeface="+mn-cs"/>
+              </a:defRPr>
+            </a:lvl3pPr>
+            <a:lvl4pPr marL="1371600" indent="0" algn="l" defTabSz="914400" rtl="0" eaLnBrk="1" latinLnBrk="0" hangingPunct="1">
+              <a:spcBef>
+                <a:spcPct val="20000"/>
+              </a:spcBef>
+              <a:buFont typeface="Arial" pitchFamily="34" charset="0"/>
+              <a:buNone/>
+              <a:defRPr sz="1600" b="1" kern="1200">
+                <a:solidFill>
+                  <a:schemeClr val="tx1"/>
+                </a:solidFill>
+                <a:latin typeface="+mn-lt"/>
+                <a:ea typeface="+mn-ea"/>
+                <a:cs typeface="+mn-cs"/>
+              </a:defRPr>
+            </a:lvl4pPr>
+            <a:lvl5pPr marL="1828800" indent="0" algn="l" defTabSz="914400" rtl="0" eaLnBrk="1" latinLnBrk="0" hangingPunct="1">
+              <a:spcBef>
+                <a:spcPct val="20000"/>
+              </a:spcBef>
+              <a:buFont typeface="Arial" pitchFamily="34" charset="0"/>
+              <a:buNone/>
+              <a:defRPr sz="1600" b="1" kern="1200">
+                <a:solidFill>
+                  <a:schemeClr val="tx1"/>
+                </a:solidFill>
+                <a:latin typeface="+mn-lt"/>
+                <a:ea typeface="+mn-ea"/>
+                <a:cs typeface="+mn-cs"/>
+              </a:defRPr>
+            </a:lvl5pPr>
+            <a:lvl6pPr marL="2286000" indent="0" algn="l" defTabSz="914400" rtl="0" eaLnBrk="1" latinLnBrk="0" hangingPunct="1">
+              <a:spcBef>
+                <a:spcPct val="20000"/>
+              </a:spcBef>
+              <a:buFont typeface="Arial" pitchFamily="34" charset="0"/>
+              <a:buNone/>
+              <a:defRPr sz="1600" b="1" kern="1200">
+                <a:solidFill>
+                  <a:schemeClr val="tx1"/>
+                </a:solidFill>
+                <a:latin typeface="+mn-lt"/>
+                <a:ea typeface="+mn-ea"/>
+                <a:cs typeface="+mn-cs"/>
+              </a:defRPr>
+            </a:lvl6pPr>
+            <a:lvl7pPr marL="2743200" indent="0" algn="l" defTabSz="914400" rtl="0" eaLnBrk="1" latinLnBrk="0" hangingPunct="1">
+              <a:spcBef>
+                <a:spcPct val="20000"/>
+              </a:spcBef>
+              <a:buFont typeface="Arial" pitchFamily="34" charset="0"/>
+              <a:buNone/>
+              <a:defRPr sz="1600" b="1" kern="1200">
+                <a:solidFill>
+                  <a:schemeClr val="tx1"/>
+                </a:solidFill>
+                <a:latin typeface="+mn-lt"/>
+                <a:ea typeface="+mn-ea"/>
+                <a:cs typeface="+mn-cs"/>
+              </a:defRPr>
+            </a:lvl7pPr>
+            <a:lvl8pPr marL="3200400" indent="0" algn="l" defTabSz="914400" rtl="0" eaLnBrk="1" latinLnBrk="0" hangingPunct="1">
+              <a:spcBef>
+                <a:spcPct val="20000"/>
+              </a:spcBef>
+              <a:buFont typeface="Arial" pitchFamily="34" charset="0"/>
+              <a:buNone/>
+              <a:defRPr sz="1600" b="1" kern="1200">
+                <a:solidFill>
+                  <a:schemeClr val="tx1"/>
+                </a:solidFill>
+                <a:latin typeface="+mn-lt"/>
+                <a:ea typeface="+mn-ea"/>
+                <a:cs typeface="+mn-cs"/>
+              </a:defRPr>
+            </a:lvl8pPr>
+            <a:lvl9pPr marL="3657600" indent="0" algn="l" defTabSz="914400" rtl="0" eaLnBrk="1" latinLnBrk="0" hangingPunct="1">
+              <a:spcBef>
+                <a:spcPct val="20000"/>
+              </a:spcBef>
+              <a:buFont typeface="Arial" pitchFamily="34" charset="0"/>
+              <a:buNone/>
+              <a:defRPr sz="1600" b="1" kern="1200">
+                <a:solidFill>
+                  <a:schemeClr val="tx1"/>
+                </a:solidFill>
+                <a:latin typeface="+mn-lt"/>
+                <a:ea typeface="+mn-ea"/>
+                <a:cs typeface="+mn-cs"/>
+              </a:defRPr>
+            </a:lvl9pPr>
+          </a:lstStyle>
+          <a:p>
+            <a:pPr algn="ctr"/>
+            <a:r>
+              <a:rPr lang="ru-RU" b="0" i="1" dirty="0"/>
+              <a:t>Схема расположения светильников</a:t>
+            </a:r>
+          </a:p>
+        </p:txBody>
+      </p:sp>
+      <p:pic>
+        <p:nvPicPr>
+          <p:cNvPr id="5" name="Рисунок 4"/>
+          <p:cNvPicPr>
+            <a:picLocks noChangeAspect="1"/>
+          </p:cNvPicPr>
+          <p:nvPr/>
+        </p:nvPicPr>
+        <p:blipFill>
+          <a:blip r:embed="rId4" cstate="print">
+            <a:extLst>
+              <a:ext uri="{28A0092B-C50C-407E-A947-70E740481C1C}">
+                <a14:useLocalDpi xmlns:a14="http://schemas.microsoft.com/office/drawing/2010/main" val="0"/>
+              </a:ext>
+            </a:extLst>
+          </a:blip>
+          <a:stretch>
+            <a:fillRect/>
+          </a:stretch>
+        </p:blipFill>
+        <p:spPr>
+          <a:xfrm>
+            <a:off x="2457687" y="1674727"/>
+            <a:ext cx="4228626" cy="2330337"/>
+          </a:xfrm>
+          <a:prstGeom prst="rect">
+            <a:avLst/>
+          </a:prstGeom>
+        </p:spPr>
+      </p:pic>
+    </p:spTree>
+    <p:extLst>
+      <p:ext uri="{BB962C8B-B14F-4D97-AF65-F5344CB8AC3E}">
+        <p14:creationId xmlns:p14="http://schemas.microsoft.com/office/powerpoint/2010/main" val="3528561532"/>
+      </p:ext>
+    </p:extLst>
+  </p:cSld>
+  <p:clrMapOvr>
+    <a:masterClrMapping/>
+  </p:clrMapOvr>
+  <p:timing>
+    <p:tnLst>
+      <p:par>
+        <p:cTn id="1" dur="indefinite" restart="never" nodeType="tmRoot"/>
+      </p:par>
+    </p:tnLst>
+  </p:timing>
+</p:sld>
+</file>
+
+<file path=ppt/slides/slide21.xml><?xml version="1.0" encoding="utf-8"?>
+<p:sld xmlns:a="http://schemas.openxmlformats.org/drawingml/2006/main" xmlns:r="http://schemas.openxmlformats.org/officeDocument/2006/relationships" xmlns:p="http://schemas.openxmlformats.org/presentationml/2006/main">
+  <p:cSld>
+    <p:spTree>
+      <p:nvGrpSpPr>
+        <p:cNvPr id="1" name=""/>
+        <p:cNvGrpSpPr/>
+        <p:nvPr/>
+      </p:nvGrpSpPr>
+      <p:grpSpPr>
+        <a:xfrm>
+          <a:off x="0" y="0"/>
+          <a:ext cx="0" cy="0"/>
+          <a:chOff x="0" y="0"/>
+          <a:chExt cx="0" cy="0"/>
+        </a:xfrm>
+      </p:grpSpPr>
+      <p:sp>
+        <p:nvSpPr>
           <p:cNvPr id="2" name="Заголовок 1"/>
           <p:cNvSpPr>
             <a:spLocks noGrp="1"/>
@@ -15478,7 +15854,7 @@
           <a:p>
             <a:fld id="{B19B0651-EE4F-4900-A07F-96A6BFA9D0F0}" type="slidenum">
               <a:rPr lang="ru-RU" sz="1400" i="1" smtClean="0"/>
-              <a:t>20</a:t>
+              <a:t>21</a:t>
             </a:fld>
             <a:endParaRPr lang="ru-RU" sz="1400" i="1" dirty="0"/>
           </a:p>
@@ -15504,7 +15880,7 @@
 </p:sld>
 </file>
 
-<file path=ppt/slides/slide21.xml><?xml version="1.0" encoding="utf-8"?>
+<file path=ppt/slides/slide22.xml><?xml version="1.0" encoding="utf-8"?>
 <p:sld xmlns:a="http://schemas.openxmlformats.org/drawingml/2006/main" xmlns:r="http://schemas.openxmlformats.org/officeDocument/2006/relationships" xmlns:p="http://schemas.openxmlformats.org/presentationml/2006/main">
   <p:cSld>
     <p:spTree>
@@ -15563,7 +15939,7 @@
           <a:p>
             <a:fld id="{B19B0651-EE4F-4900-A07F-96A6BFA9D0F0}" type="slidenum">
               <a:rPr lang="ru-RU" sz="1400" i="1" smtClean="0"/>
-              <a:t>21</a:t>
+              <a:t>22</a:t>
             </a:fld>
             <a:endParaRPr lang="ru-RU" sz="1400" i="1" dirty="0"/>
           </a:p>
@@ -19046,15 +19422,7 @@
             <a:pPr algn="ctr"/>
             <a:r>
               <a:rPr lang="en-US" b="0" i="1" dirty="0"/>
-              <a:t>Структурная </a:t>
-            </a:r>
-            <a:r>
-              <a:rPr lang="en-US" b="0" i="1" dirty="0" err="1"/>
-              <a:t>схема</a:t>
-            </a:r>
-            <a:r>
-              <a:rPr lang="en-US" b="0" i="1" dirty="0"/>
-              <a:t> замкнутой системы</a:t>
+              <a:t>Структурная схема замкнутой системы</a:t>
             </a:r>
             <a:endParaRPr lang="ru-RU" b="0" i="1" dirty="0"/>
           </a:p>
@@ -19257,15 +19625,7 @@
             <a:pPr algn="ctr"/>
             <a:r>
               <a:rPr lang="en-US" b="0" i="1" dirty="0"/>
-              <a:t>Структурная </a:t>
-            </a:r>
-            <a:r>
-              <a:rPr lang="en-US" b="0" i="1" dirty="0" err="1"/>
-              <a:t>схема</a:t>
-            </a:r>
-            <a:r>
-              <a:rPr lang="en-US" b="0" i="1" dirty="0"/>
-              <a:t> замкнутой системы</a:t>
+              <a:t>Структурная схема замкнутой системы</a:t>
             </a:r>
             <a:endParaRPr lang="ru-RU" b="0" i="1" dirty="0"/>
           </a:p>
@@ -19656,11 +20016,7 @@
             <a:pPr algn="ctr"/>
             <a:r>
               <a:rPr lang="en-US" sz="2000" b="0" i="1" dirty="0"/>
-              <a:t>Кинематическая расчетная </a:t>
-            </a:r>
-            <a:r>
-              <a:rPr lang="en-US" sz="2000" b="0" i="1" dirty="0" err="1"/>
-              <a:t>схема</a:t>
+              <a:t>Кинематическая расчетная схема</a:t>
             </a:r>
             <a:endParaRPr lang="ru-RU" sz="2200" b="0" i="1" dirty="0"/>
           </a:p>
@@ -19860,7 +20216,6 @@
               <a:rPr lang="ru-RU" sz="2200" b="0" i="1" dirty="0"/>
               <a:t>робота</a:t>
             </a:r>
-            <a:endParaRPr lang="ru-RU" sz="2200" b="0" i="1" dirty="0"/>
           </a:p>
         </p:txBody>
       </p:sp>
@@ -19886,7 +20241,6 @@
               <a:rPr lang="ru-RU" sz="2200" b="0" i="1" dirty="0"/>
               <a:t>Блок-схема ноги робота</a:t>
             </a:r>
-            <a:endParaRPr lang="ru-RU" sz="2200" b="0" i="1" dirty="0"/>
           </a:p>
         </p:txBody>
       </p:sp>

--- a/Презентация.pptx
+++ b/Презентация.pptx
@@ -5,10 +5,10 @@
     <p:sldMasterId id="2147483648" r:id="rId1"/>
   </p:sldMasterIdLst>
   <p:notesMasterIdLst>
-    <p:notesMasterId r:id="rId24"/>
+    <p:notesMasterId r:id="rId26"/>
   </p:notesMasterIdLst>
   <p:handoutMasterIdLst>
-    <p:handoutMasterId r:id="rId25"/>
+    <p:handoutMasterId r:id="rId27"/>
   </p:handoutMasterIdLst>
   <p:sldIdLst>
     <p:sldId id="256" r:id="rId2"/>
@@ -21,18 +21,20 @@
     <p:sldId id="264" r:id="rId9"/>
     <p:sldId id="265" r:id="rId10"/>
     <p:sldId id="268" r:id="rId11"/>
-    <p:sldId id="266" r:id="rId12"/>
-    <p:sldId id="267" r:id="rId13"/>
-    <p:sldId id="269" r:id="rId14"/>
-    <p:sldId id="270" r:id="rId15"/>
-    <p:sldId id="271" r:id="rId16"/>
-    <p:sldId id="272" r:id="rId17"/>
-    <p:sldId id="279" r:id="rId18"/>
-    <p:sldId id="273" r:id="rId19"/>
-    <p:sldId id="275" r:id="rId20"/>
-    <p:sldId id="276" r:id="rId21"/>
-    <p:sldId id="278" r:id="rId22"/>
-    <p:sldId id="277" r:id="rId23"/>
+    <p:sldId id="280" r:id="rId12"/>
+    <p:sldId id="266" r:id="rId13"/>
+    <p:sldId id="267" r:id="rId14"/>
+    <p:sldId id="269" r:id="rId15"/>
+    <p:sldId id="270" r:id="rId16"/>
+    <p:sldId id="271" r:id="rId17"/>
+    <p:sldId id="272" r:id="rId18"/>
+    <p:sldId id="279" r:id="rId19"/>
+    <p:sldId id="273" r:id="rId20"/>
+    <p:sldId id="281" r:id="rId21"/>
+    <p:sldId id="275" r:id="rId22"/>
+    <p:sldId id="276" r:id="rId23"/>
+    <p:sldId id="278" r:id="rId24"/>
+    <p:sldId id="277" r:id="rId25"/>
   </p:sldIdLst>
   <p:sldSz cx="9144000" cy="6858000" type="screen4x3"/>
   <p:notesSz cx="6858000" cy="9144000"/>
@@ -146,6 +148,7 @@
             <p14:sldId id="264"/>
             <p14:sldId id="265"/>
             <p14:sldId id="268"/>
+            <p14:sldId id="280"/>
             <p14:sldId id="266"/>
             <p14:sldId id="267"/>
             <p14:sldId id="269"/>
@@ -154,6 +157,7 @@
             <p14:sldId id="272"/>
             <p14:sldId id="279"/>
             <p14:sldId id="273"/>
+            <p14:sldId id="281"/>
             <p14:sldId id="275"/>
             <p14:sldId id="276"/>
             <p14:sldId id="278"/>
@@ -248,7 +252,7 @@
           <a:p>
             <a:fld id="{3FE8EB59-A261-416C-931C-E2EF0986E189}" type="datetimeFigureOut">
               <a:rPr lang="ru-RU" smtClean="0"/>
-              <a:t>13.06.2016</a:t>
+              <a:t>16.06.2016</a:t>
             </a:fld>
             <a:endParaRPr lang="ru-RU"/>
           </a:p>
@@ -414,7 +418,7 @@
           <a:p>
             <a:fld id="{8BB953F0-ECCB-4040-8318-F103F054915A}" type="datetimeFigureOut">
               <a:rPr lang="ru-RU" smtClean="0"/>
-              <a:t>13.06.2016</a:t>
+              <a:t>16.06.2016</a:t>
             </a:fld>
             <a:endParaRPr lang="ru-RU"/>
           </a:p>
@@ -948,7 +952,7 @@
           <a:p>
             <a:fld id="{E2E078D9-DDDA-40C7-9957-43D9CC6C1BC2}" type="datetime1">
               <a:rPr lang="ru-RU" smtClean="0"/>
-              <a:t>13.06.2016</a:t>
+              <a:t>16.06.2016</a:t>
             </a:fld>
             <a:endParaRPr lang="ru-RU"/>
           </a:p>
@@ -1113,7 +1117,7 @@
           <a:p>
             <a:fld id="{31AE8E02-8CCA-4D3F-B177-41476F421F79}" type="datetime1">
               <a:rPr lang="ru-RU" smtClean="0"/>
-              <a:t>13.06.2016</a:t>
+              <a:t>16.06.2016</a:t>
             </a:fld>
             <a:endParaRPr lang="ru-RU"/>
           </a:p>
@@ -1288,7 +1292,7 @@
           <a:p>
             <a:fld id="{E6EFBFF9-A42C-46C8-8AFE-820B9C42003B}" type="datetime1">
               <a:rPr lang="ru-RU" smtClean="0"/>
-              <a:t>13.06.2016</a:t>
+              <a:t>16.06.2016</a:t>
             </a:fld>
             <a:endParaRPr lang="ru-RU"/>
           </a:p>
@@ -1453,7 +1457,7 @@
           <a:p>
             <a:fld id="{832A4003-2B9D-412A-978B-B70F5451AC58}" type="datetime1">
               <a:rPr lang="ru-RU" smtClean="0"/>
-              <a:t>13.06.2016</a:t>
+              <a:t>16.06.2016</a:t>
             </a:fld>
             <a:endParaRPr lang="ru-RU"/>
           </a:p>
@@ -1694,7 +1698,7 @@
           <a:p>
             <a:fld id="{11F52847-5BB1-49EC-865A-B74B53482ECD}" type="datetime1">
               <a:rPr lang="ru-RU" smtClean="0"/>
-              <a:t>13.06.2016</a:t>
+              <a:t>16.06.2016</a:t>
             </a:fld>
             <a:endParaRPr lang="ru-RU"/>
           </a:p>
@@ -1977,7 +1981,7 @@
           <a:p>
             <a:fld id="{754AEBC1-ADF1-4BB0-B617-BCD0C3032BC8}" type="datetime1">
               <a:rPr lang="ru-RU" smtClean="0"/>
-              <a:t>13.06.2016</a:t>
+              <a:t>16.06.2016</a:t>
             </a:fld>
             <a:endParaRPr lang="ru-RU"/>
           </a:p>
@@ -2394,7 +2398,7 @@
           <a:p>
             <a:fld id="{03BA16AC-4D66-4872-94FF-BE564D59809A}" type="datetime1">
               <a:rPr lang="ru-RU" smtClean="0"/>
-              <a:t>13.06.2016</a:t>
+              <a:t>16.06.2016</a:t>
             </a:fld>
             <a:endParaRPr lang="ru-RU"/>
           </a:p>
@@ -2507,7 +2511,7 @@
           <a:p>
             <a:fld id="{C47790AF-F3DF-4673-B707-6C2C5D4F83F2}" type="datetime1">
               <a:rPr lang="ru-RU" smtClean="0"/>
-              <a:t>13.06.2016</a:t>
+              <a:t>16.06.2016</a:t>
             </a:fld>
             <a:endParaRPr lang="ru-RU"/>
           </a:p>
@@ -2597,7 +2601,7 @@
           <a:p>
             <a:fld id="{1944E0C4-E7F0-4003-8E29-D8587237A247}" type="datetime1">
               <a:rPr lang="ru-RU" smtClean="0"/>
-              <a:t>13.06.2016</a:t>
+              <a:t>16.06.2016</a:t>
             </a:fld>
             <a:endParaRPr lang="ru-RU"/>
           </a:p>
@@ -2869,7 +2873,7 @@
           <a:p>
             <a:fld id="{E01D14A7-DD1C-4A04-9A54-42FD1A9056DA}" type="datetime1">
               <a:rPr lang="ru-RU" smtClean="0"/>
-              <a:t>13.06.2016</a:t>
+              <a:t>16.06.2016</a:t>
             </a:fld>
             <a:endParaRPr lang="ru-RU"/>
           </a:p>
@@ -3117,7 +3121,7 @@
           <a:p>
             <a:fld id="{6F745911-F105-43A9-B4C1-3A1208F9A036}" type="datetime1">
               <a:rPr lang="ru-RU" smtClean="0"/>
-              <a:t>13.06.2016</a:t>
+              <a:t>16.06.2016</a:t>
             </a:fld>
             <a:endParaRPr lang="ru-RU"/>
           </a:p>
@@ -3325,7 +3329,7 @@
           <a:p>
             <a:fld id="{C01449A1-636D-436A-B500-739015ADE5CF}" type="datetime1">
               <a:rPr lang="ru-RU" smtClean="0"/>
-              <a:t>13.06.2016</a:t>
+              <a:t>16.06.2016</a:t>
             </a:fld>
             <a:endParaRPr lang="ru-RU"/>
           </a:p>
@@ -3883,8 +3887,12 @@
           <a:lstStyle/>
           <a:p>
             <a:r>
+              <a:rPr lang="ru-RU" i="1" dirty="0" smtClean="0"/>
+              <a:t>Проверка моделирования </a:t>
+            </a:r>
+            <a:r>
               <a:rPr lang="ru-RU" i="1" dirty="0"/>
-              <a:t>Моделирование решения обратной задачи кинематики</a:t>
+              <a:t>решения обратной задачи кинематики</a:t>
             </a:r>
             <a:endParaRPr lang="ru-RU" dirty="0"/>
           </a:p>
@@ -4081,6 +4089,188 @@
             <p:ph type="title"/>
           </p:nvPr>
         </p:nvSpPr>
+        <p:spPr/>
+        <p:txBody>
+          <a:bodyPr>
+            <a:normAutofit/>
+          </a:bodyPr>
+          <a:lstStyle/>
+          <a:p>
+            <a:r>
+              <a:rPr lang="ru-RU" i="1" dirty="0" smtClean="0"/>
+              <a:t>Организация движения робота</a:t>
+            </a:r>
+            <a:endParaRPr lang="ru-RU" dirty="0"/>
+          </a:p>
+        </p:txBody>
+      </p:sp>
+      <p:sp>
+        <p:nvSpPr>
+          <p:cNvPr id="17" name="Текст 16"/>
+          <p:cNvSpPr>
+            <a:spLocks noGrp="1"/>
+          </p:cNvSpPr>
+          <p:nvPr>
+            <p:ph type="body" sz="quarter" idx="3"/>
+          </p:nvPr>
+        </p:nvSpPr>
+        <p:spPr/>
+        <p:txBody>
+          <a:bodyPr>
+            <a:normAutofit fontScale="92500"/>
+          </a:bodyPr>
+          <a:lstStyle/>
+          <a:p>
+            <a:pPr algn="ctr"/>
+            <a:r>
+              <a:rPr lang="ru-RU" sz="2000" b="0" i="1" dirty="0" smtClean="0"/>
+              <a:t>Схема для объяснения походки «трешками»</a:t>
+            </a:r>
+          </a:p>
+        </p:txBody>
+      </p:sp>
+      <p:sp>
+        <p:nvSpPr>
+          <p:cNvPr id="4" name="Номер слайда 3"/>
+          <p:cNvSpPr>
+            <a:spLocks noGrp="1"/>
+          </p:cNvSpPr>
+          <p:nvPr>
+            <p:ph type="sldNum" sz="quarter" idx="12"/>
+          </p:nvPr>
+        </p:nvSpPr>
+        <p:spPr/>
+        <p:txBody>
+          <a:bodyPr/>
+          <a:lstStyle/>
+          <a:p>
+            <a:fld id="{B19B0651-EE4F-4900-A07F-96A6BFA9D0F0}" type="slidenum">
+              <a:rPr lang="ru-RU" sz="1400" i="1" smtClean="0"/>
+              <a:t>11</a:t>
+            </a:fld>
+            <a:endParaRPr lang="ru-RU" sz="1400" i="1" dirty="0"/>
+          </a:p>
+        </p:txBody>
+      </p:sp>
+      <p:sp>
+        <p:nvSpPr>
+          <p:cNvPr id="2" name="Объект 1"/>
+          <p:cNvSpPr>
+            <a:spLocks noGrp="1"/>
+          </p:cNvSpPr>
+          <p:nvPr>
+            <p:ph sz="half" idx="2"/>
+          </p:nvPr>
+        </p:nvSpPr>
+        <p:spPr>
+          <a:xfrm>
+            <a:off x="457200" y="1844824"/>
+            <a:ext cx="4040188" cy="3951288"/>
+          </a:xfrm>
+        </p:spPr>
+        <p:txBody>
+          <a:bodyPr>
+            <a:normAutofit lnSpcReduction="10000"/>
+          </a:bodyPr>
+          <a:lstStyle/>
+          <a:p>
+            <a:pPr lvl="0"/>
+            <a:r>
+              <a:rPr lang="ru-RU" i="1" dirty="0"/>
+              <a:t>Статически устойчивые походки – походки, при которых центр масс системы всегда находится внутри многоугольника, образованного точками опоры системы;</a:t>
+            </a:r>
+          </a:p>
+          <a:p>
+            <a:pPr lvl="0"/>
+            <a:r>
+              <a:rPr lang="ru-RU" i="1" dirty="0"/>
+              <a:t>Статически неустойчивые походки (динамические походки) – походки, при которых не соблюдается правило устойчивости.</a:t>
+            </a:r>
+          </a:p>
+          <a:p>
+            <a:pPr marL="0" indent="0">
+              <a:buNone/>
+            </a:pPr>
+            <a:endParaRPr lang="ru-RU" i="1" dirty="0"/>
+          </a:p>
+        </p:txBody>
+      </p:sp>
+      <p:pic>
+        <p:nvPicPr>
+          <p:cNvPr id="7" name="Объект 6"/>
+          <p:cNvPicPr>
+            <a:picLocks noGrp="1" noChangeAspect="1"/>
+          </p:cNvPicPr>
+          <p:nvPr>
+            <p:ph sz="quarter" idx="4"/>
+          </p:nvPr>
+        </p:nvPicPr>
+        <p:blipFill>
+          <a:blip r:embed="rId2" cstate="print">
+            <a:extLst>
+              <a:ext uri="{28A0092B-C50C-407E-A947-70E740481C1C}">
+                <a14:useLocalDpi xmlns:a14="http://schemas.microsoft.com/office/drawing/2010/main" val="0"/>
+              </a:ext>
+            </a:extLst>
+          </a:blip>
+          <a:stretch>
+            <a:fillRect/>
+          </a:stretch>
+        </p:blipFill>
+        <p:spPr>
+          <a:xfrm>
+            <a:off x="4645025" y="2699415"/>
+            <a:ext cx="4041775" cy="2902207"/>
+          </a:xfrm>
+        </p:spPr>
+      </p:pic>
+    </p:spTree>
+    <p:extLst>
+      <p:ext uri="{BB962C8B-B14F-4D97-AF65-F5344CB8AC3E}">
+        <p14:creationId xmlns:p14="http://schemas.microsoft.com/office/powerpoint/2010/main" val="1501920978"/>
+      </p:ext>
+    </p:extLst>
+  </p:cSld>
+  <p:clrMapOvr>
+    <a:masterClrMapping/>
+  </p:clrMapOvr>
+  <p:timing>
+    <p:tnLst>
+      <p:par>
+        <p:cTn id="1" dur="indefinite" restart="never" nodeType="tmRoot"/>
+      </p:par>
+    </p:tnLst>
+  </p:timing>
+</p:sld>
+</file>
+
+<file path=ppt/slides/slide12.xml><?xml version="1.0" encoding="utf-8"?>
+<p:sld xmlns:a="http://schemas.openxmlformats.org/drawingml/2006/main" xmlns:r="http://schemas.openxmlformats.org/officeDocument/2006/relationships" xmlns:p="http://schemas.openxmlformats.org/presentationml/2006/main">
+  <p:cSld>
+    <p:spTree>
+      <p:nvGrpSpPr>
+        <p:cNvPr id="1" name=""/>
+        <p:cNvGrpSpPr/>
+        <p:nvPr/>
+      </p:nvGrpSpPr>
+      <p:grpSpPr>
+        <a:xfrm>
+          <a:off x="0" y="0"/>
+          <a:ext cx="0" cy="0"/>
+          <a:chOff x="0" y="0"/>
+          <a:chExt cx="0" cy="0"/>
+        </a:xfrm>
+      </p:grpSpPr>
+      <p:sp>
+        <p:nvSpPr>
+          <p:cNvPr id="14" name="Заголовок 13"/>
+          <p:cNvSpPr>
+            <a:spLocks noGrp="1"/>
+          </p:cNvSpPr>
+          <p:nvPr>
+            <p:ph type="title"/>
+          </p:nvPr>
+        </p:nvSpPr>
         <p:spPr>
           <a:xfrm>
             <a:off x="457200" y="274638"/>
@@ -4118,7 +4308,7 @@
           <a:p>
             <a:fld id="{B19B0651-EE4F-4900-A07F-96A6BFA9D0F0}" type="slidenum">
               <a:rPr lang="ru-RU" sz="1400" i="1" smtClean="0"/>
-              <a:t>11</a:t>
+              <a:t>12</a:t>
             </a:fld>
             <a:endParaRPr lang="ru-RU" sz="1400" i="1" dirty="0"/>
           </a:p>
@@ -4208,7 +4398,7 @@
 </p:sld>
 </file>
 
-<file path=ppt/slides/slide12.xml><?xml version="1.0" encoding="utf-8"?>
+<file path=ppt/slides/slide13.xml><?xml version="1.0" encoding="utf-8"?>
 <p:sld xmlns:a="http://schemas.openxmlformats.org/drawingml/2006/main" xmlns:r="http://schemas.openxmlformats.org/officeDocument/2006/relationships" xmlns:p="http://schemas.openxmlformats.org/presentationml/2006/main">
   <p:cSld>
     <p:spTree>
@@ -4267,7 +4457,7 @@
           <a:p>
             <a:fld id="{B19B0651-EE4F-4900-A07F-96A6BFA9D0F0}" type="slidenum">
               <a:rPr lang="ru-RU" sz="1400" i="1" smtClean="0"/>
-              <a:t>12</a:t>
+              <a:t>13</a:t>
             </a:fld>
             <a:endParaRPr lang="ru-RU" sz="1400" i="1" dirty="0"/>
           </a:p>
@@ -4387,7 +4577,7 @@
 </p:sld>
 </file>
 
-<file path=ppt/slides/slide13.xml><?xml version="1.0" encoding="utf-8"?>
+<file path=ppt/slides/slide14.xml><?xml version="1.0" encoding="utf-8"?>
 <p:sld xmlns:a="http://schemas.openxmlformats.org/drawingml/2006/main" xmlns:r="http://schemas.openxmlformats.org/officeDocument/2006/relationships" xmlns:p="http://schemas.openxmlformats.org/presentationml/2006/main">
   <p:cSld>
     <p:spTree>
@@ -4446,7 +4636,7 @@
           <a:p>
             <a:fld id="{B19B0651-EE4F-4900-A07F-96A6BFA9D0F0}" type="slidenum">
               <a:rPr lang="ru-RU" sz="1400" i="1" smtClean="0"/>
-              <a:t>13</a:t>
+              <a:t>14</a:t>
             </a:fld>
             <a:endParaRPr lang="ru-RU" sz="1400" i="1" dirty="0"/>
           </a:p>
@@ -4532,7 +4722,7 @@
 </p:sld>
 </file>
 
-<file path=ppt/slides/slide14.xml><?xml version="1.0" encoding="utf-8"?>
+<file path=ppt/slides/slide15.xml><?xml version="1.0" encoding="utf-8"?>
 <p:sld xmlns:a="http://schemas.openxmlformats.org/drawingml/2006/main" xmlns:r="http://schemas.openxmlformats.org/officeDocument/2006/relationships" xmlns:p="http://schemas.openxmlformats.org/presentationml/2006/main">
   <p:cSld>
     <p:spTree>
@@ -13817,7 +14007,7 @@
           <a:p>
             <a:fld id="{B19B0651-EE4F-4900-A07F-96A6BFA9D0F0}" type="slidenum">
               <a:rPr lang="ru-RU" sz="1400" i="1" smtClean="0"/>
-              <a:t>14</a:t>
+              <a:t>15</a:t>
             </a:fld>
             <a:endParaRPr lang="ru-RU" sz="1400" i="1" dirty="0"/>
           </a:p>
@@ -13843,7 +14033,7 @@
 </p:sld>
 </file>
 
-<file path=ppt/slides/slide15.xml><?xml version="1.0" encoding="utf-8"?>
+<file path=ppt/slides/slide16.xml><?xml version="1.0" encoding="utf-8"?>
 <p:sld xmlns:a="http://schemas.openxmlformats.org/drawingml/2006/main" xmlns:r="http://schemas.openxmlformats.org/officeDocument/2006/relationships" xmlns:p="http://schemas.openxmlformats.org/presentationml/2006/main">
   <p:cSld>
     <p:spTree>
@@ -13902,7 +14092,7 @@
           <a:p>
             <a:fld id="{B19B0651-EE4F-4900-A07F-96A6BFA9D0F0}" type="slidenum">
               <a:rPr lang="ru-RU" sz="1400" i="1" smtClean="0"/>
-              <a:t>15</a:t>
+              <a:t>16</a:t>
             </a:fld>
             <a:endParaRPr lang="ru-RU" sz="1400" i="1" dirty="0"/>
           </a:p>
@@ -14031,7 +14221,7 @@
 </p:sld>
 </file>
 
-<file path=ppt/slides/slide16.xml><?xml version="1.0" encoding="utf-8"?>
+<file path=ppt/slides/slide17.xml><?xml version="1.0" encoding="utf-8"?>
 <p:sld xmlns:a="http://schemas.openxmlformats.org/drawingml/2006/main" xmlns:r="http://schemas.openxmlformats.org/officeDocument/2006/relationships" xmlns:p="http://schemas.openxmlformats.org/presentationml/2006/main">
   <p:cSld>
     <p:spTree>
@@ -14340,7 +14530,7 @@
           <a:p>
             <a:fld id="{B19B0651-EE4F-4900-A07F-96A6BFA9D0F0}" type="slidenum">
               <a:rPr lang="ru-RU" sz="1400" i="1" smtClean="0"/>
-              <a:t>16</a:t>
+              <a:t>17</a:t>
             </a:fld>
             <a:endParaRPr lang="ru-RU" sz="1400" i="1" dirty="0"/>
           </a:p>
@@ -14459,7 +14649,7 @@
 </p:sld>
 </file>
 
-<file path=ppt/slides/slide17.xml><?xml version="1.0" encoding="utf-8"?>
+<file path=ppt/slides/slide18.xml><?xml version="1.0" encoding="utf-8"?>
 <p:sld xmlns:a="http://schemas.openxmlformats.org/drawingml/2006/main" xmlns:r="http://schemas.openxmlformats.org/officeDocument/2006/relationships" xmlns:p="http://schemas.openxmlformats.org/presentationml/2006/main">
   <p:cSld>
     <p:spTree>
@@ -14501,9 +14691,32 @@
           </a:p>
         </p:txBody>
       </p:sp>
+      <p:sp>
+        <p:nvSpPr>
+          <p:cNvPr id="4" name="Номер слайда 3"/>
+          <p:cNvSpPr>
+            <a:spLocks noGrp="1"/>
+          </p:cNvSpPr>
+          <p:nvPr>
+            <p:ph type="sldNum" sz="quarter" idx="12"/>
+          </p:nvPr>
+        </p:nvSpPr>
+        <p:spPr/>
+        <p:txBody>
+          <a:bodyPr/>
+          <a:lstStyle/>
+          <a:p>
+            <a:fld id="{B19B0651-EE4F-4900-A07F-96A6BFA9D0F0}" type="slidenum">
+              <a:rPr lang="ru-RU" sz="1400" i="1" smtClean="0"/>
+              <a:t>18</a:t>
+            </a:fld>
+            <a:endParaRPr lang="ru-RU" sz="1400" i="1" dirty="0"/>
+          </a:p>
+        </p:txBody>
+      </p:sp>
       <p:pic>
         <p:nvPicPr>
-          <p:cNvPr id="7" name="Объект 6"/>
+          <p:cNvPr id="3" name="Объект 2"/>
           <p:cNvPicPr>
             <a:picLocks noGrp="1" noChangeAspect="1"/>
           </p:cNvPicPr>
@@ -14526,33 +14739,10 @@
         <p:spPr>
           <a:xfrm>
             <a:off x="0" y="0"/>
-            <a:ext cx="9144000" cy="6455482"/>
+            <a:ext cx="9144000" cy="6462243"/>
           </a:xfrm>
         </p:spPr>
       </p:pic>
-      <p:sp>
-        <p:nvSpPr>
-          <p:cNvPr id="4" name="Номер слайда 3"/>
-          <p:cNvSpPr>
-            <a:spLocks noGrp="1"/>
-          </p:cNvSpPr>
-          <p:nvPr>
-            <p:ph type="sldNum" sz="quarter" idx="12"/>
-          </p:nvPr>
-        </p:nvSpPr>
-        <p:spPr/>
-        <p:txBody>
-          <a:bodyPr/>
-          <a:lstStyle/>
-          <a:p>
-            <a:fld id="{B19B0651-EE4F-4900-A07F-96A6BFA9D0F0}" type="slidenum">
-              <a:rPr lang="ru-RU" sz="1400" i="1" smtClean="0"/>
-              <a:t>17</a:t>
-            </a:fld>
-            <a:endParaRPr lang="ru-RU" sz="1400" i="1" dirty="0"/>
-          </a:p>
-        </p:txBody>
-      </p:sp>
     </p:spTree>
     <p:extLst>
       <p:ext uri="{BB962C8B-B14F-4D97-AF65-F5344CB8AC3E}">
@@ -14573,7 +14763,7 @@
 </p:sld>
 </file>
 
-<file path=ppt/slides/slide18.xml><?xml version="1.0" encoding="utf-8"?>
+<file path=ppt/slides/slide19.xml><?xml version="1.0" encoding="utf-8"?>
 <p:sld xmlns:a="http://schemas.openxmlformats.org/drawingml/2006/main" xmlns:r="http://schemas.openxmlformats.org/officeDocument/2006/relationships" xmlns:p="http://schemas.openxmlformats.org/presentationml/2006/main">
   <p:cSld>
     <p:spTree>
@@ -14670,7 +14860,7 @@
           <a:p>
             <a:fld id="{B19B0651-EE4F-4900-A07F-96A6BFA9D0F0}" type="slidenum">
               <a:rPr lang="ru-RU" sz="1400" i="1" smtClean="0"/>
-              <a:t>18</a:t>
+              <a:t>19</a:t>
             </a:fld>
             <a:endParaRPr lang="ru-RU" sz="1400" i="1" dirty="0"/>
           </a:p>
@@ -14680,220 +14870,6 @@
     <p:extLst>
       <p:ext uri="{BB962C8B-B14F-4D97-AF65-F5344CB8AC3E}">
         <p14:creationId xmlns:p14="http://schemas.microsoft.com/office/powerpoint/2010/main" val="3971827909"/>
-      </p:ext>
-    </p:extLst>
-  </p:cSld>
-  <p:clrMapOvr>
-    <a:masterClrMapping/>
-  </p:clrMapOvr>
-  <p:timing>
-    <p:tnLst>
-      <p:par>
-        <p:cTn id="1" dur="indefinite" restart="never" nodeType="tmRoot"/>
-      </p:par>
-    </p:tnLst>
-  </p:timing>
-</p:sld>
-</file>
-
-<file path=ppt/slides/slide19.xml><?xml version="1.0" encoding="utf-8"?>
-<p:sld xmlns:a="http://schemas.openxmlformats.org/drawingml/2006/main" xmlns:r="http://schemas.openxmlformats.org/officeDocument/2006/relationships" xmlns:p="http://schemas.openxmlformats.org/presentationml/2006/main">
-  <p:cSld>
-    <p:spTree>
-      <p:nvGrpSpPr>
-        <p:cNvPr id="1" name=""/>
-        <p:cNvGrpSpPr/>
-        <p:nvPr/>
-      </p:nvGrpSpPr>
-      <p:grpSpPr>
-        <a:xfrm>
-          <a:off x="0" y="0"/>
-          <a:ext cx="0" cy="0"/>
-          <a:chOff x="0" y="0"/>
-          <a:chExt cx="0" cy="0"/>
-        </a:xfrm>
-      </p:grpSpPr>
-      <p:sp>
-        <p:nvSpPr>
-          <p:cNvPr id="14" name="Заголовок 13"/>
-          <p:cNvSpPr>
-            <a:spLocks noGrp="1"/>
-          </p:cNvSpPr>
-          <p:nvPr>
-            <p:ph type="title"/>
-          </p:nvPr>
-        </p:nvSpPr>
-        <p:spPr/>
-        <p:txBody>
-          <a:bodyPr>
-            <a:noAutofit/>
-          </a:bodyPr>
-          <a:lstStyle/>
-          <a:p>
-            <a:r>
-              <a:rPr lang="ru-RU" sz="3600" i="1" dirty="0" smtClean="0"/>
-              <a:t>Организационно </a:t>
-            </a:r>
-            <a:r>
-              <a:rPr lang="ru-RU" sz="3600" i="1" dirty="0"/>
-              <a:t>– </a:t>
-            </a:r>
-            <a:r>
-              <a:rPr lang="ru-RU" sz="3600" i="1" dirty="0" smtClean="0"/>
-              <a:t>экономическая часть </a:t>
-            </a:r>
-            <a:endParaRPr lang="ru-RU" sz="3500" i="1" dirty="0"/>
-          </a:p>
-        </p:txBody>
-      </p:sp>
-      <p:sp>
-        <p:nvSpPr>
-          <p:cNvPr id="8" name="Текст 7"/>
-          <p:cNvSpPr>
-            <a:spLocks noGrp="1"/>
-          </p:cNvSpPr>
-          <p:nvPr>
-            <p:ph type="body" idx="1"/>
-          </p:nvPr>
-        </p:nvSpPr>
-        <p:spPr/>
-        <p:txBody>
-          <a:bodyPr>
-            <a:normAutofit fontScale="92500" lnSpcReduction="20000"/>
-          </a:bodyPr>
-          <a:lstStyle/>
-          <a:p>
-            <a:pPr algn="ctr"/>
-            <a:r>
-              <a:rPr lang="ru-RU" b="0" i="1" dirty="0" smtClean="0"/>
-              <a:t>Продолжительность </a:t>
-            </a:r>
-            <a:r>
-              <a:rPr lang="ru-RU" b="0" i="1" dirty="0"/>
-              <a:t>всех стадий работ </a:t>
-            </a:r>
-          </a:p>
-        </p:txBody>
-      </p:sp>
-      <p:pic>
-        <p:nvPicPr>
-          <p:cNvPr id="13" name="Объект 12"/>
-          <p:cNvPicPr>
-            <a:picLocks noGrp="1" noChangeAspect="1"/>
-          </p:cNvPicPr>
-          <p:nvPr>
-            <p:ph sz="half" idx="2"/>
-          </p:nvPr>
-        </p:nvPicPr>
-        <p:blipFill>
-          <a:blip r:embed="rId2">
-            <a:extLst>
-              <a:ext uri="{28A0092B-C50C-407E-A947-70E740481C1C}">
-                <a14:useLocalDpi xmlns:a14="http://schemas.microsoft.com/office/drawing/2010/main" val="0"/>
-              </a:ext>
-            </a:extLst>
-          </a:blip>
-          <a:stretch>
-            <a:fillRect/>
-          </a:stretch>
-        </p:blipFill>
-        <p:spPr>
-          <a:xfrm>
-            <a:off x="1053047" y="2174875"/>
-            <a:ext cx="2848493" cy="3951288"/>
-          </a:xfrm>
-        </p:spPr>
-      </p:pic>
-      <p:sp>
-        <p:nvSpPr>
-          <p:cNvPr id="10" name="Текст 9"/>
-          <p:cNvSpPr>
-            <a:spLocks noGrp="1"/>
-          </p:cNvSpPr>
-          <p:nvPr>
-            <p:ph type="body" sz="quarter" idx="3"/>
-          </p:nvPr>
-        </p:nvSpPr>
-        <p:spPr/>
-        <p:txBody>
-          <a:bodyPr>
-            <a:normAutofit fontScale="92500" lnSpcReduction="20000"/>
-          </a:bodyPr>
-          <a:lstStyle/>
-          <a:p>
-            <a:pPr algn="ctr"/>
-            <a:r>
-              <a:rPr lang="ru-RU" b="0" i="1" dirty="0" smtClean="0"/>
-              <a:t>Общая </a:t>
-            </a:r>
-            <a:r>
-              <a:rPr lang="ru-RU" b="0" i="1" dirty="0"/>
-              <a:t>структура затрат на </a:t>
-            </a:r>
-            <a:r>
-              <a:rPr lang="ru-RU" b="0" i="1" dirty="0" smtClean="0"/>
-              <a:t>проектирование</a:t>
-            </a:r>
-            <a:endParaRPr lang="ru-RU" b="0" i="1" dirty="0"/>
-          </a:p>
-        </p:txBody>
-      </p:sp>
-      <p:pic>
-        <p:nvPicPr>
-          <p:cNvPr id="12" name="Объект 11"/>
-          <p:cNvPicPr>
-            <a:picLocks noGrp="1" noChangeAspect="1"/>
-          </p:cNvPicPr>
-          <p:nvPr>
-            <p:ph sz="quarter" idx="4"/>
-          </p:nvPr>
-        </p:nvPicPr>
-        <p:blipFill>
-          <a:blip r:embed="rId3">
-            <a:extLst>
-              <a:ext uri="{28A0092B-C50C-407E-A947-70E740481C1C}">
-                <a14:useLocalDpi xmlns:a14="http://schemas.microsoft.com/office/drawing/2010/main" val="0"/>
-              </a:ext>
-            </a:extLst>
-          </a:blip>
-          <a:stretch>
-            <a:fillRect/>
-          </a:stretch>
-        </p:blipFill>
-        <p:spPr>
-          <a:xfrm>
-            <a:off x="5182248" y="2204864"/>
-            <a:ext cx="2967329" cy="3951288"/>
-          </a:xfrm>
-        </p:spPr>
-      </p:pic>
-      <p:sp>
-        <p:nvSpPr>
-          <p:cNvPr id="4" name="Номер слайда 3"/>
-          <p:cNvSpPr>
-            <a:spLocks noGrp="1"/>
-          </p:cNvSpPr>
-          <p:nvPr>
-            <p:ph type="sldNum" sz="quarter" idx="12"/>
-          </p:nvPr>
-        </p:nvSpPr>
-        <p:spPr/>
-        <p:txBody>
-          <a:bodyPr/>
-          <a:lstStyle/>
-          <a:p>
-            <a:fld id="{B19B0651-EE4F-4900-A07F-96A6BFA9D0F0}" type="slidenum">
-              <a:rPr lang="ru-RU" sz="1400" i="1" smtClean="0"/>
-              <a:t>19</a:t>
-            </a:fld>
-            <a:endParaRPr lang="ru-RU" sz="1400" i="1" dirty="0"/>
-          </a:p>
-        </p:txBody>
-      </p:sp>
-    </p:spTree>
-    <p:extLst>
-      <p:ext uri="{BB962C8B-B14F-4D97-AF65-F5344CB8AC3E}">
-        <p14:creationId xmlns:p14="http://schemas.microsoft.com/office/powerpoint/2010/main" val="3056588272"/>
       </p:ext>
     </p:extLst>
   </p:cSld>
@@ -15277,6 +15253,339 @@
             <p:ph type="title"/>
           </p:nvPr>
         </p:nvSpPr>
+        <p:spPr/>
+        <p:txBody>
+          <a:bodyPr>
+            <a:noAutofit/>
+          </a:bodyPr>
+          <a:lstStyle/>
+          <a:p>
+            <a:r>
+              <a:rPr lang="ru-RU" sz="3600" i="1" dirty="0" smtClean="0"/>
+              <a:t>Операционная технология</a:t>
+            </a:r>
+            <a:endParaRPr lang="ru-RU" sz="3500" i="1" dirty="0"/>
+          </a:p>
+        </p:txBody>
+      </p:sp>
+      <p:sp>
+        <p:nvSpPr>
+          <p:cNvPr id="4" name="Номер слайда 3"/>
+          <p:cNvSpPr>
+            <a:spLocks noGrp="1"/>
+          </p:cNvSpPr>
+          <p:nvPr>
+            <p:ph type="sldNum" sz="quarter" idx="12"/>
+          </p:nvPr>
+        </p:nvSpPr>
+        <p:spPr>
+          <a:xfrm>
+            <a:off x="6553200" y="6453336"/>
+            <a:ext cx="2133600" cy="365125"/>
+          </a:xfrm>
+        </p:spPr>
+        <p:txBody>
+          <a:bodyPr/>
+          <a:lstStyle/>
+          <a:p>
+            <a:fld id="{B19B0651-EE4F-4900-A07F-96A6BFA9D0F0}" type="slidenum">
+              <a:rPr lang="ru-RU" sz="1400" i="1" smtClean="0"/>
+              <a:t>20</a:t>
+            </a:fld>
+            <a:endParaRPr lang="ru-RU" sz="1400" i="1" dirty="0"/>
+          </a:p>
+        </p:txBody>
+      </p:sp>
+      <p:pic>
+        <p:nvPicPr>
+          <p:cNvPr id="3" name="Объект 2"/>
+          <p:cNvPicPr>
+            <a:picLocks noGrp="1" noChangeAspect="1"/>
+          </p:cNvPicPr>
+          <p:nvPr>
+            <p:ph idx="1"/>
+          </p:nvPr>
+        </p:nvPicPr>
+        <p:blipFill>
+          <a:blip r:embed="rId2">
+            <a:extLst>
+              <a:ext uri="{28A0092B-C50C-407E-A947-70E740481C1C}">
+                <a14:useLocalDpi xmlns:a14="http://schemas.microsoft.com/office/drawing/2010/main" val="0"/>
+              </a:ext>
+            </a:extLst>
+          </a:blip>
+          <a:stretch>
+            <a:fillRect/>
+          </a:stretch>
+        </p:blipFill>
+        <p:spPr>
+          <a:xfrm>
+            <a:off x="35496" y="44624"/>
+            <a:ext cx="9125775" cy="6453336"/>
+          </a:xfrm>
+        </p:spPr>
+      </p:pic>
+    </p:spTree>
+    <p:extLst>
+      <p:ext uri="{BB962C8B-B14F-4D97-AF65-F5344CB8AC3E}">
+        <p14:creationId xmlns:p14="http://schemas.microsoft.com/office/powerpoint/2010/main" val="3407094793"/>
+      </p:ext>
+    </p:extLst>
+  </p:cSld>
+  <p:clrMapOvr>
+    <a:masterClrMapping/>
+  </p:clrMapOvr>
+  <p:timing>
+    <p:tnLst>
+      <p:par>
+        <p:cTn id="1" dur="indefinite" restart="never" nodeType="tmRoot"/>
+      </p:par>
+    </p:tnLst>
+  </p:timing>
+</p:sld>
+</file>
+
+<file path=ppt/slides/slide21.xml><?xml version="1.0" encoding="utf-8"?>
+<p:sld xmlns:a="http://schemas.openxmlformats.org/drawingml/2006/main" xmlns:r="http://schemas.openxmlformats.org/officeDocument/2006/relationships" xmlns:p="http://schemas.openxmlformats.org/presentationml/2006/main">
+  <p:cSld>
+    <p:spTree>
+      <p:nvGrpSpPr>
+        <p:cNvPr id="1" name=""/>
+        <p:cNvGrpSpPr/>
+        <p:nvPr/>
+      </p:nvGrpSpPr>
+      <p:grpSpPr>
+        <a:xfrm>
+          <a:off x="0" y="0"/>
+          <a:ext cx="0" cy="0"/>
+          <a:chOff x="0" y="0"/>
+          <a:chExt cx="0" cy="0"/>
+        </a:xfrm>
+      </p:grpSpPr>
+      <p:sp>
+        <p:nvSpPr>
+          <p:cNvPr id="14" name="Заголовок 13"/>
+          <p:cNvSpPr>
+            <a:spLocks noGrp="1"/>
+          </p:cNvSpPr>
+          <p:nvPr>
+            <p:ph type="title"/>
+          </p:nvPr>
+        </p:nvSpPr>
+        <p:spPr/>
+        <p:txBody>
+          <a:bodyPr>
+            <a:noAutofit/>
+          </a:bodyPr>
+          <a:lstStyle/>
+          <a:p>
+            <a:r>
+              <a:rPr lang="ru-RU" sz="3600" i="1" dirty="0" smtClean="0"/>
+              <a:t>Организационно </a:t>
+            </a:r>
+            <a:r>
+              <a:rPr lang="ru-RU" sz="3600" i="1" dirty="0"/>
+              <a:t>– </a:t>
+            </a:r>
+            <a:r>
+              <a:rPr lang="ru-RU" sz="3600" i="1" dirty="0" smtClean="0"/>
+              <a:t>экономическая часть </a:t>
+            </a:r>
+            <a:endParaRPr lang="ru-RU" sz="3500" i="1" dirty="0"/>
+          </a:p>
+        </p:txBody>
+      </p:sp>
+      <p:sp>
+        <p:nvSpPr>
+          <p:cNvPr id="8" name="Текст 7"/>
+          <p:cNvSpPr>
+            <a:spLocks noGrp="1"/>
+          </p:cNvSpPr>
+          <p:nvPr>
+            <p:ph type="body" idx="1"/>
+          </p:nvPr>
+        </p:nvSpPr>
+        <p:spPr/>
+        <p:txBody>
+          <a:bodyPr>
+            <a:normAutofit fontScale="92500" lnSpcReduction="20000"/>
+          </a:bodyPr>
+          <a:lstStyle/>
+          <a:p>
+            <a:pPr algn="ctr"/>
+            <a:r>
+              <a:rPr lang="ru-RU" b="0" i="1" dirty="0" smtClean="0"/>
+              <a:t>Продолжительность </a:t>
+            </a:r>
+            <a:r>
+              <a:rPr lang="ru-RU" b="0" i="1" dirty="0"/>
+              <a:t>всех стадий работ </a:t>
+            </a:r>
+          </a:p>
+        </p:txBody>
+      </p:sp>
+      <p:pic>
+        <p:nvPicPr>
+          <p:cNvPr id="13" name="Объект 12"/>
+          <p:cNvPicPr>
+            <a:picLocks noGrp="1" noChangeAspect="1"/>
+          </p:cNvPicPr>
+          <p:nvPr>
+            <p:ph sz="half" idx="2"/>
+          </p:nvPr>
+        </p:nvPicPr>
+        <p:blipFill>
+          <a:blip r:embed="rId2">
+            <a:extLst>
+              <a:ext uri="{28A0092B-C50C-407E-A947-70E740481C1C}">
+                <a14:useLocalDpi xmlns:a14="http://schemas.microsoft.com/office/drawing/2010/main" val="0"/>
+              </a:ext>
+            </a:extLst>
+          </a:blip>
+          <a:stretch>
+            <a:fillRect/>
+          </a:stretch>
+        </p:blipFill>
+        <p:spPr>
+          <a:xfrm>
+            <a:off x="1053047" y="2174875"/>
+            <a:ext cx="2848493" cy="3951288"/>
+          </a:xfrm>
+        </p:spPr>
+      </p:pic>
+      <p:sp>
+        <p:nvSpPr>
+          <p:cNvPr id="10" name="Текст 9"/>
+          <p:cNvSpPr>
+            <a:spLocks noGrp="1"/>
+          </p:cNvSpPr>
+          <p:nvPr>
+            <p:ph type="body" sz="quarter" idx="3"/>
+          </p:nvPr>
+        </p:nvSpPr>
+        <p:spPr/>
+        <p:txBody>
+          <a:bodyPr>
+            <a:normAutofit fontScale="92500" lnSpcReduction="20000"/>
+          </a:bodyPr>
+          <a:lstStyle/>
+          <a:p>
+            <a:pPr algn="ctr"/>
+            <a:r>
+              <a:rPr lang="ru-RU" b="0" i="1" dirty="0" smtClean="0"/>
+              <a:t>Общая </a:t>
+            </a:r>
+            <a:r>
+              <a:rPr lang="ru-RU" b="0" i="1" dirty="0"/>
+              <a:t>структура затрат на </a:t>
+            </a:r>
+            <a:r>
+              <a:rPr lang="ru-RU" b="0" i="1" dirty="0" smtClean="0"/>
+              <a:t>проектирование</a:t>
+            </a:r>
+            <a:endParaRPr lang="ru-RU" b="0" i="1" dirty="0"/>
+          </a:p>
+        </p:txBody>
+      </p:sp>
+      <p:pic>
+        <p:nvPicPr>
+          <p:cNvPr id="12" name="Объект 11"/>
+          <p:cNvPicPr>
+            <a:picLocks noGrp="1" noChangeAspect="1"/>
+          </p:cNvPicPr>
+          <p:nvPr>
+            <p:ph sz="quarter" idx="4"/>
+          </p:nvPr>
+        </p:nvPicPr>
+        <p:blipFill>
+          <a:blip r:embed="rId3">
+            <a:extLst>
+              <a:ext uri="{28A0092B-C50C-407E-A947-70E740481C1C}">
+                <a14:useLocalDpi xmlns:a14="http://schemas.microsoft.com/office/drawing/2010/main" val="0"/>
+              </a:ext>
+            </a:extLst>
+          </a:blip>
+          <a:stretch>
+            <a:fillRect/>
+          </a:stretch>
+        </p:blipFill>
+        <p:spPr>
+          <a:xfrm>
+            <a:off x="5182248" y="2204864"/>
+            <a:ext cx="2967329" cy="3951288"/>
+          </a:xfrm>
+        </p:spPr>
+      </p:pic>
+      <p:sp>
+        <p:nvSpPr>
+          <p:cNvPr id="4" name="Номер слайда 3"/>
+          <p:cNvSpPr>
+            <a:spLocks noGrp="1"/>
+          </p:cNvSpPr>
+          <p:nvPr>
+            <p:ph type="sldNum" sz="quarter" idx="12"/>
+          </p:nvPr>
+        </p:nvSpPr>
+        <p:spPr/>
+        <p:txBody>
+          <a:bodyPr/>
+          <a:lstStyle/>
+          <a:p>
+            <a:fld id="{B19B0651-EE4F-4900-A07F-96A6BFA9D0F0}" type="slidenum">
+              <a:rPr lang="ru-RU" sz="1400" i="1" smtClean="0"/>
+              <a:t>21</a:t>
+            </a:fld>
+            <a:endParaRPr lang="ru-RU" sz="1400" i="1" dirty="0"/>
+          </a:p>
+        </p:txBody>
+      </p:sp>
+    </p:spTree>
+    <p:extLst>
+      <p:ext uri="{BB962C8B-B14F-4D97-AF65-F5344CB8AC3E}">
+        <p14:creationId xmlns:p14="http://schemas.microsoft.com/office/powerpoint/2010/main" val="3056588272"/>
+      </p:ext>
+    </p:extLst>
+  </p:cSld>
+  <p:clrMapOvr>
+    <a:masterClrMapping/>
+  </p:clrMapOvr>
+  <p:timing>
+    <p:tnLst>
+      <p:par>
+        <p:cTn id="1" dur="indefinite" restart="never" nodeType="tmRoot"/>
+      </p:par>
+    </p:tnLst>
+  </p:timing>
+</p:sld>
+</file>
+
+<file path=ppt/slides/slide22.xml><?xml version="1.0" encoding="utf-8"?>
+<p:sld xmlns:a="http://schemas.openxmlformats.org/drawingml/2006/main" xmlns:r="http://schemas.openxmlformats.org/officeDocument/2006/relationships" xmlns:p="http://schemas.openxmlformats.org/presentationml/2006/main">
+  <p:cSld>
+    <p:spTree>
+      <p:nvGrpSpPr>
+        <p:cNvPr id="1" name=""/>
+        <p:cNvGrpSpPr/>
+        <p:nvPr/>
+      </p:nvGrpSpPr>
+      <p:grpSpPr>
+        <a:xfrm>
+          <a:off x="0" y="0"/>
+          <a:ext cx="0" cy="0"/>
+          <a:chOff x="0" y="0"/>
+          <a:chExt cx="0" cy="0"/>
+        </a:xfrm>
+      </p:grpSpPr>
+      <p:sp>
+        <p:nvSpPr>
+          <p:cNvPr id="14" name="Заголовок 13"/>
+          <p:cNvSpPr>
+            <a:spLocks noGrp="1"/>
+          </p:cNvSpPr>
+          <p:nvPr>
+            <p:ph type="title"/>
+          </p:nvPr>
+        </p:nvSpPr>
         <p:spPr>
           <a:xfrm>
             <a:off x="457200" y="116632"/>
@@ -15409,7 +15718,7 @@
           <a:p>
             <a:fld id="{B19B0651-EE4F-4900-A07F-96A6BFA9D0F0}" type="slidenum">
               <a:rPr lang="ru-RU" sz="1400" i="1" smtClean="0"/>
-              <a:t>20</a:t>
+              <a:t>22</a:t>
             </a:fld>
             <a:endParaRPr lang="ru-RU" sz="1400" i="1" dirty="0"/>
           </a:p>
@@ -15661,7 +15970,7 @@
 </p:sld>
 </file>
 
-<file path=ppt/slides/slide21.xml><?xml version="1.0" encoding="utf-8"?>
+<file path=ppt/slides/slide23.xml><?xml version="1.0" encoding="utf-8"?>
 <p:sld xmlns:a="http://schemas.openxmlformats.org/drawingml/2006/main" xmlns:r="http://schemas.openxmlformats.org/officeDocument/2006/relationships" xmlns:p="http://schemas.openxmlformats.org/presentationml/2006/main">
   <p:cSld>
     <p:spTree>
@@ -15854,7 +16163,7 @@
           <a:p>
             <a:fld id="{B19B0651-EE4F-4900-A07F-96A6BFA9D0F0}" type="slidenum">
               <a:rPr lang="ru-RU" sz="1400" i="1" smtClean="0"/>
-              <a:t>21</a:t>
+              <a:t>23</a:t>
             </a:fld>
             <a:endParaRPr lang="ru-RU" sz="1400" i="1" dirty="0"/>
           </a:p>
@@ -15880,7 +16189,7 @@
 </p:sld>
 </file>
 
-<file path=ppt/slides/slide22.xml><?xml version="1.0" encoding="utf-8"?>
+<file path=ppt/slides/slide24.xml><?xml version="1.0" encoding="utf-8"?>
 <p:sld xmlns:a="http://schemas.openxmlformats.org/drawingml/2006/main" xmlns:r="http://schemas.openxmlformats.org/officeDocument/2006/relationships" xmlns:p="http://schemas.openxmlformats.org/presentationml/2006/main">
   <p:cSld>
     <p:spTree>
@@ -15939,7 +16248,7 @@
           <a:p>
             <a:fld id="{B19B0651-EE4F-4900-A07F-96A6BFA9D0F0}" type="slidenum">
               <a:rPr lang="ru-RU" sz="1400" i="1" smtClean="0"/>
-              <a:t>22</a:t>
+              <a:t>24</a:t>
             </a:fld>
             <a:endParaRPr lang="ru-RU" sz="1400" i="1" dirty="0"/>
           </a:p>
@@ -16060,7 +16369,7 @@
       </p:sp>
       <p:pic>
         <p:nvPicPr>
-          <p:cNvPr id="7" name="Объект 6"/>
+          <p:cNvPr id="5" name="Объект 4"/>
           <p:cNvPicPr>
             <a:picLocks noGrp="1" noChangeAspect="1"/>
           </p:cNvPicPr>
@@ -16082,8 +16391,8 @@
         </p:blipFill>
         <p:spPr>
           <a:xfrm>
-            <a:off x="39247" y="56983"/>
-            <a:ext cx="9065507" cy="6396353"/>
+            <a:off x="0" y="0"/>
+            <a:ext cx="9144000" cy="6466224"/>
           </a:xfrm>
         </p:spPr>
       </p:pic>
@@ -19386,76 +19695,16 @@
         </p:nvSpPr>
         <p:spPr/>
         <p:txBody>
-          <a:bodyPr/>
+          <a:bodyPr>
+            <a:normAutofit fontScale="90000"/>
+          </a:bodyPr>
           <a:lstStyle/>
           <a:p>
             <a:r>
-              <a:rPr lang="ru-RU" i="1" dirty="0" smtClean="0"/>
-              <a:t>Нескорректированная система</a:t>
+              <a:rPr lang="ru-RU" i="1" dirty="0"/>
+              <a:t>Синтез следящего привода кисти робота</a:t>
             </a:r>
             <a:endParaRPr lang="ru-RU" i="1" dirty="0"/>
-          </a:p>
-        </p:txBody>
-      </p:sp>
-      <p:sp>
-        <p:nvSpPr>
-          <p:cNvPr id="7" name="Текст 6"/>
-          <p:cNvSpPr>
-            <a:spLocks noGrp="1"/>
-          </p:cNvSpPr>
-          <p:nvPr>
-            <p:ph type="body" idx="1"/>
-          </p:nvPr>
-        </p:nvSpPr>
-        <p:spPr>
-          <a:xfrm>
-            <a:off x="1435782" y="2717230"/>
-            <a:ext cx="6272436" cy="639762"/>
-          </a:xfrm>
-        </p:spPr>
-        <p:txBody>
-          <a:bodyPr>
-            <a:noAutofit/>
-          </a:bodyPr>
-          <a:lstStyle/>
-          <a:p>
-            <a:pPr algn="ctr"/>
-            <a:r>
-              <a:rPr lang="en-US" b="0" i="1" dirty="0"/>
-              <a:t>Структурная схема замкнутой системы</a:t>
-            </a:r>
-            <a:endParaRPr lang="ru-RU" b="0" i="1" dirty="0"/>
-          </a:p>
-        </p:txBody>
-      </p:sp>
-      <p:sp>
-        <p:nvSpPr>
-          <p:cNvPr id="9" name="Текст 8"/>
-          <p:cNvSpPr>
-            <a:spLocks noGrp="1"/>
-          </p:cNvSpPr>
-          <p:nvPr>
-            <p:ph type="body" sz="quarter" idx="3"/>
-          </p:nvPr>
-        </p:nvSpPr>
-        <p:spPr>
-          <a:xfrm>
-            <a:off x="462372" y="5669558"/>
-            <a:ext cx="8219256" cy="639762"/>
-          </a:xfrm>
-        </p:spPr>
-        <p:txBody>
-          <a:bodyPr>
-            <a:noAutofit/>
-          </a:bodyPr>
-          <a:lstStyle/>
-          <a:p>
-            <a:pPr algn="ctr"/>
-            <a:r>
-              <a:rPr lang="ru-RU" b="0" i="1" dirty="0" smtClean="0"/>
-              <a:t>Ошибка нескорректированной системы</a:t>
-            </a:r>
-            <a:endParaRPr lang="ru-RU" b="0" i="1" dirty="0"/>
           </a:p>
         </p:txBody>
       </p:sp>
@@ -19482,18 +19731,346 @@
           </a:p>
         </p:txBody>
       </p:sp>
+      <mc:AlternateContent xmlns:mc="http://schemas.openxmlformats.org/markup-compatibility/2006">
+        <mc:Choice xmlns:a14="http://schemas.microsoft.com/office/drawing/2010/main" Requires="a14">
+          <p:sp>
+            <p:nvSpPr>
+              <p:cNvPr id="8" name="Объект 6"/>
+              <p:cNvSpPr txBox="1">
+                <a:spLocks/>
+              </p:cNvSpPr>
+              <p:nvPr/>
+            </p:nvSpPr>
+            <p:spPr>
+              <a:xfrm>
+                <a:off x="480671" y="1739949"/>
+                <a:ext cx="3875304" cy="824955"/>
+              </a:xfrm>
+              <a:prstGeom prst="rect">
+                <a:avLst/>
+              </a:prstGeom>
+            </p:spPr>
+            <p:txBody>
+              <a:bodyPr vert="horz" lIns="91440" tIns="45720" rIns="91440" bIns="45720" rtlCol="0" anchor="b">
+                <a:normAutofit/>
+              </a:bodyPr>
+              <a:lstStyle>
+                <a:lvl1pPr marL="0" indent="0" algn="l" defTabSz="914400" rtl="0" eaLnBrk="1" latinLnBrk="0" hangingPunct="1">
+                  <a:spcBef>
+                    <a:spcPct val="20000"/>
+                  </a:spcBef>
+                  <a:buFont typeface="Arial" pitchFamily="34" charset="0"/>
+                  <a:buNone/>
+                  <a:defRPr sz="2400" b="1" kern="1200">
+                    <a:solidFill>
+                      <a:schemeClr val="tx1"/>
+                    </a:solidFill>
+                    <a:latin typeface="+mn-lt"/>
+                    <a:ea typeface="+mn-ea"/>
+                    <a:cs typeface="+mn-cs"/>
+                  </a:defRPr>
+                </a:lvl1pPr>
+                <a:lvl2pPr marL="457200" indent="0" algn="l" defTabSz="914400" rtl="0" eaLnBrk="1" latinLnBrk="0" hangingPunct="1">
+                  <a:spcBef>
+                    <a:spcPct val="20000"/>
+                  </a:spcBef>
+                  <a:buFont typeface="Arial" pitchFamily="34" charset="0"/>
+                  <a:buNone/>
+                  <a:defRPr sz="2000" b="1" kern="1200">
+                    <a:solidFill>
+                      <a:schemeClr val="tx1"/>
+                    </a:solidFill>
+                    <a:latin typeface="+mn-lt"/>
+                    <a:ea typeface="+mn-ea"/>
+                    <a:cs typeface="+mn-cs"/>
+                  </a:defRPr>
+                </a:lvl2pPr>
+                <a:lvl3pPr marL="914400" indent="0" algn="l" defTabSz="914400" rtl="0" eaLnBrk="1" latinLnBrk="0" hangingPunct="1">
+                  <a:spcBef>
+                    <a:spcPct val="20000"/>
+                  </a:spcBef>
+                  <a:buFont typeface="Arial" pitchFamily="34" charset="0"/>
+                  <a:buNone/>
+                  <a:defRPr sz="1800" b="1" kern="1200">
+                    <a:solidFill>
+                      <a:schemeClr val="tx1"/>
+                    </a:solidFill>
+                    <a:latin typeface="+mn-lt"/>
+                    <a:ea typeface="+mn-ea"/>
+                    <a:cs typeface="+mn-cs"/>
+                  </a:defRPr>
+                </a:lvl3pPr>
+                <a:lvl4pPr marL="1371600" indent="0" algn="l" defTabSz="914400" rtl="0" eaLnBrk="1" latinLnBrk="0" hangingPunct="1">
+                  <a:spcBef>
+                    <a:spcPct val="20000"/>
+                  </a:spcBef>
+                  <a:buFont typeface="Arial" pitchFamily="34" charset="0"/>
+                  <a:buNone/>
+                  <a:defRPr sz="1600" b="1" kern="1200">
+                    <a:solidFill>
+                      <a:schemeClr val="tx1"/>
+                    </a:solidFill>
+                    <a:latin typeface="+mn-lt"/>
+                    <a:ea typeface="+mn-ea"/>
+                    <a:cs typeface="+mn-cs"/>
+                  </a:defRPr>
+                </a:lvl4pPr>
+                <a:lvl5pPr marL="1828800" indent="0" algn="l" defTabSz="914400" rtl="0" eaLnBrk="1" latinLnBrk="0" hangingPunct="1">
+                  <a:spcBef>
+                    <a:spcPct val="20000"/>
+                  </a:spcBef>
+                  <a:buFont typeface="Arial" pitchFamily="34" charset="0"/>
+                  <a:buNone/>
+                  <a:defRPr sz="1600" b="1" kern="1200">
+                    <a:solidFill>
+                      <a:schemeClr val="tx1"/>
+                    </a:solidFill>
+                    <a:latin typeface="+mn-lt"/>
+                    <a:ea typeface="+mn-ea"/>
+                    <a:cs typeface="+mn-cs"/>
+                  </a:defRPr>
+                </a:lvl5pPr>
+                <a:lvl6pPr marL="2286000" indent="0" algn="l" defTabSz="914400" rtl="0" eaLnBrk="1" latinLnBrk="0" hangingPunct="1">
+                  <a:spcBef>
+                    <a:spcPct val="20000"/>
+                  </a:spcBef>
+                  <a:buFont typeface="Arial" pitchFamily="34" charset="0"/>
+                  <a:buNone/>
+                  <a:defRPr sz="1600" b="1" kern="1200">
+                    <a:solidFill>
+                      <a:schemeClr val="tx1"/>
+                    </a:solidFill>
+                    <a:latin typeface="+mn-lt"/>
+                    <a:ea typeface="+mn-ea"/>
+                    <a:cs typeface="+mn-cs"/>
+                  </a:defRPr>
+                </a:lvl6pPr>
+                <a:lvl7pPr marL="2743200" indent="0" algn="l" defTabSz="914400" rtl="0" eaLnBrk="1" latinLnBrk="0" hangingPunct="1">
+                  <a:spcBef>
+                    <a:spcPct val="20000"/>
+                  </a:spcBef>
+                  <a:buFont typeface="Arial" pitchFamily="34" charset="0"/>
+                  <a:buNone/>
+                  <a:defRPr sz="1600" b="1" kern="1200">
+                    <a:solidFill>
+                      <a:schemeClr val="tx1"/>
+                    </a:solidFill>
+                    <a:latin typeface="+mn-lt"/>
+                    <a:ea typeface="+mn-ea"/>
+                    <a:cs typeface="+mn-cs"/>
+                  </a:defRPr>
+                </a:lvl7pPr>
+                <a:lvl8pPr marL="3200400" indent="0" algn="l" defTabSz="914400" rtl="0" eaLnBrk="1" latinLnBrk="0" hangingPunct="1">
+                  <a:spcBef>
+                    <a:spcPct val="20000"/>
+                  </a:spcBef>
+                  <a:buFont typeface="Arial" pitchFamily="34" charset="0"/>
+                  <a:buNone/>
+                  <a:defRPr sz="1600" b="1" kern="1200">
+                    <a:solidFill>
+                      <a:schemeClr val="tx1"/>
+                    </a:solidFill>
+                    <a:latin typeface="+mn-lt"/>
+                    <a:ea typeface="+mn-ea"/>
+                    <a:cs typeface="+mn-cs"/>
+                  </a:defRPr>
+                </a:lvl8pPr>
+                <a:lvl9pPr marL="3657600" indent="0" algn="l" defTabSz="914400" rtl="0" eaLnBrk="1" latinLnBrk="0" hangingPunct="1">
+                  <a:spcBef>
+                    <a:spcPct val="20000"/>
+                  </a:spcBef>
+                  <a:buFont typeface="Arial" pitchFamily="34" charset="0"/>
+                  <a:buNone/>
+                  <a:defRPr sz="1600" b="1" kern="1200">
+                    <a:solidFill>
+                      <a:schemeClr val="tx1"/>
+                    </a:solidFill>
+                    <a:latin typeface="+mn-lt"/>
+                    <a:ea typeface="+mn-ea"/>
+                    <a:cs typeface="+mn-cs"/>
+                  </a:defRPr>
+                </a:lvl9pPr>
+              </a:lstStyle>
+              <a:p>
+                <a14:m>
+                  <m:oMathPara xmlns:m="http://schemas.openxmlformats.org/officeDocument/2006/math">
+                    <m:oMathParaPr>
+                      <m:jc m:val="centerGroup"/>
+                    </m:oMathParaPr>
+                    <m:oMath xmlns:m="http://schemas.openxmlformats.org/officeDocument/2006/math">
+                      <m:sSub>
+                        <m:sSubPr>
+                          <m:ctrlPr>
+                            <a:rPr lang="ru-RU" sz="1100" i="1"/>
+                          </m:ctrlPr>
+                        </m:sSubPr>
+                        <m:e>
+                          <m:r>
+                            <a:rPr lang="en-US" sz="1100" i="1"/>
+                            <m:t>𝑊</m:t>
+                          </m:r>
+                        </m:e>
+                        <m:sub>
+                          <m:r>
+                            <a:rPr lang="en-US" sz="1100" i="1"/>
+                            <m:t>нч</m:t>
+                          </m:r>
+                        </m:sub>
+                      </m:sSub>
+                      <m:d>
+                        <m:dPr>
+                          <m:ctrlPr>
+                            <a:rPr lang="ru-RU" sz="1100" i="1"/>
+                          </m:ctrlPr>
+                        </m:dPr>
+                        <m:e>
+                          <m:r>
+                            <a:rPr lang="en-US" sz="1100" i="1"/>
+                            <m:t>𝑠</m:t>
+                          </m:r>
+                        </m:e>
+                      </m:d>
+                      <m:r>
+                        <a:rPr lang="ru-RU" sz="1100"/>
+                        <m:t>=</m:t>
+                      </m:r>
+                      <m:f>
+                        <m:fPr>
+                          <m:ctrlPr>
+                            <a:rPr lang="ru-RU" sz="1100" i="1"/>
+                          </m:ctrlPr>
+                        </m:fPr>
+                        <m:num>
+                          <m:r>
+                            <a:rPr lang="ru-RU" sz="1100" i="1"/>
+                            <m:t>22.852 </m:t>
+                          </m:r>
+                        </m:num>
+                        <m:den>
+                          <m:r>
+                            <a:rPr lang="en-US" sz="1100" i="1"/>
+                            <m:t>𝑠</m:t>
+                          </m:r>
+                          <m:r>
+                            <a:rPr lang="ru-RU" sz="1100" i="1"/>
+                            <m:t>(0.0043</m:t>
+                          </m:r>
+                          <m:r>
+                            <a:rPr lang="en-US" sz="1100" i="1"/>
+                            <m:t>𝑠</m:t>
+                          </m:r>
+                          <m:r>
+                            <a:rPr lang="ru-RU" sz="1100" i="1"/>
+                            <m:t>+1)(0.043</m:t>
+                          </m:r>
+                          <m:r>
+                            <a:rPr lang="en-US" sz="1100" i="1"/>
+                            <m:t>𝑠</m:t>
+                          </m:r>
+                          <m:r>
+                            <a:rPr lang="ru-RU" sz="1100" i="1"/>
+                            <m:t>+1)</m:t>
+                          </m:r>
+                        </m:den>
+                      </m:f>
+                    </m:oMath>
+                  </m:oMathPara>
+                </a14:m>
+                <a:endParaRPr lang="ru-RU" sz="1100" dirty="0"/>
+              </a:p>
+            </p:txBody>
+          </p:sp>
+        </mc:Choice>
+        <mc:Fallback>
+          <p:sp>
+            <p:nvSpPr>
+              <p:cNvPr id="8" name="Объект 6"/>
+              <p:cNvSpPr txBox="1">
+                <a:spLocks noRot="1" noChangeAspect="1" noMove="1" noResize="1" noEditPoints="1" noAdjustHandles="1" noChangeArrowheads="1" noChangeShapeType="1" noTextEdit="1"/>
+              </p:cNvSpPr>
+              <p:nvPr/>
+            </p:nvSpPr>
+            <p:spPr>
+              <a:xfrm>
+                <a:off x="480671" y="1739949"/>
+                <a:ext cx="3875304" cy="824955"/>
+              </a:xfrm>
+              <a:prstGeom prst="rect">
+                <a:avLst/>
+              </a:prstGeom>
+              <a:blipFill rotWithShape="1">
+                <a:blip r:embed="rId2"/>
+                <a:stretch>
+                  <a:fillRect b="-2206"/>
+                </a:stretch>
+              </a:blipFill>
+            </p:spPr>
+            <p:txBody>
+              <a:bodyPr/>
+              <a:lstStyle/>
+              <a:p>
+                <a:r>
+                  <a:rPr lang="ru-RU">
+                    <a:noFill/>
+                  </a:rPr>
+                  <a:t> </a:t>
+                </a:r>
+              </a:p>
+            </p:txBody>
+          </p:sp>
+        </mc:Fallback>
+      </mc:AlternateContent>
+      <p:sp>
+        <p:nvSpPr>
+          <p:cNvPr id="10" name="TextBox 9"/>
+          <p:cNvSpPr txBox="1"/>
+          <p:nvPr/>
+        </p:nvSpPr>
+        <p:spPr>
+          <a:xfrm>
+            <a:off x="480671" y="1340768"/>
+            <a:ext cx="3875305" cy="707886"/>
+          </a:xfrm>
+          <a:prstGeom prst="rect">
+            <a:avLst/>
+          </a:prstGeom>
+          <a:noFill/>
+        </p:spPr>
+        <p:txBody>
+          <a:bodyPr wrap="square" rtlCol="0">
+            <a:spAutoFit/>
+          </a:bodyPr>
+          <a:lstStyle/>
+          <a:p>
+            <a:pPr algn="ctr"/>
+            <a:r>
+              <a:rPr lang="ru-RU" sz="2000" i="1" dirty="0" smtClean="0"/>
+              <a:t>Передаточная функция</a:t>
+            </a:r>
+          </a:p>
+          <a:p>
+            <a:pPr algn="ctr"/>
+            <a:r>
+              <a:rPr lang="ru-RU" sz="2000" i="1" dirty="0" smtClean="0"/>
+              <a:t>неизменяемой </a:t>
+            </a:r>
+            <a:r>
+              <a:rPr lang="ru-RU" sz="2000" i="1" dirty="0"/>
+              <a:t>части</a:t>
+            </a:r>
+          </a:p>
+        </p:txBody>
+      </p:sp>
       <p:pic>
         <p:nvPicPr>
-          <p:cNvPr id="5" name="Объект 4"/>
+          <p:cNvPr id="14" name="Рисунок 13"/>
           <p:cNvPicPr>
-            <a:picLocks noGrp="1" noChangeAspect="1"/>
+            <a:picLocks noChangeAspect="1"/>
           </p:cNvPicPr>
-          <p:nvPr>
-            <p:ph sz="half" idx="2"/>
-          </p:nvPr>
+          <p:nvPr/>
         </p:nvPicPr>
         <p:blipFill>
-          <a:blip r:embed="rId2">
+          <a:blip r:embed="rId3" cstate="print">
             <a:extLst>
               <a:ext uri="{28A0092B-C50C-407E-A947-70E740481C1C}">
                 <a14:useLocalDpi xmlns:a14="http://schemas.microsoft.com/office/drawing/2010/main" val="0"/>
@@ -19506,23 +20083,429 @@
         </p:blipFill>
         <p:spPr>
           <a:xfrm>
-            <a:off x="1295636" y="1268760"/>
-            <a:ext cx="6552728" cy="1748282"/>
+            <a:off x="480671" y="3417777"/>
+            <a:ext cx="3875304" cy="2682903"/>
           </a:xfrm>
+          <a:prstGeom prst="rect">
+            <a:avLst/>
+          </a:prstGeom>
         </p:spPr>
       </p:pic>
+      <p:sp>
+        <p:nvSpPr>
+          <p:cNvPr id="15" name="TextBox 14"/>
+          <p:cNvSpPr txBox="1"/>
+          <p:nvPr/>
+        </p:nvSpPr>
+        <p:spPr>
+          <a:xfrm>
+            <a:off x="480672" y="2780928"/>
+            <a:ext cx="3875304" cy="707886"/>
+          </a:xfrm>
+          <a:prstGeom prst="rect">
+            <a:avLst/>
+          </a:prstGeom>
+          <a:noFill/>
+        </p:spPr>
+        <p:txBody>
+          <a:bodyPr wrap="square" rtlCol="0">
+            <a:spAutoFit/>
+          </a:bodyPr>
+          <a:lstStyle/>
+          <a:p>
+            <a:pPr algn="ctr"/>
+            <a:r>
+              <a:rPr lang="ru-RU" sz="2000" i="1" dirty="0"/>
+              <a:t>ЛАЧХ функции неизменяемой части и </a:t>
+            </a:r>
+            <a:r>
+              <a:rPr lang="ru-RU" sz="2000" i="1" dirty="0" smtClean="0"/>
+              <a:t>положение рабочей точки</a:t>
+            </a:r>
+            <a:endParaRPr lang="ru-RU" sz="2000" i="1" dirty="0"/>
+          </a:p>
+        </p:txBody>
+      </p:sp>
+      <mc:AlternateContent xmlns:mc="http://schemas.openxmlformats.org/markup-compatibility/2006">
+        <mc:Choice xmlns:a14="http://schemas.microsoft.com/office/drawing/2010/main" Requires="a14">
+          <p:sp>
+            <p:nvSpPr>
+              <p:cNvPr id="16" name="Объект 6"/>
+              <p:cNvSpPr txBox="1">
+                <a:spLocks/>
+              </p:cNvSpPr>
+              <p:nvPr/>
+            </p:nvSpPr>
+            <p:spPr>
+              <a:xfrm>
+                <a:off x="4788024" y="2048654"/>
+                <a:ext cx="3875304" cy="516250"/>
+              </a:xfrm>
+              <a:prstGeom prst="rect">
+                <a:avLst/>
+              </a:prstGeom>
+            </p:spPr>
+            <p:txBody>
+              <a:bodyPr vert="horz" lIns="91440" tIns="45720" rIns="91440" bIns="45720" rtlCol="0" anchor="b">
+                <a:normAutofit fontScale="77500" lnSpcReduction="20000"/>
+              </a:bodyPr>
+              <a:lstStyle>
+                <a:lvl1pPr marL="0" indent="0" algn="l" defTabSz="914400" rtl="0" eaLnBrk="1" latinLnBrk="0" hangingPunct="1">
+                  <a:spcBef>
+                    <a:spcPct val="20000"/>
+                  </a:spcBef>
+                  <a:buFont typeface="Arial" pitchFamily="34" charset="0"/>
+                  <a:buNone/>
+                  <a:defRPr sz="2400" b="1" kern="1200">
+                    <a:solidFill>
+                      <a:schemeClr val="tx1"/>
+                    </a:solidFill>
+                    <a:latin typeface="+mn-lt"/>
+                    <a:ea typeface="+mn-ea"/>
+                    <a:cs typeface="+mn-cs"/>
+                  </a:defRPr>
+                </a:lvl1pPr>
+                <a:lvl2pPr marL="457200" indent="0" algn="l" defTabSz="914400" rtl="0" eaLnBrk="1" latinLnBrk="0" hangingPunct="1">
+                  <a:spcBef>
+                    <a:spcPct val="20000"/>
+                  </a:spcBef>
+                  <a:buFont typeface="Arial" pitchFamily="34" charset="0"/>
+                  <a:buNone/>
+                  <a:defRPr sz="2000" b="1" kern="1200">
+                    <a:solidFill>
+                      <a:schemeClr val="tx1"/>
+                    </a:solidFill>
+                    <a:latin typeface="+mn-lt"/>
+                    <a:ea typeface="+mn-ea"/>
+                    <a:cs typeface="+mn-cs"/>
+                  </a:defRPr>
+                </a:lvl2pPr>
+                <a:lvl3pPr marL="914400" indent="0" algn="l" defTabSz="914400" rtl="0" eaLnBrk="1" latinLnBrk="0" hangingPunct="1">
+                  <a:spcBef>
+                    <a:spcPct val="20000"/>
+                  </a:spcBef>
+                  <a:buFont typeface="Arial" pitchFamily="34" charset="0"/>
+                  <a:buNone/>
+                  <a:defRPr sz="1800" b="1" kern="1200">
+                    <a:solidFill>
+                      <a:schemeClr val="tx1"/>
+                    </a:solidFill>
+                    <a:latin typeface="+mn-lt"/>
+                    <a:ea typeface="+mn-ea"/>
+                    <a:cs typeface="+mn-cs"/>
+                  </a:defRPr>
+                </a:lvl3pPr>
+                <a:lvl4pPr marL="1371600" indent="0" algn="l" defTabSz="914400" rtl="0" eaLnBrk="1" latinLnBrk="0" hangingPunct="1">
+                  <a:spcBef>
+                    <a:spcPct val="20000"/>
+                  </a:spcBef>
+                  <a:buFont typeface="Arial" pitchFamily="34" charset="0"/>
+                  <a:buNone/>
+                  <a:defRPr sz="1600" b="1" kern="1200">
+                    <a:solidFill>
+                      <a:schemeClr val="tx1"/>
+                    </a:solidFill>
+                    <a:latin typeface="+mn-lt"/>
+                    <a:ea typeface="+mn-ea"/>
+                    <a:cs typeface="+mn-cs"/>
+                  </a:defRPr>
+                </a:lvl4pPr>
+                <a:lvl5pPr marL="1828800" indent="0" algn="l" defTabSz="914400" rtl="0" eaLnBrk="1" latinLnBrk="0" hangingPunct="1">
+                  <a:spcBef>
+                    <a:spcPct val="20000"/>
+                  </a:spcBef>
+                  <a:buFont typeface="Arial" pitchFamily="34" charset="0"/>
+                  <a:buNone/>
+                  <a:defRPr sz="1600" b="1" kern="1200">
+                    <a:solidFill>
+                      <a:schemeClr val="tx1"/>
+                    </a:solidFill>
+                    <a:latin typeface="+mn-lt"/>
+                    <a:ea typeface="+mn-ea"/>
+                    <a:cs typeface="+mn-cs"/>
+                  </a:defRPr>
+                </a:lvl5pPr>
+                <a:lvl6pPr marL="2286000" indent="0" algn="l" defTabSz="914400" rtl="0" eaLnBrk="1" latinLnBrk="0" hangingPunct="1">
+                  <a:spcBef>
+                    <a:spcPct val="20000"/>
+                  </a:spcBef>
+                  <a:buFont typeface="Arial" pitchFamily="34" charset="0"/>
+                  <a:buNone/>
+                  <a:defRPr sz="1600" b="1" kern="1200">
+                    <a:solidFill>
+                      <a:schemeClr val="tx1"/>
+                    </a:solidFill>
+                    <a:latin typeface="+mn-lt"/>
+                    <a:ea typeface="+mn-ea"/>
+                    <a:cs typeface="+mn-cs"/>
+                  </a:defRPr>
+                </a:lvl6pPr>
+                <a:lvl7pPr marL="2743200" indent="0" algn="l" defTabSz="914400" rtl="0" eaLnBrk="1" latinLnBrk="0" hangingPunct="1">
+                  <a:spcBef>
+                    <a:spcPct val="20000"/>
+                  </a:spcBef>
+                  <a:buFont typeface="Arial" pitchFamily="34" charset="0"/>
+                  <a:buNone/>
+                  <a:defRPr sz="1600" b="1" kern="1200">
+                    <a:solidFill>
+                      <a:schemeClr val="tx1"/>
+                    </a:solidFill>
+                    <a:latin typeface="+mn-lt"/>
+                    <a:ea typeface="+mn-ea"/>
+                    <a:cs typeface="+mn-cs"/>
+                  </a:defRPr>
+                </a:lvl7pPr>
+                <a:lvl8pPr marL="3200400" indent="0" algn="l" defTabSz="914400" rtl="0" eaLnBrk="1" latinLnBrk="0" hangingPunct="1">
+                  <a:spcBef>
+                    <a:spcPct val="20000"/>
+                  </a:spcBef>
+                  <a:buFont typeface="Arial" pitchFamily="34" charset="0"/>
+                  <a:buNone/>
+                  <a:defRPr sz="1600" b="1" kern="1200">
+                    <a:solidFill>
+                      <a:schemeClr val="tx1"/>
+                    </a:solidFill>
+                    <a:latin typeface="+mn-lt"/>
+                    <a:ea typeface="+mn-ea"/>
+                    <a:cs typeface="+mn-cs"/>
+                  </a:defRPr>
+                </a:lvl8pPr>
+                <a:lvl9pPr marL="3657600" indent="0" algn="l" defTabSz="914400" rtl="0" eaLnBrk="1" latinLnBrk="0" hangingPunct="1">
+                  <a:spcBef>
+                    <a:spcPct val="20000"/>
+                  </a:spcBef>
+                  <a:buFont typeface="Arial" pitchFamily="34" charset="0"/>
+                  <a:buNone/>
+                  <a:defRPr sz="1600" b="1" kern="1200">
+                    <a:solidFill>
+                      <a:schemeClr val="tx1"/>
+                    </a:solidFill>
+                    <a:latin typeface="+mn-lt"/>
+                    <a:ea typeface="+mn-ea"/>
+                    <a:cs typeface="+mn-cs"/>
+                  </a:defRPr>
+                </a:lvl9pPr>
+              </a:lstStyle>
+              <a:p>
+                <a14:m>
+                  <m:oMathPara xmlns:m="http://schemas.openxmlformats.org/officeDocument/2006/math">
+                    <m:oMathParaPr>
+                      <m:jc m:val="centerGroup"/>
+                    </m:oMathParaPr>
+                    <m:oMath xmlns:m="http://schemas.openxmlformats.org/officeDocument/2006/math">
+                      <m:sSub>
+                        <m:sSubPr>
+                          <m:ctrlPr>
+                            <a:rPr lang="ru-RU" sz="1400" i="1"/>
+                          </m:ctrlPr>
+                        </m:sSubPr>
+                        <m:e>
+                          <m:r>
+                            <a:rPr lang="en-US" sz="1400" i="1"/>
+                            <m:t>𝑊</m:t>
+                          </m:r>
+                        </m:e>
+                        <m:sub>
+                          <m:r>
+                            <a:rPr lang="en-US" sz="1400" i="1"/>
+                            <m:t>жч</m:t>
+                          </m:r>
+                        </m:sub>
+                      </m:sSub>
+                      <m:d>
+                        <m:dPr>
+                          <m:ctrlPr>
+                            <a:rPr lang="ru-RU" sz="1400" i="1"/>
+                          </m:ctrlPr>
+                        </m:dPr>
+                        <m:e>
+                          <m:r>
+                            <a:rPr lang="en-US" sz="1400" i="1"/>
+                            <m:t>𝑠</m:t>
+                          </m:r>
+                        </m:e>
+                      </m:d>
+                      <m:r>
+                        <a:rPr lang="ru-RU" sz="1400"/>
+                        <m:t>=10</m:t>
+                      </m:r>
+                      <m:r>
+                        <a:rPr lang="ru-RU" sz="1400" i="1"/>
+                        <m:t>∗</m:t>
+                      </m:r>
+                      <m:f>
+                        <m:fPr>
+                          <m:ctrlPr>
+                            <a:rPr lang="ru-RU" sz="1400" i="1"/>
+                          </m:ctrlPr>
+                        </m:fPr>
+                        <m:num>
+                          <m:r>
+                            <a:rPr lang="ru-RU" sz="1400" i="1"/>
+                            <m:t>(0.0282</m:t>
+                          </m:r>
+                          <m:r>
+                            <a:rPr lang="en-US" sz="1400" i="1"/>
+                            <m:t>𝑠</m:t>
+                          </m:r>
+                          <m:r>
+                            <a:rPr lang="ru-RU" sz="1400" i="1"/>
+                            <m:t>+1)</m:t>
+                          </m:r>
+                        </m:num>
+                        <m:den>
+                          <m:r>
+                            <a:rPr lang="ru-RU" sz="1400" i="1"/>
+                            <m:t>(0.0011</m:t>
+                          </m:r>
+                          <m:r>
+                            <a:rPr lang="en-US" sz="1400" i="1"/>
+                            <m:t>𝑠</m:t>
+                          </m:r>
+                          <m:r>
+                            <a:rPr lang="ru-RU" sz="1400" i="1"/>
+                            <m:t>+1)</m:t>
+                          </m:r>
+                        </m:den>
+                      </m:f>
+                      <m:r>
+                        <a:rPr lang="en-US" sz="1400" i="1"/>
+                        <m:t>∗</m:t>
+                      </m:r>
+                      <m:f>
+                        <m:fPr>
+                          <m:ctrlPr>
+                            <a:rPr lang="ru-RU" sz="1400" i="1"/>
+                          </m:ctrlPr>
+                        </m:fPr>
+                        <m:num>
+                          <m:r>
+                            <a:rPr lang="ru-RU" sz="1400" i="1"/>
+                            <m:t>22.852 </m:t>
+                          </m:r>
+                        </m:num>
+                        <m:den>
+                          <m:r>
+                            <a:rPr lang="en-US" sz="1400" i="1"/>
+                            <m:t>𝑠</m:t>
+                          </m:r>
+                          <m:r>
+                            <a:rPr lang="ru-RU" sz="1400" i="1"/>
+                            <m:t>(0.0043</m:t>
+                          </m:r>
+                          <m:r>
+                            <a:rPr lang="en-US" sz="1400" i="1"/>
+                            <m:t>𝑠</m:t>
+                          </m:r>
+                          <m:r>
+                            <a:rPr lang="ru-RU" sz="1400" i="1"/>
+                            <m:t>+1)(0.043</m:t>
+                          </m:r>
+                          <m:r>
+                            <a:rPr lang="en-US" sz="1400" i="1"/>
+                            <m:t>𝑠</m:t>
+                          </m:r>
+                          <m:r>
+                            <a:rPr lang="ru-RU" sz="1400" i="1"/>
+                            <m:t>+1)</m:t>
+                          </m:r>
+                        </m:den>
+                      </m:f>
+                    </m:oMath>
+                  </m:oMathPara>
+                </a14:m>
+                <a:endParaRPr lang="ru-RU" sz="1400" dirty="0"/>
+              </a:p>
+            </p:txBody>
+          </p:sp>
+        </mc:Choice>
+        <mc:Fallback>
+          <p:sp>
+            <p:nvSpPr>
+              <p:cNvPr id="16" name="Объект 6"/>
+              <p:cNvSpPr txBox="1">
+                <a:spLocks noRot="1" noChangeAspect="1" noMove="1" noResize="1" noEditPoints="1" noAdjustHandles="1" noChangeArrowheads="1" noChangeShapeType="1" noTextEdit="1"/>
+              </p:cNvSpPr>
+              <p:nvPr/>
+            </p:nvSpPr>
+            <p:spPr>
+              <a:xfrm>
+                <a:off x="4788024" y="2048654"/>
+                <a:ext cx="3875304" cy="516250"/>
+              </a:xfrm>
+              <a:prstGeom prst="rect">
+                <a:avLst/>
+              </a:prstGeom>
+              <a:blipFill rotWithShape="1">
+                <a:blip r:embed="rId4"/>
+                <a:stretch>
+                  <a:fillRect b="-2353"/>
+                </a:stretch>
+              </a:blipFill>
+            </p:spPr>
+            <p:txBody>
+              <a:bodyPr/>
+              <a:lstStyle/>
+              <a:p>
+                <a:r>
+                  <a:rPr lang="ru-RU">
+                    <a:noFill/>
+                  </a:rPr>
+                  <a:t> </a:t>
+                </a:r>
+              </a:p>
+            </p:txBody>
+          </p:sp>
+        </mc:Fallback>
+      </mc:AlternateContent>
+      <p:sp>
+        <p:nvSpPr>
+          <p:cNvPr id="17" name="TextBox 16"/>
+          <p:cNvSpPr txBox="1"/>
+          <p:nvPr/>
+        </p:nvSpPr>
+        <p:spPr>
+          <a:xfrm>
+            <a:off x="4788024" y="1340768"/>
+            <a:ext cx="3875305" cy="707886"/>
+          </a:xfrm>
+          <a:prstGeom prst="rect">
+            <a:avLst/>
+          </a:prstGeom>
+          <a:noFill/>
+        </p:spPr>
+        <p:txBody>
+          <a:bodyPr wrap="square" rtlCol="0">
+            <a:spAutoFit/>
+          </a:bodyPr>
+          <a:lstStyle/>
+          <a:p>
+            <a:pPr algn="ctr"/>
+            <a:r>
+              <a:rPr lang="ru-RU" sz="2000" i="1" dirty="0" smtClean="0"/>
+              <a:t>Передаточная функция</a:t>
+            </a:r>
+          </a:p>
+          <a:p>
+            <a:pPr algn="ctr"/>
+            <a:r>
+              <a:rPr lang="ru-RU" sz="2000" i="1" dirty="0" smtClean="0"/>
+              <a:t>Скорректированной системы</a:t>
+            </a:r>
+            <a:endParaRPr lang="ru-RU" sz="2000" i="1" dirty="0"/>
+          </a:p>
+        </p:txBody>
+      </p:sp>
       <p:pic>
         <p:nvPicPr>
-          <p:cNvPr id="11" name="Объект 10"/>
+          <p:cNvPr id="18" name="Рисунок 17"/>
           <p:cNvPicPr>
-            <a:picLocks noGrp="1" noChangeAspect="1"/>
+            <a:picLocks noChangeAspect="1"/>
           </p:cNvPicPr>
-          <p:nvPr>
-            <p:ph sz="quarter" idx="4"/>
-          </p:nvPr>
+          <p:nvPr/>
         </p:nvPicPr>
         <p:blipFill>
-          <a:blip r:embed="rId3">
+          <a:blip r:embed="rId5" cstate="print">
             <a:extLst>
               <a:ext uri="{28A0092B-C50C-407E-A947-70E740481C1C}">
                 <a14:useLocalDpi xmlns:a14="http://schemas.microsoft.com/office/drawing/2010/main" val="0"/>
@@ -19535,11 +20518,44 @@
         </p:blipFill>
         <p:spPr>
           <a:xfrm>
-            <a:off x="2695129" y="3584423"/>
-            <a:ext cx="3753743" cy="2364857"/>
+            <a:off x="4788024" y="3523856"/>
+            <a:ext cx="3875304" cy="2470745"/>
           </a:xfrm>
+          <a:prstGeom prst="rect">
+            <a:avLst/>
+          </a:prstGeom>
         </p:spPr>
       </p:pic>
+      <p:sp>
+        <p:nvSpPr>
+          <p:cNvPr id="19" name="TextBox 18"/>
+          <p:cNvSpPr txBox="1"/>
+          <p:nvPr/>
+        </p:nvSpPr>
+        <p:spPr>
+          <a:xfrm>
+            <a:off x="4788025" y="2780928"/>
+            <a:ext cx="3875304" cy="400110"/>
+          </a:xfrm>
+          <a:prstGeom prst="rect">
+            <a:avLst/>
+          </a:prstGeom>
+          <a:noFill/>
+        </p:spPr>
+        <p:txBody>
+          <a:bodyPr wrap="square" rtlCol="0">
+            <a:spAutoFit/>
+          </a:bodyPr>
+          <a:lstStyle/>
+          <a:p>
+            <a:pPr algn="ctr"/>
+            <a:r>
+              <a:rPr lang="ru-RU" sz="2000" i="1" dirty="0"/>
+              <a:t>ЛАЧХ неизменяемой и желаемой частей</a:t>
+            </a:r>
+          </a:p>
+        </p:txBody>
+      </p:sp>
     </p:spTree>
     <p:extLst>
       <p:ext uri="{BB962C8B-B14F-4D97-AF65-F5344CB8AC3E}">
@@ -19589,12 +20605,14 @@
         </p:nvSpPr>
         <p:spPr/>
         <p:txBody>
-          <a:bodyPr/>
+          <a:bodyPr>
+            <a:normAutofit fontScale="90000"/>
+          </a:bodyPr>
           <a:lstStyle/>
           <a:p>
             <a:r>
-              <a:rPr lang="ru-RU" i="1" dirty="0" smtClean="0"/>
-              <a:t>Скорректированная система</a:t>
+              <a:rPr lang="ru-RU" i="1" dirty="0"/>
+              <a:t>Моделирование синтезированного следящего привода</a:t>
             </a:r>
             <a:endParaRPr lang="ru-RU" i="1" dirty="0"/>
           </a:p>
@@ -19672,8 +20690,8 @@
         </p:nvSpPr>
         <p:spPr>
           <a:xfrm>
-            <a:off x="462372" y="5669558"/>
-            <a:ext cx="8219256" cy="639762"/>
+            <a:off x="2951820" y="5589240"/>
+            <a:ext cx="3240360" cy="864096"/>
           </a:xfrm>
         </p:spPr>
         <p:txBody>
@@ -19685,7 +20703,11 @@
             <a:pPr algn="ctr"/>
             <a:r>
               <a:rPr lang="ru-RU" b="0" i="1" dirty="0" smtClean="0"/>
-              <a:t>Ошибка скорректированной системы</a:t>
+              <a:t>Ошибка скорректированной </a:t>
+            </a:r>
+            <a:r>
+              <a:rPr lang="ru-RU" b="0" i="1" dirty="0" smtClean="0"/>
+              <a:t>системы в радианах</a:t>
             </a:r>
             <a:endParaRPr lang="ru-RU" b="0" i="1" dirty="0"/>
           </a:p>
@@ -19715,7 +20737,7 @@
         </p:blipFill>
         <p:spPr>
           <a:xfrm>
-            <a:off x="2879812" y="3717032"/>
+            <a:off x="2879812" y="3501008"/>
             <a:ext cx="3384376" cy="2202530"/>
           </a:xfrm>
         </p:spPr>
@@ -19792,12 +20814,14 @@
         </p:nvSpPr>
         <p:spPr/>
         <p:txBody>
-          <a:bodyPr/>
+          <a:bodyPr>
+            <a:normAutofit fontScale="90000"/>
+          </a:bodyPr>
           <a:lstStyle/>
           <a:p>
             <a:r>
               <a:rPr lang="ru-RU" i="1" dirty="0"/>
-              <a:t>Скорректированная система</a:t>
+              <a:t>Моделирование синтезированного следящего привода</a:t>
             </a:r>
             <a:endParaRPr lang="ru-RU" dirty="0"/>
           </a:p>
@@ -19996,57 +21020,270 @@
           </a:p>
         </p:txBody>
       </p:sp>
-      <p:sp>
-        <p:nvSpPr>
-          <p:cNvPr id="15" name="Текст 14"/>
-          <p:cNvSpPr>
-            <a:spLocks noGrp="1"/>
-          </p:cNvSpPr>
-          <p:nvPr>
-            <p:ph type="body" idx="1"/>
-          </p:nvPr>
-        </p:nvSpPr>
-        <p:spPr/>
-        <p:txBody>
-          <a:bodyPr>
-            <a:normAutofit/>
-          </a:bodyPr>
-          <a:lstStyle/>
-          <a:p>
-            <a:pPr algn="ctr"/>
-            <a:r>
-              <a:rPr lang="en-US" sz="2000" b="0" i="1" dirty="0"/>
-              <a:t>Кинематическая расчетная схема</a:t>
-            </a:r>
-            <a:endParaRPr lang="ru-RU" sz="2200" b="0" i="1" dirty="0"/>
-          </a:p>
-        </p:txBody>
-      </p:sp>
-      <p:sp>
-        <p:nvSpPr>
-          <p:cNvPr id="17" name="Текст 16"/>
-          <p:cNvSpPr>
-            <a:spLocks noGrp="1"/>
-          </p:cNvSpPr>
-          <p:nvPr>
-            <p:ph type="body" sz="quarter" idx="3"/>
-          </p:nvPr>
-        </p:nvSpPr>
-        <p:spPr/>
-        <p:txBody>
-          <a:bodyPr>
-            <a:normAutofit fontScale="92500"/>
-          </a:bodyPr>
-          <a:lstStyle/>
-          <a:p>
-            <a:pPr algn="ctr"/>
-            <a:r>
-              <a:rPr lang="ru-RU" sz="2200" b="0" i="1" dirty="0"/>
-              <a:t>Задача на пересечение двух окружностей</a:t>
-            </a:r>
-          </a:p>
-        </p:txBody>
-      </p:sp>
+      <mc:AlternateContent xmlns:mc="http://schemas.openxmlformats.org/markup-compatibility/2006">
+        <mc:Choice xmlns:a14="http://schemas.microsoft.com/office/drawing/2010/main" Requires="a14">
+          <p:sp>
+            <p:nvSpPr>
+              <p:cNvPr id="15" name="Текст 14"/>
+              <p:cNvSpPr>
+                <a:spLocks noGrp="1"/>
+              </p:cNvSpPr>
+              <p:nvPr>
+                <p:ph type="body" idx="1"/>
+              </p:nvPr>
+            </p:nvSpPr>
+            <p:spPr/>
+            <p:txBody>
+              <a:bodyPr>
+                <a:normAutofit fontScale="77500" lnSpcReduction="20000"/>
+              </a:bodyPr>
+              <a:lstStyle/>
+              <a:p>
+                <a:pPr algn="ctr"/>
+                <a:r>
+                  <a:rPr lang="ru-RU" sz="2000" b="0" i="1" dirty="0"/>
+                  <a:t>Определив положение конца манипулятора в декартовом </a:t>
+                </a:r>
+                <a:r>
+                  <a:rPr lang="ru-RU" sz="2000" b="0" i="1" dirty="0" smtClean="0"/>
+                  <a:t>пространстве </a:t>
+                </a:r>
+                <a14:m>
+                  <m:oMath xmlns:m="http://schemas.openxmlformats.org/officeDocument/2006/math">
+                    <m:sSubSup>
+                      <m:sSubSupPr>
+                        <m:ctrlPr>
+                          <a:rPr lang="ru-RU" sz="2000" b="0" i="1"/>
+                        </m:ctrlPr>
+                      </m:sSubSupPr>
+                      <m:e>
+                        <m:r>
+                          <a:rPr lang="en-US" sz="2000" b="0" i="1"/>
+                          <m:t>𝜏</m:t>
+                        </m:r>
+                      </m:e>
+                      <m:sub>
+                        <m:r>
+                          <a:rPr lang="ru-RU" sz="2000" b="0" i="1"/>
+                          <m:t>3 (0)</m:t>
+                        </m:r>
+                      </m:sub>
+                      <m:sup>
+                        <m:r>
+                          <a:rPr lang="ru-RU" sz="2000" b="0" i="1"/>
+                          <m:t>(0)</m:t>
+                        </m:r>
+                      </m:sup>
+                    </m:sSubSup>
+                  </m:oMath>
+                </a14:m>
+                <a:r>
+                  <a:rPr lang="ru-RU" sz="2000" b="0" i="1" dirty="0"/>
+                  <a:t> можем найти </a:t>
+                </a:r>
+                <a14:m>
+                  <m:oMath xmlns:m="http://schemas.openxmlformats.org/officeDocument/2006/math">
+                    <m:sSub>
+                      <m:sSubPr>
+                        <m:ctrlPr>
+                          <a:rPr lang="ru-RU" sz="2000" b="0" i="1"/>
+                        </m:ctrlPr>
+                      </m:sSubPr>
+                      <m:e>
+                        <m:r>
+                          <a:rPr lang="en-US" sz="2000" b="0" i="1"/>
+                          <m:t>𝛩</m:t>
+                        </m:r>
+                      </m:e>
+                      <m:sub>
+                        <m:r>
+                          <a:rPr lang="ru-RU" sz="2000" b="0" i="1"/>
+                          <m:t>1</m:t>
+                        </m:r>
+                      </m:sub>
+                    </m:sSub>
+                  </m:oMath>
+                </a14:m>
+                <a:r>
+                  <a:rPr lang="ru-RU" sz="2000" b="0" i="1" dirty="0"/>
+                  <a:t> </a:t>
+                </a:r>
+              </a:p>
+            </p:txBody>
+          </p:sp>
+        </mc:Choice>
+        <mc:Fallback>
+          <p:sp>
+            <p:nvSpPr>
+              <p:cNvPr id="15" name="Текст 14"/>
+              <p:cNvSpPr>
+                <a:spLocks noGrp="1" noRot="1" noChangeAspect="1" noMove="1" noResize="1" noEditPoints="1" noAdjustHandles="1" noChangeArrowheads="1" noChangeShapeType="1" noTextEdit="1"/>
+              </p:cNvSpPr>
+              <p:nvPr>
+                <p:ph type="body" idx="1"/>
+              </p:nvPr>
+            </p:nvSpPr>
+            <p:spPr>
+              <a:blipFill rotWithShape="1">
+                <a:blip r:embed="rId2"/>
+                <a:stretch>
+                  <a:fillRect b="-6667"/>
+                </a:stretch>
+              </a:blipFill>
+            </p:spPr>
+            <p:txBody>
+              <a:bodyPr/>
+              <a:lstStyle/>
+              <a:p>
+                <a:r>
+                  <a:rPr lang="ru-RU">
+                    <a:noFill/>
+                  </a:rPr>
+                  <a:t> </a:t>
+                </a:r>
+              </a:p>
+            </p:txBody>
+          </p:sp>
+        </mc:Fallback>
+      </mc:AlternateContent>
+      <mc:AlternateContent xmlns:mc="http://schemas.openxmlformats.org/markup-compatibility/2006">
+        <mc:Choice xmlns:a14="http://schemas.microsoft.com/office/drawing/2010/main" Requires="a14">
+          <p:sp>
+            <p:nvSpPr>
+              <p:cNvPr id="17" name="Текст 16"/>
+              <p:cNvSpPr>
+                <a:spLocks noGrp="1"/>
+              </p:cNvSpPr>
+              <p:nvPr>
+                <p:ph type="body" sz="quarter" idx="3"/>
+              </p:nvPr>
+            </p:nvSpPr>
+            <p:spPr>
+              <a:xfrm>
+                <a:off x="4644008" y="1484784"/>
+                <a:ext cx="4041775" cy="639762"/>
+              </a:xfrm>
+            </p:spPr>
+            <p:txBody>
+              <a:bodyPr>
+                <a:normAutofit/>
+              </a:bodyPr>
+              <a:lstStyle/>
+              <a:p>
+                <a:pPr algn="ctr"/>
+                <a:r>
+                  <a:rPr lang="ru-RU" sz="1700" b="0" i="1" dirty="0" smtClean="0"/>
+                  <a:t>Задача на пересечение двух окружностей для нахождения углов </a:t>
+                </a:r>
+                <a14:m>
+                  <m:oMath xmlns:m="http://schemas.openxmlformats.org/officeDocument/2006/math">
+                    <m:sSub>
+                      <m:sSubPr>
+                        <m:ctrlPr>
+                          <a:rPr lang="ru-RU" sz="1700" b="0" i="1">
+                            <a:latin typeface="Cambria Math"/>
+                          </a:rPr>
+                        </m:ctrlPr>
+                      </m:sSubPr>
+                      <m:e>
+                        <m:r>
+                          <a:rPr lang="en-US" sz="1700" b="0" i="1">
+                            <a:latin typeface="Cambria Math"/>
+                          </a:rPr>
+                          <m:t>𝛩</m:t>
+                        </m:r>
+                      </m:e>
+                      <m:sub>
+                        <m:r>
+                          <a:rPr lang="ru-RU" sz="1700" b="0" i="1" smtClean="0">
+                            <a:latin typeface="Cambria Math"/>
+                          </a:rPr>
+                          <m:t>2</m:t>
+                        </m:r>
+                      </m:sub>
+                    </m:sSub>
+                  </m:oMath>
+                </a14:m>
+                <a:r>
+                  <a:rPr lang="ru-RU" sz="1700" b="0" i="1" dirty="0" smtClean="0"/>
+                  <a:t> и </a:t>
+                </a:r>
+                <a14:m>
+                  <m:oMath xmlns:m="http://schemas.openxmlformats.org/officeDocument/2006/math">
+                    <m:sSub>
+                      <m:sSubPr>
+                        <m:ctrlPr>
+                          <a:rPr lang="ru-RU" sz="1700" b="0" i="1">
+                            <a:latin typeface="Cambria Math"/>
+                          </a:rPr>
+                        </m:ctrlPr>
+                      </m:sSubPr>
+                      <m:e>
+                        <m:r>
+                          <a:rPr lang="en-US" sz="1700" b="0" i="1">
+                            <a:latin typeface="Cambria Math"/>
+                          </a:rPr>
+                          <m:t>𝛩</m:t>
+                        </m:r>
+                      </m:e>
+                      <m:sub>
+                        <m:r>
+                          <a:rPr lang="ru-RU" sz="1700" b="0" i="1" smtClean="0">
+                            <a:latin typeface="Cambria Math"/>
+                          </a:rPr>
+                          <m:t>3</m:t>
+                        </m:r>
+                      </m:sub>
+                    </m:sSub>
+                  </m:oMath>
+                </a14:m>
+                <a:r>
+                  <a:rPr lang="ru-RU" sz="1700" b="0" i="1" dirty="0" smtClean="0"/>
+                  <a:t> </a:t>
+                </a:r>
+                <a:endParaRPr lang="ru-RU" sz="1700" b="0" i="1" dirty="0"/>
+              </a:p>
+            </p:txBody>
+          </p:sp>
+        </mc:Choice>
+        <mc:Fallback>
+          <p:sp>
+            <p:nvSpPr>
+              <p:cNvPr id="17" name="Текст 16"/>
+              <p:cNvSpPr>
+                <a:spLocks noGrp="1" noRot="1" noChangeAspect="1" noMove="1" noResize="1" noEditPoints="1" noAdjustHandles="1" noChangeArrowheads="1" noChangeShapeType="1" noTextEdit="1"/>
+              </p:cNvSpPr>
+              <p:nvPr>
+                <p:ph type="body" sz="quarter" idx="3"/>
+              </p:nvPr>
+            </p:nvSpPr>
+            <p:spPr>
+              <a:xfrm>
+                <a:off x="4644008" y="1484784"/>
+                <a:ext cx="4041775" cy="639762"/>
+              </a:xfrm>
+              <a:blipFill rotWithShape="1">
+                <a:blip r:embed="rId3"/>
+                <a:stretch>
+                  <a:fillRect b="-13333"/>
+                </a:stretch>
+              </a:blipFill>
+            </p:spPr>
+            <p:txBody>
+              <a:bodyPr/>
+              <a:lstStyle/>
+              <a:p>
+                <a:r>
+                  <a:rPr lang="ru-RU">
+                    <a:noFill/>
+                  </a:rPr>
+                  <a:t> </a:t>
+                </a:r>
+              </a:p>
+            </p:txBody>
+          </p:sp>
+        </mc:Fallback>
+      </mc:AlternateContent>
       <p:sp>
         <p:nvSpPr>
           <p:cNvPr id="4" name="Номер слайда 3"/>
@@ -20072,7 +21309,7 @@
       </p:sp>
       <p:pic>
         <p:nvPicPr>
-          <p:cNvPr id="9" name="Объект 8"/>
+          <p:cNvPr id="10" name="Объект 9"/>
           <p:cNvPicPr>
             <a:picLocks noGrp="1" noChangeAspect="1"/>
           </p:cNvPicPr>
@@ -20081,7 +21318,7 @@
           </p:nvPr>
         </p:nvPicPr>
         <p:blipFill>
-          <a:blip r:embed="rId2" cstate="print">
+          <a:blip r:embed="rId4">
             <a:extLst>
               <a:ext uri="{28A0092B-C50C-407E-A947-70E740481C1C}">
                 <a14:useLocalDpi xmlns:a14="http://schemas.microsoft.com/office/drawing/2010/main" val="0"/>
@@ -20094,14 +21331,14 @@
         </p:blipFill>
         <p:spPr>
           <a:xfrm>
-            <a:off x="457200" y="3173883"/>
-            <a:ext cx="4040188" cy="1953271"/>
+            <a:off x="457200" y="3217510"/>
+            <a:ext cx="4040188" cy="1866018"/>
           </a:xfrm>
         </p:spPr>
       </p:pic>
       <p:pic>
         <p:nvPicPr>
-          <p:cNvPr id="8" name="Объект 7"/>
+          <p:cNvPr id="7" name="Объект 6"/>
           <p:cNvPicPr>
             <a:picLocks noGrp="1" noChangeAspect="1"/>
           </p:cNvPicPr>
@@ -20110,7 +21347,7 @@
           </p:nvPr>
         </p:nvPicPr>
         <p:blipFill>
-          <a:blip r:embed="rId3" cstate="print">
+          <a:blip r:embed="rId5">
             <a:extLst>
               <a:ext uri="{28A0092B-C50C-407E-A947-70E740481C1C}">
                 <a14:useLocalDpi xmlns:a14="http://schemas.microsoft.com/office/drawing/2010/main" val="0"/>
@@ -20123,8 +21360,8 @@
         </p:blipFill>
         <p:spPr>
           <a:xfrm>
-            <a:off x="4645025" y="2975295"/>
-            <a:ext cx="4041775" cy="2350447"/>
+            <a:off x="4802423" y="2174875"/>
+            <a:ext cx="3726979" cy="3951288"/>
           </a:xfrm>
         </p:spPr>
       </p:pic>
@@ -20200,7 +21437,12 @@
             <p:ph type="body" idx="1"/>
           </p:nvPr>
         </p:nvSpPr>
-        <p:spPr/>
+        <p:spPr>
+          <a:xfrm>
+            <a:off x="457200" y="1362024"/>
+            <a:ext cx="4040188" cy="639762"/>
+          </a:xfrm>
+        </p:spPr>
         <p:txBody>
           <a:bodyPr>
             <a:normAutofit/>
@@ -20229,7 +21471,12 @@
             <p:ph type="body" sz="quarter" idx="3"/>
           </p:nvPr>
         </p:nvSpPr>
-        <p:spPr/>
+        <p:spPr>
+          <a:xfrm>
+            <a:off x="4645025" y="1362024"/>
+            <a:ext cx="4041775" cy="639762"/>
+          </a:xfrm>
+        </p:spPr>
         <p:txBody>
           <a:bodyPr>
             <a:normAutofit/>
@@ -20291,7 +21538,7 @@
         </p:blipFill>
         <p:spPr>
           <a:xfrm>
-            <a:off x="457200" y="2517029"/>
+            <a:off x="457200" y="2034229"/>
             <a:ext cx="4040188" cy="3266979"/>
           </a:xfrm>
         </p:spPr>
@@ -20320,11 +21567,54 @@
         </p:blipFill>
         <p:spPr>
           <a:xfrm>
-            <a:off x="4645025" y="2630519"/>
+            <a:off x="4645025" y="2147719"/>
             <a:ext cx="4041775" cy="3040000"/>
           </a:xfrm>
         </p:spPr>
       </p:pic>
+      <p:sp>
+        <p:nvSpPr>
+          <p:cNvPr id="2" name="TextBox 1"/>
+          <p:cNvSpPr txBox="1"/>
+          <p:nvPr/>
+        </p:nvSpPr>
+        <p:spPr>
+          <a:xfrm>
+            <a:off x="467544" y="5345340"/>
+            <a:ext cx="8280920" cy="1107996"/>
+          </a:xfrm>
+          <a:prstGeom prst="rect">
+            <a:avLst/>
+          </a:prstGeom>
+          <a:noFill/>
+        </p:spPr>
+        <p:txBody>
+          <a:bodyPr wrap="square" rtlCol="0">
+            <a:spAutoFit/>
+          </a:bodyPr>
+          <a:lstStyle/>
+          <a:p>
+            <a:pPr algn="ctr"/>
+            <a:r>
+              <a:rPr lang="ru-RU" sz="2200" i="1" dirty="0"/>
+              <a:t>Моделирование производим в графической среде имитационного моделирования </a:t>
+            </a:r>
+            <a:r>
+              <a:rPr lang="ru-RU" sz="2200" i="1" dirty="0" err="1"/>
+              <a:t>Simulink</a:t>
+            </a:r>
+            <a:r>
+              <a:rPr lang="ru-RU" sz="2200" i="1" dirty="0"/>
+              <a:t> в пакете MATLAB с помощью пакета расширения для физического моделирования </a:t>
+            </a:r>
+            <a:r>
+              <a:rPr lang="ru-RU" sz="2200" i="1" dirty="0" err="1"/>
+              <a:t>SimMechanics</a:t>
+            </a:r>
+            <a:endParaRPr lang="ru-RU" sz="2200" i="1" dirty="0"/>
+          </a:p>
+        </p:txBody>
+      </p:sp>
     </p:spTree>
     <p:extLst>
       <p:ext uri="{BB962C8B-B14F-4D97-AF65-F5344CB8AC3E}">

--- a/Презентация.pptx
+++ b/Презентация.pptx
@@ -5,10 +5,10 @@
     <p:sldMasterId id="2147483648" r:id="rId1"/>
   </p:sldMasterIdLst>
   <p:notesMasterIdLst>
-    <p:notesMasterId r:id="rId26"/>
+    <p:notesMasterId r:id="rId27"/>
   </p:notesMasterIdLst>
   <p:handoutMasterIdLst>
-    <p:handoutMasterId r:id="rId27"/>
+    <p:handoutMasterId r:id="rId28"/>
   </p:handoutMasterIdLst>
   <p:sldIdLst>
     <p:sldId id="256" r:id="rId2"/>
@@ -17,24 +17,25 @@
     <p:sldId id="259" r:id="rId5"/>
     <p:sldId id="262" r:id="rId6"/>
     <p:sldId id="261" r:id="rId7"/>
-    <p:sldId id="263" r:id="rId8"/>
-    <p:sldId id="264" r:id="rId9"/>
-    <p:sldId id="265" r:id="rId10"/>
-    <p:sldId id="268" r:id="rId11"/>
-    <p:sldId id="280" r:id="rId12"/>
-    <p:sldId id="266" r:id="rId13"/>
-    <p:sldId id="267" r:id="rId14"/>
-    <p:sldId id="269" r:id="rId15"/>
-    <p:sldId id="270" r:id="rId16"/>
-    <p:sldId id="271" r:id="rId17"/>
-    <p:sldId id="272" r:id="rId18"/>
-    <p:sldId id="279" r:id="rId19"/>
-    <p:sldId id="273" r:id="rId20"/>
-    <p:sldId id="281" r:id="rId21"/>
-    <p:sldId id="275" r:id="rId22"/>
-    <p:sldId id="276" r:id="rId23"/>
-    <p:sldId id="278" r:id="rId24"/>
-    <p:sldId id="277" r:id="rId25"/>
+    <p:sldId id="282" r:id="rId8"/>
+    <p:sldId id="263" r:id="rId9"/>
+    <p:sldId id="264" r:id="rId10"/>
+    <p:sldId id="265" r:id="rId11"/>
+    <p:sldId id="268" r:id="rId12"/>
+    <p:sldId id="280" r:id="rId13"/>
+    <p:sldId id="266" r:id="rId14"/>
+    <p:sldId id="267" r:id="rId15"/>
+    <p:sldId id="269" r:id="rId16"/>
+    <p:sldId id="270" r:id="rId17"/>
+    <p:sldId id="271" r:id="rId18"/>
+    <p:sldId id="272" r:id="rId19"/>
+    <p:sldId id="279" r:id="rId20"/>
+    <p:sldId id="273" r:id="rId21"/>
+    <p:sldId id="281" r:id="rId22"/>
+    <p:sldId id="275" r:id="rId23"/>
+    <p:sldId id="276" r:id="rId24"/>
+    <p:sldId id="278" r:id="rId25"/>
+    <p:sldId id="277" r:id="rId26"/>
   </p:sldIdLst>
   <p:sldSz cx="9144000" cy="6858000" type="screen4x3"/>
   <p:notesSz cx="6858000" cy="9144000"/>
@@ -144,6 +145,7 @@
             <p14:sldId id="259"/>
             <p14:sldId id="262"/>
             <p14:sldId id="261"/>
+            <p14:sldId id="282"/>
             <p14:sldId id="263"/>
             <p14:sldId id="264"/>
             <p14:sldId id="265"/>
@@ -3887,6 +3889,256 @@
           <a:lstStyle/>
           <a:p>
             <a:r>
+              <a:rPr lang="ru-RU" i="1" dirty="0"/>
+              <a:t>Моделирование решения обратной задачи кинематики</a:t>
+            </a:r>
+            <a:endParaRPr lang="ru-RU" dirty="0"/>
+          </a:p>
+        </p:txBody>
+      </p:sp>
+      <p:sp>
+        <p:nvSpPr>
+          <p:cNvPr id="15" name="Текст 14"/>
+          <p:cNvSpPr>
+            <a:spLocks noGrp="1"/>
+          </p:cNvSpPr>
+          <p:nvPr>
+            <p:ph type="body" idx="1"/>
+          </p:nvPr>
+        </p:nvSpPr>
+        <p:spPr>
+          <a:xfrm>
+            <a:off x="457200" y="1362024"/>
+            <a:ext cx="4040188" cy="639762"/>
+          </a:xfrm>
+        </p:spPr>
+        <p:txBody>
+          <a:bodyPr>
+            <a:normAutofit/>
+          </a:bodyPr>
+          <a:lstStyle/>
+          <a:p>
+            <a:pPr algn="ctr"/>
+            <a:r>
+              <a:rPr lang="ru-RU" sz="2200" b="0" i="1" dirty="0" smtClean="0"/>
+              <a:t>Блок-схема </a:t>
+            </a:r>
+            <a:r>
+              <a:rPr lang="ru-RU" sz="2200" b="0" i="1" dirty="0"/>
+              <a:t>робота</a:t>
+            </a:r>
+          </a:p>
+        </p:txBody>
+      </p:sp>
+      <p:sp>
+        <p:nvSpPr>
+          <p:cNvPr id="17" name="Текст 16"/>
+          <p:cNvSpPr>
+            <a:spLocks noGrp="1"/>
+          </p:cNvSpPr>
+          <p:nvPr>
+            <p:ph type="body" sz="quarter" idx="3"/>
+          </p:nvPr>
+        </p:nvSpPr>
+        <p:spPr>
+          <a:xfrm>
+            <a:off x="4645025" y="1362024"/>
+            <a:ext cx="4041775" cy="639762"/>
+          </a:xfrm>
+        </p:spPr>
+        <p:txBody>
+          <a:bodyPr>
+            <a:normAutofit/>
+          </a:bodyPr>
+          <a:lstStyle/>
+          <a:p>
+            <a:pPr algn="ctr"/>
+            <a:r>
+              <a:rPr lang="ru-RU" sz="2200" b="0" i="1" dirty="0"/>
+              <a:t>Блок-схема ноги робота</a:t>
+            </a:r>
+          </a:p>
+        </p:txBody>
+      </p:sp>
+      <p:sp>
+        <p:nvSpPr>
+          <p:cNvPr id="4" name="Номер слайда 3"/>
+          <p:cNvSpPr>
+            <a:spLocks noGrp="1"/>
+          </p:cNvSpPr>
+          <p:nvPr>
+            <p:ph type="sldNum" sz="quarter" idx="12"/>
+          </p:nvPr>
+        </p:nvSpPr>
+        <p:spPr/>
+        <p:txBody>
+          <a:bodyPr/>
+          <a:lstStyle/>
+          <a:p>
+            <a:fld id="{B19B0651-EE4F-4900-A07F-96A6BFA9D0F0}" type="slidenum">
+              <a:rPr lang="ru-RU" sz="1400" i="1" smtClean="0"/>
+              <a:t>10</a:t>
+            </a:fld>
+            <a:endParaRPr lang="ru-RU" sz="1400" i="1" dirty="0"/>
+          </a:p>
+        </p:txBody>
+      </p:sp>
+      <p:pic>
+        <p:nvPicPr>
+          <p:cNvPr id="5" name="Объект 4"/>
+          <p:cNvPicPr>
+            <a:picLocks noGrp="1" noChangeAspect="1"/>
+          </p:cNvPicPr>
+          <p:nvPr>
+            <p:ph sz="half" idx="2"/>
+          </p:nvPr>
+        </p:nvPicPr>
+        <p:blipFill>
+          <a:blip r:embed="rId2">
+            <a:extLst>
+              <a:ext uri="{28A0092B-C50C-407E-A947-70E740481C1C}">
+                <a14:useLocalDpi xmlns:a14="http://schemas.microsoft.com/office/drawing/2010/main" val="0"/>
+              </a:ext>
+            </a:extLst>
+          </a:blip>
+          <a:stretch>
+            <a:fillRect/>
+          </a:stretch>
+        </p:blipFill>
+        <p:spPr>
+          <a:xfrm>
+            <a:off x="457200" y="2034229"/>
+            <a:ext cx="4040188" cy="3266979"/>
+          </a:xfrm>
+        </p:spPr>
+      </p:pic>
+      <p:pic>
+        <p:nvPicPr>
+          <p:cNvPr id="6" name="Объект 5"/>
+          <p:cNvPicPr>
+            <a:picLocks noGrp="1" noChangeAspect="1"/>
+          </p:cNvPicPr>
+          <p:nvPr>
+            <p:ph sz="quarter" idx="4"/>
+          </p:nvPr>
+        </p:nvPicPr>
+        <p:blipFill>
+          <a:blip r:embed="rId3" cstate="print">
+            <a:extLst>
+              <a:ext uri="{28A0092B-C50C-407E-A947-70E740481C1C}">
+                <a14:useLocalDpi xmlns:a14="http://schemas.microsoft.com/office/drawing/2010/main" val="0"/>
+              </a:ext>
+            </a:extLst>
+          </a:blip>
+          <a:stretch>
+            <a:fillRect/>
+          </a:stretch>
+        </p:blipFill>
+        <p:spPr>
+          <a:xfrm>
+            <a:off x="4645025" y="2147719"/>
+            <a:ext cx="4041775" cy="3040000"/>
+          </a:xfrm>
+        </p:spPr>
+      </p:pic>
+      <p:sp>
+        <p:nvSpPr>
+          <p:cNvPr id="2" name="TextBox 1"/>
+          <p:cNvSpPr txBox="1"/>
+          <p:nvPr/>
+        </p:nvSpPr>
+        <p:spPr>
+          <a:xfrm>
+            <a:off x="467544" y="5345340"/>
+            <a:ext cx="8280920" cy="1107996"/>
+          </a:xfrm>
+          <a:prstGeom prst="rect">
+            <a:avLst/>
+          </a:prstGeom>
+          <a:noFill/>
+        </p:spPr>
+        <p:txBody>
+          <a:bodyPr wrap="square" rtlCol="0">
+            <a:spAutoFit/>
+          </a:bodyPr>
+          <a:lstStyle/>
+          <a:p>
+            <a:pPr algn="ctr"/>
+            <a:r>
+              <a:rPr lang="ru-RU" sz="2200" i="1" dirty="0"/>
+              <a:t>Моделирование производим в графической среде имитационного моделирования </a:t>
+            </a:r>
+            <a:r>
+              <a:rPr lang="ru-RU" sz="2200" i="1" dirty="0" err="1"/>
+              <a:t>Simulink</a:t>
+            </a:r>
+            <a:r>
+              <a:rPr lang="ru-RU" sz="2200" i="1" dirty="0"/>
+              <a:t> в пакете MATLAB с помощью пакета расширения для физического моделирования </a:t>
+            </a:r>
+            <a:r>
+              <a:rPr lang="ru-RU" sz="2200" i="1" dirty="0" err="1"/>
+              <a:t>SimMechanics</a:t>
+            </a:r>
+            <a:endParaRPr lang="ru-RU" sz="2200" i="1" dirty="0"/>
+          </a:p>
+        </p:txBody>
+      </p:sp>
+    </p:spTree>
+    <p:extLst>
+      <p:ext uri="{BB962C8B-B14F-4D97-AF65-F5344CB8AC3E}">
+        <p14:creationId xmlns:p14="http://schemas.microsoft.com/office/powerpoint/2010/main" val="3569601698"/>
+      </p:ext>
+    </p:extLst>
+  </p:cSld>
+  <p:clrMapOvr>
+    <a:masterClrMapping/>
+  </p:clrMapOvr>
+  <p:timing>
+    <p:tnLst>
+      <p:par>
+        <p:cTn id="1" dur="indefinite" restart="never" nodeType="tmRoot"/>
+      </p:par>
+    </p:tnLst>
+  </p:timing>
+</p:sld>
+</file>
+
+<file path=ppt/slides/slide11.xml><?xml version="1.0" encoding="utf-8"?>
+<p:sld xmlns:a="http://schemas.openxmlformats.org/drawingml/2006/main" xmlns:r="http://schemas.openxmlformats.org/officeDocument/2006/relationships" xmlns:p="http://schemas.openxmlformats.org/presentationml/2006/main">
+  <p:cSld>
+    <p:spTree>
+      <p:nvGrpSpPr>
+        <p:cNvPr id="1" name=""/>
+        <p:cNvGrpSpPr/>
+        <p:nvPr/>
+      </p:nvGrpSpPr>
+      <p:grpSpPr>
+        <a:xfrm>
+          <a:off x="0" y="0"/>
+          <a:ext cx="0" cy="0"/>
+          <a:chOff x="0" y="0"/>
+          <a:chExt cx="0" cy="0"/>
+        </a:xfrm>
+      </p:grpSpPr>
+      <p:sp>
+        <p:nvSpPr>
+          <p:cNvPr id="14" name="Заголовок 13"/>
+          <p:cNvSpPr>
+            <a:spLocks noGrp="1"/>
+          </p:cNvSpPr>
+          <p:nvPr>
+            <p:ph type="title"/>
+          </p:nvPr>
+        </p:nvSpPr>
+        <p:spPr/>
+        <p:txBody>
+          <a:bodyPr>
+            <a:normAutofit fontScale="90000"/>
+          </a:bodyPr>
+          <a:lstStyle/>
+          <a:p>
+            <a:r>
               <a:rPr lang="ru-RU" i="1" dirty="0" smtClean="0"/>
               <a:t>Проверка моделирования </a:t>
             </a:r>
@@ -3978,7 +4230,7 @@
           <a:p>
             <a:fld id="{B19B0651-EE4F-4900-A07F-96A6BFA9D0F0}" type="slidenum">
               <a:rPr lang="ru-RU" sz="1400" i="1" smtClean="0"/>
-              <a:t>10</a:t>
+              <a:t>11</a:t>
             </a:fld>
             <a:endParaRPr lang="ru-RU" sz="1400" i="1" dirty="0"/>
           </a:p>
@@ -4062,7 +4314,7 @@
 </p:sld>
 </file>
 
-<file path=ppt/slides/slide11.xml><?xml version="1.0" encoding="utf-8"?>
+<file path=ppt/slides/slide12.xml><?xml version="1.0" encoding="utf-8"?>
 <p:sld xmlns:a="http://schemas.openxmlformats.org/drawingml/2006/main" xmlns:r="http://schemas.openxmlformats.org/officeDocument/2006/relationships" xmlns:p="http://schemas.openxmlformats.org/presentationml/2006/main">
   <p:cSld>
     <p:spTree>
@@ -4146,7 +4398,7 @@
           <a:p>
             <a:fld id="{B19B0651-EE4F-4900-A07F-96A6BFA9D0F0}" type="slidenum">
               <a:rPr lang="ru-RU" sz="1400" i="1" smtClean="0"/>
-              <a:t>11</a:t>
+              <a:t>12</a:t>
             </a:fld>
             <a:endParaRPr lang="ru-RU" sz="1400" i="1" dirty="0"/>
           </a:p>
@@ -4244,7 +4496,7 @@
 </p:sld>
 </file>
 
-<file path=ppt/slides/slide12.xml><?xml version="1.0" encoding="utf-8"?>
+<file path=ppt/slides/slide13.xml><?xml version="1.0" encoding="utf-8"?>
 <p:sld xmlns:a="http://schemas.openxmlformats.org/drawingml/2006/main" xmlns:r="http://schemas.openxmlformats.org/officeDocument/2006/relationships" xmlns:p="http://schemas.openxmlformats.org/presentationml/2006/main">
   <p:cSld>
     <p:spTree>
@@ -4308,7 +4560,7 @@
           <a:p>
             <a:fld id="{B19B0651-EE4F-4900-A07F-96A6BFA9D0F0}" type="slidenum">
               <a:rPr lang="ru-RU" sz="1400" i="1" smtClean="0"/>
-              <a:t>12</a:t>
+              <a:t>13</a:t>
             </a:fld>
             <a:endParaRPr lang="ru-RU" sz="1400" i="1" dirty="0"/>
           </a:p>
@@ -4398,7 +4650,7 @@
 </p:sld>
 </file>
 
-<file path=ppt/slides/slide13.xml><?xml version="1.0" encoding="utf-8"?>
+<file path=ppt/slides/slide14.xml><?xml version="1.0" encoding="utf-8"?>
 <p:sld xmlns:a="http://schemas.openxmlformats.org/drawingml/2006/main" xmlns:r="http://schemas.openxmlformats.org/officeDocument/2006/relationships" xmlns:p="http://schemas.openxmlformats.org/presentationml/2006/main">
   <p:cSld>
     <p:spTree>
@@ -4457,7 +4709,7 @@
           <a:p>
             <a:fld id="{B19B0651-EE4F-4900-A07F-96A6BFA9D0F0}" type="slidenum">
               <a:rPr lang="ru-RU" sz="1400" i="1" smtClean="0"/>
-              <a:t>13</a:t>
+              <a:t>14</a:t>
             </a:fld>
             <a:endParaRPr lang="ru-RU" sz="1400" i="1" dirty="0"/>
           </a:p>
@@ -4577,7 +4829,7 @@
 </p:sld>
 </file>
 
-<file path=ppt/slides/slide14.xml><?xml version="1.0" encoding="utf-8"?>
+<file path=ppt/slides/slide15.xml><?xml version="1.0" encoding="utf-8"?>
 <p:sld xmlns:a="http://schemas.openxmlformats.org/drawingml/2006/main" xmlns:r="http://schemas.openxmlformats.org/officeDocument/2006/relationships" xmlns:p="http://schemas.openxmlformats.org/presentationml/2006/main">
   <p:cSld>
     <p:spTree>
@@ -4636,7 +4888,7 @@
           <a:p>
             <a:fld id="{B19B0651-EE4F-4900-A07F-96A6BFA9D0F0}" type="slidenum">
               <a:rPr lang="ru-RU" sz="1400" i="1" smtClean="0"/>
-              <a:t>14</a:t>
+              <a:t>15</a:t>
             </a:fld>
             <a:endParaRPr lang="ru-RU" sz="1400" i="1" dirty="0"/>
           </a:p>
@@ -4722,7 +4974,7 @@
 </p:sld>
 </file>
 
-<file path=ppt/slides/slide15.xml><?xml version="1.0" encoding="utf-8"?>
+<file path=ppt/slides/slide16.xml><?xml version="1.0" encoding="utf-8"?>
 <p:sld xmlns:a="http://schemas.openxmlformats.org/drawingml/2006/main" xmlns:r="http://schemas.openxmlformats.org/officeDocument/2006/relationships" xmlns:p="http://schemas.openxmlformats.org/presentationml/2006/main">
   <p:cSld>
     <p:spTree>
@@ -14007,7 +14259,7 @@
           <a:p>
             <a:fld id="{B19B0651-EE4F-4900-A07F-96A6BFA9D0F0}" type="slidenum">
               <a:rPr lang="ru-RU" sz="1400" i="1" smtClean="0"/>
-              <a:t>15</a:t>
+              <a:t>16</a:t>
             </a:fld>
             <a:endParaRPr lang="ru-RU" sz="1400" i="1" dirty="0"/>
           </a:p>
@@ -14033,7 +14285,7 @@
 </p:sld>
 </file>
 
-<file path=ppt/slides/slide16.xml><?xml version="1.0" encoding="utf-8"?>
+<file path=ppt/slides/slide17.xml><?xml version="1.0" encoding="utf-8"?>
 <p:sld xmlns:a="http://schemas.openxmlformats.org/drawingml/2006/main" xmlns:r="http://schemas.openxmlformats.org/officeDocument/2006/relationships" xmlns:p="http://schemas.openxmlformats.org/presentationml/2006/main">
   <p:cSld>
     <p:spTree>
@@ -14092,7 +14344,7 @@
           <a:p>
             <a:fld id="{B19B0651-EE4F-4900-A07F-96A6BFA9D0F0}" type="slidenum">
               <a:rPr lang="ru-RU" sz="1400" i="1" smtClean="0"/>
-              <a:t>16</a:t>
+              <a:t>17</a:t>
             </a:fld>
             <a:endParaRPr lang="ru-RU" sz="1400" i="1" dirty="0"/>
           </a:p>
@@ -14221,7 +14473,7 @@
 </p:sld>
 </file>
 
-<file path=ppt/slides/slide17.xml><?xml version="1.0" encoding="utf-8"?>
+<file path=ppt/slides/slide18.xml><?xml version="1.0" encoding="utf-8"?>
 <p:sld xmlns:a="http://schemas.openxmlformats.org/drawingml/2006/main" xmlns:r="http://schemas.openxmlformats.org/officeDocument/2006/relationships" xmlns:p="http://schemas.openxmlformats.org/presentationml/2006/main">
   <p:cSld>
     <p:spTree>
@@ -14530,7 +14782,7 @@
           <a:p>
             <a:fld id="{B19B0651-EE4F-4900-A07F-96A6BFA9D0F0}" type="slidenum">
               <a:rPr lang="ru-RU" sz="1400" i="1" smtClean="0"/>
-              <a:t>17</a:t>
+              <a:t>18</a:t>
             </a:fld>
             <a:endParaRPr lang="ru-RU" sz="1400" i="1" dirty="0"/>
           </a:p>
@@ -14649,7 +14901,7 @@
 </p:sld>
 </file>
 
-<file path=ppt/slides/slide18.xml><?xml version="1.0" encoding="utf-8"?>
+<file path=ppt/slides/slide19.xml><?xml version="1.0" encoding="utf-8"?>
 <p:sld xmlns:a="http://schemas.openxmlformats.org/drawingml/2006/main" xmlns:r="http://schemas.openxmlformats.org/officeDocument/2006/relationships" xmlns:p="http://schemas.openxmlformats.org/presentationml/2006/main">
   <p:cSld>
     <p:spTree>
@@ -14708,7 +14960,7 @@
           <a:p>
             <a:fld id="{B19B0651-EE4F-4900-A07F-96A6BFA9D0F0}" type="slidenum">
               <a:rPr lang="ru-RU" sz="1400" i="1" smtClean="0"/>
-              <a:t>18</a:t>
+              <a:t>19</a:t>
             </a:fld>
             <a:endParaRPr lang="ru-RU" sz="1400" i="1" dirty="0"/>
           </a:p>
@@ -14747,129 +14999,6 @@
     <p:extLst>
       <p:ext uri="{BB962C8B-B14F-4D97-AF65-F5344CB8AC3E}">
         <p14:creationId xmlns:p14="http://schemas.microsoft.com/office/powerpoint/2010/main" val="1052324831"/>
-      </p:ext>
-    </p:extLst>
-  </p:cSld>
-  <p:clrMapOvr>
-    <a:masterClrMapping/>
-  </p:clrMapOvr>
-  <p:timing>
-    <p:tnLst>
-      <p:par>
-        <p:cTn id="1" dur="indefinite" restart="never" nodeType="tmRoot"/>
-      </p:par>
-    </p:tnLst>
-  </p:timing>
-</p:sld>
-</file>
-
-<file path=ppt/slides/slide19.xml><?xml version="1.0" encoding="utf-8"?>
-<p:sld xmlns:a="http://schemas.openxmlformats.org/drawingml/2006/main" xmlns:r="http://schemas.openxmlformats.org/officeDocument/2006/relationships" xmlns:p="http://schemas.openxmlformats.org/presentationml/2006/main">
-  <p:cSld>
-    <p:spTree>
-      <p:nvGrpSpPr>
-        <p:cNvPr id="1" name=""/>
-        <p:cNvGrpSpPr/>
-        <p:nvPr/>
-      </p:nvGrpSpPr>
-      <p:grpSpPr>
-        <a:xfrm>
-          <a:off x="0" y="0"/>
-          <a:ext cx="0" cy="0"/>
-          <a:chOff x="0" y="0"/>
-          <a:chExt cx="0" cy="0"/>
-        </a:xfrm>
-      </p:grpSpPr>
-      <p:sp>
-        <p:nvSpPr>
-          <p:cNvPr id="14" name="Заголовок 13"/>
-          <p:cNvSpPr>
-            <a:spLocks noGrp="1"/>
-          </p:cNvSpPr>
-          <p:nvPr>
-            <p:ph type="title"/>
-          </p:nvPr>
-        </p:nvSpPr>
-        <p:spPr/>
-        <p:txBody>
-          <a:bodyPr>
-            <a:noAutofit/>
-          </a:bodyPr>
-          <a:lstStyle/>
-          <a:p>
-            <a:r>
-              <a:rPr lang="ru-RU" sz="3600" i="1" dirty="0" smtClean="0"/>
-              <a:t>Технологическая </a:t>
-            </a:r>
-            <a:r>
-              <a:rPr lang="ru-RU" sz="3600" i="1" dirty="0"/>
-              <a:t>схема сборки</a:t>
-            </a:r>
-            <a:endParaRPr lang="ru-RU" sz="3500" i="1" dirty="0"/>
-          </a:p>
-        </p:txBody>
-      </p:sp>
-      <p:pic>
-        <p:nvPicPr>
-          <p:cNvPr id="8" name="Объект 7"/>
-          <p:cNvPicPr>
-            <a:picLocks noGrp="1" noChangeAspect="1"/>
-          </p:cNvPicPr>
-          <p:nvPr>
-            <p:ph idx="1"/>
-          </p:nvPr>
-        </p:nvPicPr>
-        <p:blipFill>
-          <a:blip r:embed="rId2">
-            <a:extLst>
-              <a:ext uri="{28A0092B-C50C-407E-A947-70E740481C1C}">
-                <a14:useLocalDpi xmlns:a14="http://schemas.microsoft.com/office/drawing/2010/main" val="0"/>
-              </a:ext>
-            </a:extLst>
-          </a:blip>
-          <a:stretch>
-            <a:fillRect/>
-          </a:stretch>
-        </p:blipFill>
-        <p:spPr>
-          <a:xfrm>
-            <a:off x="150655" y="188640"/>
-            <a:ext cx="8842690" cy="6339759"/>
-          </a:xfrm>
-        </p:spPr>
-      </p:pic>
-      <p:sp>
-        <p:nvSpPr>
-          <p:cNvPr id="4" name="Номер слайда 3"/>
-          <p:cNvSpPr>
-            <a:spLocks noGrp="1"/>
-          </p:cNvSpPr>
-          <p:nvPr>
-            <p:ph type="sldNum" sz="quarter" idx="12"/>
-          </p:nvPr>
-        </p:nvSpPr>
-        <p:spPr>
-          <a:xfrm>
-            <a:off x="6553200" y="6453336"/>
-            <a:ext cx="2133600" cy="365125"/>
-          </a:xfrm>
-        </p:spPr>
-        <p:txBody>
-          <a:bodyPr/>
-          <a:lstStyle/>
-          <a:p>
-            <a:fld id="{B19B0651-EE4F-4900-A07F-96A6BFA9D0F0}" type="slidenum">
-              <a:rPr lang="ru-RU" sz="1400" i="1" smtClean="0"/>
-              <a:t>19</a:t>
-            </a:fld>
-            <a:endParaRPr lang="ru-RU" sz="1400" i="1" dirty="0"/>
-          </a:p>
-        </p:txBody>
-      </p:sp>
-    </p:spTree>
-    <p:extLst>
-      <p:ext uri="{BB962C8B-B14F-4D97-AF65-F5344CB8AC3E}">
-        <p14:creationId xmlns:p14="http://schemas.microsoft.com/office/powerpoint/2010/main" val="3971827909"/>
       </p:ext>
     </p:extLst>
   </p:cSld>
@@ -15262,6 +15391,129 @@
           <a:p>
             <a:r>
               <a:rPr lang="ru-RU" sz="3600" i="1" dirty="0" smtClean="0"/>
+              <a:t>Технологическая </a:t>
+            </a:r>
+            <a:r>
+              <a:rPr lang="ru-RU" sz="3600" i="1" dirty="0"/>
+              <a:t>схема сборки</a:t>
+            </a:r>
+            <a:endParaRPr lang="ru-RU" sz="3500" i="1" dirty="0"/>
+          </a:p>
+        </p:txBody>
+      </p:sp>
+      <p:pic>
+        <p:nvPicPr>
+          <p:cNvPr id="8" name="Объект 7"/>
+          <p:cNvPicPr>
+            <a:picLocks noGrp="1" noChangeAspect="1"/>
+          </p:cNvPicPr>
+          <p:nvPr>
+            <p:ph idx="1"/>
+          </p:nvPr>
+        </p:nvPicPr>
+        <p:blipFill>
+          <a:blip r:embed="rId2">
+            <a:extLst>
+              <a:ext uri="{28A0092B-C50C-407E-A947-70E740481C1C}">
+                <a14:useLocalDpi xmlns:a14="http://schemas.microsoft.com/office/drawing/2010/main" val="0"/>
+              </a:ext>
+            </a:extLst>
+          </a:blip>
+          <a:stretch>
+            <a:fillRect/>
+          </a:stretch>
+        </p:blipFill>
+        <p:spPr>
+          <a:xfrm>
+            <a:off x="150655" y="188640"/>
+            <a:ext cx="8842690" cy="6339759"/>
+          </a:xfrm>
+        </p:spPr>
+      </p:pic>
+      <p:sp>
+        <p:nvSpPr>
+          <p:cNvPr id="4" name="Номер слайда 3"/>
+          <p:cNvSpPr>
+            <a:spLocks noGrp="1"/>
+          </p:cNvSpPr>
+          <p:nvPr>
+            <p:ph type="sldNum" sz="quarter" idx="12"/>
+          </p:nvPr>
+        </p:nvSpPr>
+        <p:spPr>
+          <a:xfrm>
+            <a:off x="6553200" y="6453336"/>
+            <a:ext cx="2133600" cy="365125"/>
+          </a:xfrm>
+        </p:spPr>
+        <p:txBody>
+          <a:bodyPr/>
+          <a:lstStyle/>
+          <a:p>
+            <a:fld id="{B19B0651-EE4F-4900-A07F-96A6BFA9D0F0}" type="slidenum">
+              <a:rPr lang="ru-RU" sz="1400" i="1" smtClean="0"/>
+              <a:t>20</a:t>
+            </a:fld>
+            <a:endParaRPr lang="ru-RU" sz="1400" i="1" dirty="0"/>
+          </a:p>
+        </p:txBody>
+      </p:sp>
+    </p:spTree>
+    <p:extLst>
+      <p:ext uri="{BB962C8B-B14F-4D97-AF65-F5344CB8AC3E}">
+        <p14:creationId xmlns:p14="http://schemas.microsoft.com/office/powerpoint/2010/main" val="3971827909"/>
+      </p:ext>
+    </p:extLst>
+  </p:cSld>
+  <p:clrMapOvr>
+    <a:masterClrMapping/>
+  </p:clrMapOvr>
+  <p:timing>
+    <p:tnLst>
+      <p:par>
+        <p:cTn id="1" dur="indefinite" restart="never" nodeType="tmRoot"/>
+      </p:par>
+    </p:tnLst>
+  </p:timing>
+</p:sld>
+</file>
+
+<file path=ppt/slides/slide21.xml><?xml version="1.0" encoding="utf-8"?>
+<p:sld xmlns:a="http://schemas.openxmlformats.org/drawingml/2006/main" xmlns:r="http://schemas.openxmlformats.org/officeDocument/2006/relationships" xmlns:p="http://schemas.openxmlformats.org/presentationml/2006/main">
+  <p:cSld>
+    <p:spTree>
+      <p:nvGrpSpPr>
+        <p:cNvPr id="1" name=""/>
+        <p:cNvGrpSpPr/>
+        <p:nvPr/>
+      </p:nvGrpSpPr>
+      <p:grpSpPr>
+        <a:xfrm>
+          <a:off x="0" y="0"/>
+          <a:ext cx="0" cy="0"/>
+          <a:chOff x="0" y="0"/>
+          <a:chExt cx="0" cy="0"/>
+        </a:xfrm>
+      </p:grpSpPr>
+      <p:sp>
+        <p:nvSpPr>
+          <p:cNvPr id="14" name="Заголовок 13"/>
+          <p:cNvSpPr>
+            <a:spLocks noGrp="1"/>
+          </p:cNvSpPr>
+          <p:nvPr>
+            <p:ph type="title"/>
+          </p:nvPr>
+        </p:nvSpPr>
+        <p:spPr/>
+        <p:txBody>
+          <a:bodyPr>
+            <a:noAutofit/>
+          </a:bodyPr>
+          <a:lstStyle/>
+          <a:p>
+            <a:r>
+              <a:rPr lang="ru-RU" sz="3600" i="1" dirty="0" smtClean="0"/>
               <a:t>Операционная технология</a:t>
             </a:r>
             <a:endParaRPr lang="ru-RU" sz="3500" i="1" dirty="0"/>
@@ -15290,7 +15542,7 @@
           <a:p>
             <a:fld id="{B19B0651-EE4F-4900-A07F-96A6BFA9D0F0}" type="slidenum">
               <a:rPr lang="ru-RU" sz="1400" i="1" smtClean="0"/>
-              <a:t>20</a:t>
+              <a:t>21</a:t>
             </a:fld>
             <a:endParaRPr lang="ru-RU" sz="1400" i="1" dirty="0"/>
           </a:p>
@@ -15345,7 +15597,7 @@
 </p:sld>
 </file>
 
-<file path=ppt/slides/slide21.xml><?xml version="1.0" encoding="utf-8"?>
+<file path=ppt/slides/slide22.xml><?xml version="1.0" encoding="utf-8"?>
 <p:sld xmlns:a="http://schemas.openxmlformats.org/drawingml/2006/main" xmlns:r="http://schemas.openxmlformats.org/officeDocument/2006/relationships" xmlns:p="http://schemas.openxmlformats.org/presentationml/2006/main">
   <p:cSld>
     <p:spTree>
@@ -15533,7 +15785,7 @@
           <a:p>
             <a:fld id="{B19B0651-EE4F-4900-A07F-96A6BFA9D0F0}" type="slidenum">
               <a:rPr lang="ru-RU" sz="1400" i="1" smtClean="0"/>
-              <a:t>21</a:t>
+              <a:t>22</a:t>
             </a:fld>
             <a:endParaRPr lang="ru-RU" sz="1400" i="1" dirty="0"/>
           </a:p>
@@ -15559,7 +15811,7 @@
 </p:sld>
 </file>
 
-<file path=ppt/slides/slide22.xml><?xml version="1.0" encoding="utf-8"?>
+<file path=ppt/slides/slide23.xml><?xml version="1.0" encoding="utf-8"?>
 <p:sld xmlns:a="http://schemas.openxmlformats.org/drawingml/2006/main" xmlns:r="http://schemas.openxmlformats.org/officeDocument/2006/relationships" xmlns:p="http://schemas.openxmlformats.org/presentationml/2006/main">
   <p:cSld>
     <p:spTree>
@@ -15718,7 +15970,7 @@
           <a:p>
             <a:fld id="{B19B0651-EE4F-4900-A07F-96A6BFA9D0F0}" type="slidenum">
               <a:rPr lang="ru-RU" sz="1400" i="1" smtClean="0"/>
-              <a:t>22</a:t>
+              <a:t>23</a:t>
             </a:fld>
             <a:endParaRPr lang="ru-RU" sz="1400" i="1" dirty="0"/>
           </a:p>
@@ -15970,7 +16222,7 @@
 </p:sld>
 </file>
 
-<file path=ppt/slides/slide23.xml><?xml version="1.0" encoding="utf-8"?>
+<file path=ppt/slides/slide24.xml><?xml version="1.0" encoding="utf-8"?>
 <p:sld xmlns:a="http://schemas.openxmlformats.org/drawingml/2006/main" xmlns:r="http://schemas.openxmlformats.org/officeDocument/2006/relationships" xmlns:p="http://schemas.openxmlformats.org/presentationml/2006/main">
   <p:cSld>
     <p:spTree>
@@ -16163,7 +16415,7 @@
           <a:p>
             <a:fld id="{B19B0651-EE4F-4900-A07F-96A6BFA9D0F0}" type="slidenum">
               <a:rPr lang="ru-RU" sz="1400" i="1" smtClean="0"/>
-              <a:t>23</a:t>
+              <a:t>24</a:t>
             </a:fld>
             <a:endParaRPr lang="ru-RU" sz="1400" i="1" dirty="0"/>
           </a:p>
@@ -16189,7 +16441,7 @@
 </p:sld>
 </file>
 
-<file path=ppt/slides/slide24.xml><?xml version="1.0" encoding="utf-8"?>
+<file path=ppt/slides/slide25.xml><?xml version="1.0" encoding="utf-8"?>
 <p:sld xmlns:a="http://schemas.openxmlformats.org/drawingml/2006/main" xmlns:r="http://schemas.openxmlformats.org/officeDocument/2006/relationships" xmlns:p="http://schemas.openxmlformats.org/presentationml/2006/main">
   <p:cSld>
     <p:spTree>
@@ -16248,7 +16500,7 @@
           <a:p>
             <a:fld id="{B19B0651-EE4F-4900-A07F-96A6BFA9D0F0}" type="slidenum">
               <a:rPr lang="ru-RU" sz="1400" i="1" smtClean="0"/>
-              <a:t>24</a:t>
+              <a:t>25</a:t>
             </a:fld>
             <a:endParaRPr lang="ru-RU" sz="1400" i="1" dirty="0"/>
           </a:p>
@@ -19704,7 +19956,6 @@
               <a:rPr lang="ru-RU" i="1" dirty="0"/>
               <a:t>Синтез следящего привода кисти робота</a:t>
             </a:r>
-            <a:endParaRPr lang="ru-RU" i="1" dirty="0"/>
           </a:p>
         </p:txBody>
       </p:sp>
@@ -19731,8 +19982,8 @@
           </a:p>
         </p:txBody>
       </p:sp>
-      <mc:AlternateContent xmlns:mc="http://schemas.openxmlformats.org/markup-compatibility/2006">
-        <mc:Choice xmlns:a14="http://schemas.microsoft.com/office/drawing/2010/main" Requires="a14">
+      <mc:AlternateContent xmlns:mc="http://schemas.openxmlformats.org/markup-compatibility/2006" xmlns:a14="http://schemas.microsoft.com/office/drawing/2010/main">
+        <mc:Choice Requires="a14">
           <p:sp>
             <p:nvSpPr>
               <p:cNvPr id="8" name="Объект 6"/>
@@ -19892,6 +20143,7 @@
                 </a:lvl9pPr>
               </a:lstStyle>
               <a:p>
+                <a:pPr/>
                 <a14:m>
                   <m:oMathPara xmlns:m="http://schemas.openxmlformats.org/officeDocument/2006/math">
                     <m:oMathParaPr>
@@ -19901,18 +20153,24 @@
                       <m:sSub>
                         <m:sSubPr>
                           <m:ctrlPr>
-                            <a:rPr lang="ru-RU" sz="1100" i="1"/>
+                            <a:rPr lang="ru-RU" sz="1100" i="1">
+                              <a:latin typeface="Cambria Math"/>
+                            </a:rPr>
                           </m:ctrlPr>
                         </m:sSubPr>
                         <m:e>
                           <m:r>
-                            <a:rPr lang="en-US" sz="1100" i="1"/>
+                            <a:rPr lang="en-US" sz="1100" i="1">
+                              <a:latin typeface="Cambria Math"/>
+                            </a:rPr>
                             <m:t>𝑊</m:t>
                           </m:r>
                         </m:e>
                         <m:sub>
                           <m:r>
-                            <a:rPr lang="en-US" sz="1100" i="1"/>
+                            <a:rPr lang="en-US" sz="1100" i="1">
+                              <a:latin typeface="Cambria Math"/>
+                            </a:rPr>
                             <m:t>нч</m:t>
                           </m:r>
                         </m:sub>
@@ -19920,55 +20178,77 @@
                       <m:d>
                         <m:dPr>
                           <m:ctrlPr>
-                            <a:rPr lang="ru-RU" sz="1100" i="1"/>
+                            <a:rPr lang="ru-RU" sz="1100" i="1">
+                              <a:latin typeface="Cambria Math"/>
+                            </a:rPr>
                           </m:ctrlPr>
                         </m:dPr>
                         <m:e>
                           <m:r>
-                            <a:rPr lang="en-US" sz="1100" i="1"/>
+                            <a:rPr lang="en-US" sz="1100" i="1">
+                              <a:latin typeface="Cambria Math"/>
+                            </a:rPr>
                             <m:t>𝑠</m:t>
                           </m:r>
                         </m:e>
                       </m:d>
                       <m:r>
-                        <a:rPr lang="ru-RU" sz="1100"/>
+                        <a:rPr lang="ru-RU" sz="1100">
+                          <a:latin typeface="Cambria Math"/>
+                        </a:rPr>
                         <m:t>=</m:t>
                       </m:r>
                       <m:f>
                         <m:fPr>
                           <m:ctrlPr>
-                            <a:rPr lang="ru-RU" sz="1100" i="1"/>
+                            <a:rPr lang="ru-RU" sz="1100" i="1">
+                              <a:latin typeface="Cambria Math"/>
+                            </a:rPr>
                           </m:ctrlPr>
                         </m:fPr>
                         <m:num>
                           <m:r>
-                            <a:rPr lang="ru-RU" sz="1100" i="1"/>
+                            <a:rPr lang="ru-RU" sz="1100" i="1">
+                              <a:latin typeface="Cambria Math"/>
+                            </a:rPr>
                             <m:t>22.852 </m:t>
                           </m:r>
                         </m:num>
                         <m:den>
                           <m:r>
-                            <a:rPr lang="en-US" sz="1100" i="1"/>
+                            <a:rPr lang="en-US" sz="1100" i="1">
+                              <a:latin typeface="Cambria Math"/>
+                            </a:rPr>
                             <m:t>𝑠</m:t>
                           </m:r>
                           <m:r>
-                            <a:rPr lang="ru-RU" sz="1100" i="1"/>
+                            <a:rPr lang="ru-RU" sz="1100" i="1">
+                              <a:latin typeface="Cambria Math"/>
+                            </a:rPr>
                             <m:t>(0.0043</m:t>
                           </m:r>
                           <m:r>
-                            <a:rPr lang="en-US" sz="1100" i="1"/>
+                            <a:rPr lang="en-US" sz="1100" i="1">
+                              <a:latin typeface="Cambria Math"/>
+                            </a:rPr>
                             <m:t>𝑠</m:t>
                           </m:r>
                           <m:r>
-                            <a:rPr lang="ru-RU" sz="1100" i="1"/>
+                            <a:rPr lang="ru-RU" sz="1100" i="1">
+                              <a:latin typeface="Cambria Math"/>
+                            </a:rPr>
                             <m:t>+1)(0.043</m:t>
                           </m:r>
                           <m:r>
-                            <a:rPr lang="en-US" sz="1100" i="1"/>
+                            <a:rPr lang="en-US" sz="1100" i="1">
+                              <a:latin typeface="Cambria Math"/>
+                            </a:rPr>
                             <m:t>𝑠</m:t>
                           </m:r>
                           <m:r>
-                            <a:rPr lang="ru-RU" sz="1100" i="1"/>
+                            <a:rPr lang="ru-RU" sz="1100" i="1">
+                              <a:latin typeface="Cambria Math"/>
+                            </a:rPr>
                             <m:t>+1)</m:t>
                           </m:r>
                         </m:den>
@@ -19981,7 +20261,7 @@
             </p:txBody>
           </p:sp>
         </mc:Choice>
-        <mc:Fallback>
+        <mc:Fallback xmlns="">
           <p:sp>
             <p:nvSpPr>
               <p:cNvPr id="8" name="Объект 6"/>
@@ -20126,8 +20406,8 @@
           </a:p>
         </p:txBody>
       </p:sp>
-      <mc:AlternateContent xmlns:mc="http://schemas.openxmlformats.org/markup-compatibility/2006">
-        <mc:Choice xmlns:a14="http://schemas.microsoft.com/office/drawing/2010/main" Requires="a14">
+      <mc:AlternateContent xmlns:mc="http://schemas.openxmlformats.org/markup-compatibility/2006" xmlns:a14="http://schemas.microsoft.com/office/drawing/2010/main">
+        <mc:Choice Requires="a14">
           <p:sp>
             <p:nvSpPr>
               <p:cNvPr id="16" name="Объект 6"/>
@@ -20287,6 +20567,7 @@
                 </a:lvl9pPr>
               </a:lstStyle>
               <a:p>
+                <a:pPr/>
                 <a14:m>
                   <m:oMathPara xmlns:m="http://schemas.openxmlformats.org/officeDocument/2006/math">
                     <m:oMathParaPr>
@@ -20296,18 +20577,24 @@
                       <m:sSub>
                         <m:sSubPr>
                           <m:ctrlPr>
-                            <a:rPr lang="ru-RU" sz="1400" i="1"/>
+                            <a:rPr lang="ru-RU" sz="1400" i="1">
+                              <a:latin typeface="Cambria Math"/>
+                            </a:rPr>
                           </m:ctrlPr>
                         </m:sSubPr>
                         <m:e>
                           <m:r>
-                            <a:rPr lang="en-US" sz="1400" i="1"/>
+                            <a:rPr lang="en-US" sz="1400" i="1">
+                              <a:latin typeface="Cambria Math"/>
+                            </a:rPr>
                             <m:t>𝑊</m:t>
                           </m:r>
                         </m:e>
                         <m:sub>
                           <m:r>
-                            <a:rPr lang="en-US" sz="1400" i="1"/>
+                            <a:rPr lang="en-US" sz="1400" i="1">
+                              <a:latin typeface="Cambria Math"/>
+                            </a:rPr>
                             <m:t>жч</m:t>
                           </m:r>
                         </m:sub>
@@ -20315,98 +20602,138 @@
                       <m:d>
                         <m:dPr>
                           <m:ctrlPr>
-                            <a:rPr lang="ru-RU" sz="1400" i="1"/>
+                            <a:rPr lang="ru-RU" sz="1400" i="1">
+                              <a:latin typeface="Cambria Math"/>
+                            </a:rPr>
                           </m:ctrlPr>
                         </m:dPr>
                         <m:e>
                           <m:r>
-                            <a:rPr lang="en-US" sz="1400" i="1"/>
+                            <a:rPr lang="en-US" sz="1400" i="1">
+                              <a:latin typeface="Cambria Math"/>
+                            </a:rPr>
                             <m:t>𝑠</m:t>
                           </m:r>
                         </m:e>
                       </m:d>
                       <m:r>
-                        <a:rPr lang="ru-RU" sz="1400"/>
+                        <a:rPr lang="ru-RU" sz="1400">
+                          <a:latin typeface="Cambria Math"/>
+                        </a:rPr>
                         <m:t>=10</m:t>
                       </m:r>
                       <m:r>
-                        <a:rPr lang="ru-RU" sz="1400" i="1"/>
+                        <a:rPr lang="ru-RU" sz="1400" i="1">
+                          <a:latin typeface="Cambria Math"/>
+                        </a:rPr>
                         <m:t>∗</m:t>
                       </m:r>
                       <m:f>
                         <m:fPr>
                           <m:ctrlPr>
-                            <a:rPr lang="ru-RU" sz="1400" i="1"/>
+                            <a:rPr lang="ru-RU" sz="1400" i="1">
+                              <a:latin typeface="Cambria Math"/>
+                            </a:rPr>
                           </m:ctrlPr>
                         </m:fPr>
                         <m:num>
                           <m:r>
-                            <a:rPr lang="ru-RU" sz="1400" i="1"/>
+                            <a:rPr lang="ru-RU" sz="1400" i="1">
+                              <a:latin typeface="Cambria Math"/>
+                            </a:rPr>
                             <m:t>(0.0282</m:t>
                           </m:r>
                           <m:r>
-                            <a:rPr lang="en-US" sz="1400" i="1"/>
+                            <a:rPr lang="en-US" sz="1400" i="1">
+                              <a:latin typeface="Cambria Math"/>
+                            </a:rPr>
                             <m:t>𝑠</m:t>
                           </m:r>
                           <m:r>
-                            <a:rPr lang="ru-RU" sz="1400" i="1"/>
+                            <a:rPr lang="ru-RU" sz="1400" i="1">
+                              <a:latin typeface="Cambria Math"/>
+                            </a:rPr>
                             <m:t>+1)</m:t>
                           </m:r>
                         </m:num>
                         <m:den>
                           <m:r>
-                            <a:rPr lang="ru-RU" sz="1400" i="1"/>
+                            <a:rPr lang="ru-RU" sz="1400" i="1">
+                              <a:latin typeface="Cambria Math"/>
+                            </a:rPr>
                             <m:t>(0.0011</m:t>
                           </m:r>
                           <m:r>
-                            <a:rPr lang="en-US" sz="1400" i="1"/>
+                            <a:rPr lang="en-US" sz="1400" i="1">
+                              <a:latin typeface="Cambria Math"/>
+                            </a:rPr>
                             <m:t>𝑠</m:t>
                           </m:r>
                           <m:r>
-                            <a:rPr lang="ru-RU" sz="1400" i="1"/>
+                            <a:rPr lang="ru-RU" sz="1400" i="1">
+                              <a:latin typeface="Cambria Math"/>
+                            </a:rPr>
                             <m:t>+1)</m:t>
                           </m:r>
                         </m:den>
                       </m:f>
                       <m:r>
-                        <a:rPr lang="en-US" sz="1400" i="1"/>
+                        <a:rPr lang="en-US" sz="1400" i="1">
+                          <a:latin typeface="Cambria Math"/>
+                        </a:rPr>
                         <m:t>∗</m:t>
                       </m:r>
                       <m:f>
                         <m:fPr>
                           <m:ctrlPr>
-                            <a:rPr lang="ru-RU" sz="1400" i="1"/>
+                            <a:rPr lang="ru-RU" sz="1400" i="1">
+                              <a:latin typeface="Cambria Math"/>
+                            </a:rPr>
                           </m:ctrlPr>
                         </m:fPr>
                         <m:num>
                           <m:r>
-                            <a:rPr lang="ru-RU" sz="1400" i="1"/>
+                            <a:rPr lang="ru-RU" sz="1400" i="1">
+                              <a:latin typeface="Cambria Math"/>
+                            </a:rPr>
                             <m:t>22.852 </m:t>
                           </m:r>
                         </m:num>
                         <m:den>
                           <m:r>
-                            <a:rPr lang="en-US" sz="1400" i="1"/>
+                            <a:rPr lang="en-US" sz="1400" i="1">
+                              <a:latin typeface="Cambria Math"/>
+                            </a:rPr>
                             <m:t>𝑠</m:t>
                           </m:r>
                           <m:r>
-                            <a:rPr lang="ru-RU" sz="1400" i="1"/>
+                            <a:rPr lang="ru-RU" sz="1400" i="1">
+                              <a:latin typeface="Cambria Math"/>
+                            </a:rPr>
                             <m:t>(0.0043</m:t>
                           </m:r>
                           <m:r>
-                            <a:rPr lang="en-US" sz="1400" i="1"/>
+                            <a:rPr lang="en-US" sz="1400" i="1">
+                              <a:latin typeface="Cambria Math"/>
+                            </a:rPr>
                             <m:t>𝑠</m:t>
                           </m:r>
                           <m:r>
-                            <a:rPr lang="ru-RU" sz="1400" i="1"/>
+                            <a:rPr lang="ru-RU" sz="1400" i="1">
+                              <a:latin typeface="Cambria Math"/>
+                            </a:rPr>
                             <m:t>+1)(0.043</m:t>
                           </m:r>
                           <m:r>
-                            <a:rPr lang="en-US" sz="1400" i="1"/>
+                            <a:rPr lang="en-US" sz="1400" i="1">
+                              <a:latin typeface="Cambria Math"/>
+                            </a:rPr>
                             <m:t>𝑠</m:t>
                           </m:r>
                           <m:r>
-                            <a:rPr lang="ru-RU" sz="1400" i="1"/>
+                            <a:rPr lang="ru-RU" sz="1400" i="1">
+                              <a:latin typeface="Cambria Math"/>
+                            </a:rPr>
                             <m:t>+1)</m:t>
                           </m:r>
                         </m:den>
@@ -20419,7 +20746,7 @@
             </p:txBody>
           </p:sp>
         </mc:Choice>
-        <mc:Fallback>
+        <mc:Fallback xmlns="">
           <p:sp>
             <p:nvSpPr>
               <p:cNvPr id="16" name="Объект 6"/>
@@ -20614,7 +20941,6 @@
               <a:rPr lang="ru-RU" i="1" dirty="0"/>
               <a:t>Моделирование синтезированного следящего привода</a:t>
             </a:r>
-            <a:endParaRPr lang="ru-RU" i="1" dirty="0"/>
           </a:p>
         </p:txBody>
       </p:sp>
@@ -20703,11 +21029,7 @@
             <a:pPr algn="ctr"/>
             <a:r>
               <a:rPr lang="ru-RU" b="0" i="1" dirty="0" smtClean="0"/>
-              <a:t>Ошибка скорректированной </a:t>
-            </a:r>
-            <a:r>
-              <a:rPr lang="ru-RU" b="0" i="1" dirty="0" smtClean="0"/>
-              <a:t>системы в радианах</a:t>
+              <a:t>Ошибка скорректированной системы в радианах</a:t>
             </a:r>
             <a:endParaRPr lang="ru-RU" b="0" i="1" dirty="0"/>
           </a:p>
@@ -20786,6 +21108,214 @@
 </file>
 
 <file path=ppt/slides/slide7.xml><?xml version="1.0" encoding="utf-8"?>
+<p:sld xmlns:a="http://schemas.openxmlformats.org/drawingml/2006/main" xmlns:r="http://schemas.openxmlformats.org/officeDocument/2006/relationships" xmlns:p="http://schemas.openxmlformats.org/presentationml/2006/main">
+  <p:cSld>
+    <p:spTree>
+      <p:nvGrpSpPr>
+        <p:cNvPr id="1" name=""/>
+        <p:cNvGrpSpPr/>
+        <p:nvPr/>
+      </p:nvGrpSpPr>
+      <p:grpSpPr>
+        <a:xfrm>
+          <a:off x="0" y="0"/>
+          <a:ext cx="0" cy="0"/>
+          <a:chOff x="0" y="0"/>
+          <a:chExt cx="0" cy="0"/>
+        </a:xfrm>
+      </p:grpSpPr>
+      <p:sp>
+        <p:nvSpPr>
+          <p:cNvPr id="2" name="Заголовок 1"/>
+          <p:cNvSpPr>
+            <a:spLocks noGrp="1"/>
+          </p:cNvSpPr>
+          <p:nvPr>
+            <p:ph type="title"/>
+          </p:nvPr>
+        </p:nvSpPr>
+        <p:spPr/>
+        <p:txBody>
+          <a:bodyPr>
+            <a:normAutofit fontScale="90000"/>
+          </a:bodyPr>
+          <a:lstStyle/>
+          <a:p>
+            <a:r>
+              <a:rPr lang="ru-RU" i="1" dirty="0"/>
+              <a:t>Моделирование синтезированного следящего привода</a:t>
+            </a:r>
+          </a:p>
+        </p:txBody>
+      </p:sp>
+      <p:sp>
+        <p:nvSpPr>
+          <p:cNvPr id="4" name="Номер слайда 3"/>
+          <p:cNvSpPr>
+            <a:spLocks noGrp="1"/>
+          </p:cNvSpPr>
+          <p:nvPr>
+            <p:ph type="sldNum" sz="quarter" idx="12"/>
+          </p:nvPr>
+        </p:nvSpPr>
+        <p:spPr/>
+        <p:txBody>
+          <a:bodyPr/>
+          <a:lstStyle/>
+          <a:p>
+            <a:fld id="{B19B0651-EE4F-4900-A07F-96A6BFA9D0F0}" type="slidenum">
+              <a:rPr lang="ru-RU" sz="1400" i="1" smtClean="0"/>
+              <a:t>7</a:t>
+            </a:fld>
+            <a:endParaRPr lang="ru-RU" sz="1400" i="1" dirty="0"/>
+          </a:p>
+        </p:txBody>
+      </p:sp>
+      <p:pic>
+        <p:nvPicPr>
+          <p:cNvPr id="12" name="Объект 11"/>
+          <p:cNvPicPr>
+            <a:picLocks noGrp="1" noChangeAspect="1"/>
+          </p:cNvPicPr>
+          <p:nvPr>
+            <p:ph sz="half" idx="2"/>
+          </p:nvPr>
+        </p:nvPicPr>
+        <p:blipFill>
+          <a:blip r:embed="rId2" cstate="print">
+            <a:extLst>
+              <a:ext uri="{28A0092B-C50C-407E-A947-70E740481C1C}">
+                <a14:useLocalDpi xmlns:a14="http://schemas.microsoft.com/office/drawing/2010/main" val="0"/>
+              </a:ext>
+            </a:extLst>
+          </a:blip>
+          <a:stretch>
+            <a:fillRect/>
+          </a:stretch>
+        </p:blipFill>
+        <p:spPr>
+          <a:xfrm>
+            <a:off x="168564" y="2276872"/>
+            <a:ext cx="8806872" cy="1800200"/>
+          </a:xfrm>
+        </p:spPr>
+      </p:pic>
+      <p:pic>
+        <p:nvPicPr>
+          <p:cNvPr id="13" name="Объект 12"/>
+          <p:cNvPicPr>
+            <a:picLocks noGrp="1" noChangeAspect="1"/>
+          </p:cNvPicPr>
+          <p:nvPr>
+            <p:ph sz="quarter" idx="4"/>
+          </p:nvPr>
+        </p:nvPicPr>
+        <p:blipFill>
+          <a:blip r:embed="rId3" cstate="print">
+            <a:extLst>
+              <a:ext uri="{28A0092B-C50C-407E-A947-70E740481C1C}">
+                <a14:useLocalDpi xmlns:a14="http://schemas.microsoft.com/office/drawing/2010/main" val="0"/>
+              </a:ext>
+            </a:extLst>
+          </a:blip>
+          <a:stretch>
+            <a:fillRect/>
+          </a:stretch>
+        </p:blipFill>
+        <p:spPr>
+          <a:xfrm>
+            <a:off x="143508" y="4653136"/>
+            <a:ext cx="8856984" cy="1694956"/>
+          </a:xfrm>
+        </p:spPr>
+      </p:pic>
+      <p:sp>
+        <p:nvSpPr>
+          <p:cNvPr id="10" name="Текст 9"/>
+          <p:cNvSpPr>
+            <a:spLocks noGrp="1"/>
+          </p:cNvSpPr>
+          <p:nvPr>
+            <p:ph type="body" idx="1"/>
+          </p:nvPr>
+        </p:nvSpPr>
+        <p:spPr>
+          <a:xfrm>
+            <a:off x="462372" y="1700808"/>
+            <a:ext cx="8219256" cy="639762"/>
+          </a:xfrm>
+        </p:spPr>
+        <p:txBody>
+          <a:bodyPr>
+            <a:normAutofit/>
+          </a:bodyPr>
+          <a:lstStyle/>
+          <a:p>
+            <a:pPr algn="ctr"/>
+            <a:r>
+              <a:rPr lang="ru-RU" b="0" i="1" dirty="0" smtClean="0"/>
+              <a:t>Структурная схема системы с учетом нелинейности</a:t>
+            </a:r>
+            <a:endParaRPr lang="ru-RU" b="0" i="1" dirty="0"/>
+          </a:p>
+        </p:txBody>
+      </p:sp>
+      <p:sp>
+        <p:nvSpPr>
+          <p:cNvPr id="11" name="Текст 10"/>
+          <p:cNvSpPr>
+            <a:spLocks noGrp="1"/>
+          </p:cNvSpPr>
+          <p:nvPr>
+            <p:ph type="body" sz="quarter" idx="3"/>
+          </p:nvPr>
+        </p:nvSpPr>
+        <p:spPr>
+          <a:xfrm>
+            <a:off x="426368" y="4077072"/>
+            <a:ext cx="8291264" cy="639762"/>
+          </a:xfrm>
+        </p:spPr>
+        <p:txBody>
+          <a:bodyPr>
+            <a:normAutofit/>
+          </a:bodyPr>
+          <a:lstStyle/>
+          <a:p>
+            <a:pPr algn="ctr"/>
+            <a:r>
+              <a:rPr lang="ru-RU" b="0" i="1" dirty="0"/>
+              <a:t>Структурная схема системы с учетом </a:t>
+            </a:r>
+            <a:r>
+              <a:rPr lang="ru-RU" b="0" i="1" dirty="0" smtClean="0"/>
+              <a:t>нелинейности и дискретизации</a:t>
+            </a:r>
+            <a:endParaRPr lang="ru-RU" b="0" i="1" dirty="0"/>
+          </a:p>
+        </p:txBody>
+      </p:sp>
+    </p:spTree>
+    <p:extLst>
+      <p:ext uri="{BB962C8B-B14F-4D97-AF65-F5344CB8AC3E}">
+        <p14:creationId xmlns:p14="http://schemas.microsoft.com/office/powerpoint/2010/main" val="1741001747"/>
+      </p:ext>
+    </p:extLst>
+  </p:cSld>
+  <p:clrMapOvr>
+    <a:masterClrMapping/>
+  </p:clrMapOvr>
+  <p:timing>
+    <p:tnLst>
+      <p:par>
+        <p:cTn id="1" dur="indefinite" restart="never" nodeType="tmRoot"/>
+      </p:par>
+    </p:tnLst>
+  </p:timing>
+</p:sld>
+</file>
+
+<file path=ppt/slides/slide8.xml><?xml version="1.0" encoding="utf-8"?>
 <p:sld xmlns:a="http://schemas.openxmlformats.org/drawingml/2006/main" xmlns:r="http://schemas.openxmlformats.org/officeDocument/2006/relationships" xmlns:p="http://schemas.openxmlformats.org/presentationml/2006/main">
   <p:cSld>
     <p:spTree>
@@ -20954,7 +21484,7 @@
           <a:p>
             <a:fld id="{B19B0651-EE4F-4900-A07F-96A6BFA9D0F0}" type="slidenum">
               <a:rPr lang="ru-RU" sz="1400" i="1" smtClean="0"/>
-              <a:t>7</a:t>
+              <a:t>8</a:t>
             </a:fld>
             <a:endParaRPr lang="ru-RU" sz="1400" i="1" dirty="0"/>
           </a:p>
@@ -20980,7 +21510,7 @@
 </p:sld>
 </file>
 
-<file path=ppt/slides/slide8.xml><?xml version="1.0" encoding="utf-8"?>
+<file path=ppt/slides/slide9.xml><?xml version="1.0" encoding="utf-8"?>
 <p:sld xmlns:a="http://schemas.openxmlformats.org/drawingml/2006/main" xmlns:r="http://schemas.openxmlformats.org/officeDocument/2006/relationships" xmlns:p="http://schemas.openxmlformats.org/presentationml/2006/main">
   <p:cSld>
     <p:spTree>
@@ -21020,8 +21550,8 @@
           </a:p>
         </p:txBody>
       </p:sp>
-      <mc:AlternateContent xmlns:mc="http://schemas.openxmlformats.org/markup-compatibility/2006">
-        <mc:Choice xmlns:a14="http://schemas.microsoft.com/office/drawing/2010/main" Requires="a14">
+      <mc:AlternateContent xmlns:mc="http://schemas.openxmlformats.org/markup-compatibility/2006" xmlns:a14="http://schemas.microsoft.com/office/drawing/2010/main">
+        <mc:Choice Requires="a14">
           <p:sp>
             <p:nvSpPr>
               <p:cNvPr id="15" name="Текст 14"/>
@@ -21053,24 +21583,32 @@
                     <m:sSubSup>
                       <m:sSubSupPr>
                         <m:ctrlPr>
-                          <a:rPr lang="ru-RU" sz="2000" b="0" i="1"/>
+                          <a:rPr lang="ru-RU" sz="2000" b="0" i="1">
+                            <a:latin typeface="Cambria Math"/>
+                          </a:rPr>
                         </m:ctrlPr>
                       </m:sSubSupPr>
                       <m:e>
                         <m:r>
-                          <a:rPr lang="en-US" sz="2000" b="0" i="1"/>
+                          <a:rPr lang="en-US" sz="2000" b="0" i="1">
+                            <a:latin typeface="Cambria Math"/>
+                          </a:rPr>
                           <m:t>𝜏</m:t>
                         </m:r>
                       </m:e>
                       <m:sub>
                         <m:r>
-                          <a:rPr lang="ru-RU" sz="2000" b="0" i="1"/>
+                          <a:rPr lang="ru-RU" sz="2000" b="0" i="1">
+                            <a:latin typeface="Cambria Math"/>
+                          </a:rPr>
                           <m:t>3 (0)</m:t>
                         </m:r>
                       </m:sub>
                       <m:sup>
                         <m:r>
-                          <a:rPr lang="ru-RU" sz="2000" b="0" i="1"/>
+                          <a:rPr lang="ru-RU" sz="2000" b="0" i="1">
+                            <a:latin typeface="Cambria Math"/>
+                          </a:rPr>
                           <m:t>(0)</m:t>
                         </m:r>
                       </m:sup>
@@ -21086,18 +21624,24 @@
                     <m:sSub>
                       <m:sSubPr>
                         <m:ctrlPr>
-                          <a:rPr lang="ru-RU" sz="2000" b="0" i="1"/>
+                          <a:rPr lang="ru-RU" sz="2000" b="0" i="1">
+                            <a:latin typeface="Cambria Math"/>
+                          </a:rPr>
                         </m:ctrlPr>
                       </m:sSubPr>
                       <m:e>
                         <m:r>
-                          <a:rPr lang="en-US" sz="2000" b="0" i="1"/>
+                          <a:rPr lang="en-US" sz="2000" b="0" i="1">
+                            <a:latin typeface="Cambria Math"/>
+                          </a:rPr>
                           <m:t>𝛩</m:t>
                         </m:r>
                       </m:e>
                       <m:sub>
                         <m:r>
-                          <a:rPr lang="ru-RU" sz="2000" b="0" i="1"/>
+                          <a:rPr lang="ru-RU" sz="2000" b="0" i="1">
+                            <a:latin typeface="Cambria Math"/>
+                          </a:rPr>
                           <m:t>1</m:t>
                         </m:r>
                       </m:sub>
@@ -21112,7 +21656,7 @@
             </p:txBody>
           </p:sp>
         </mc:Choice>
-        <mc:Fallback>
+        <mc:Fallback xmlns="">
           <p:sp>
             <p:nvSpPr>
               <p:cNvPr id="15" name="Текст 14"/>
@@ -21146,8 +21690,8 @@
           </p:sp>
         </mc:Fallback>
       </mc:AlternateContent>
-      <mc:AlternateContent xmlns:mc="http://schemas.openxmlformats.org/markup-compatibility/2006">
-        <mc:Choice xmlns:a14="http://schemas.microsoft.com/office/drawing/2010/main" Requires="a14">
+      <mc:AlternateContent xmlns:mc="http://schemas.openxmlformats.org/markup-compatibility/2006" xmlns:a14="http://schemas.microsoft.com/office/drawing/2010/main">
+        <mc:Choice Requires="a14">
           <p:sp>
             <p:nvSpPr>
               <p:cNvPr id="17" name="Текст 16"/>
@@ -21246,7 +21790,7 @@
             </p:txBody>
           </p:sp>
         </mc:Choice>
-        <mc:Fallback>
+        <mc:Fallback xmlns="">
           <p:sp>
             <p:nvSpPr>
               <p:cNvPr id="17" name="Текст 16"/>
@@ -21301,7 +21845,7 @@
           <a:p>
             <a:fld id="{B19B0651-EE4F-4900-A07F-96A6BFA9D0F0}" type="slidenum">
               <a:rPr lang="ru-RU" sz="1400" i="1" smtClean="0"/>
-              <a:t>8</a:t>
+              <a:t>9</a:t>
             </a:fld>
             <a:endParaRPr lang="ru-RU" sz="1400" i="1" dirty="0"/>
           </a:p>
@@ -21369,256 +21913,6 @@
     <p:extLst>
       <p:ext uri="{BB962C8B-B14F-4D97-AF65-F5344CB8AC3E}">
         <p14:creationId xmlns:p14="http://schemas.microsoft.com/office/powerpoint/2010/main" val="667626328"/>
-      </p:ext>
-    </p:extLst>
-  </p:cSld>
-  <p:clrMapOvr>
-    <a:masterClrMapping/>
-  </p:clrMapOvr>
-  <p:timing>
-    <p:tnLst>
-      <p:par>
-        <p:cTn id="1" dur="indefinite" restart="never" nodeType="tmRoot"/>
-      </p:par>
-    </p:tnLst>
-  </p:timing>
-</p:sld>
-</file>
-
-<file path=ppt/slides/slide9.xml><?xml version="1.0" encoding="utf-8"?>
-<p:sld xmlns:a="http://schemas.openxmlformats.org/drawingml/2006/main" xmlns:r="http://schemas.openxmlformats.org/officeDocument/2006/relationships" xmlns:p="http://schemas.openxmlformats.org/presentationml/2006/main">
-  <p:cSld>
-    <p:spTree>
-      <p:nvGrpSpPr>
-        <p:cNvPr id="1" name=""/>
-        <p:cNvGrpSpPr/>
-        <p:nvPr/>
-      </p:nvGrpSpPr>
-      <p:grpSpPr>
-        <a:xfrm>
-          <a:off x="0" y="0"/>
-          <a:ext cx="0" cy="0"/>
-          <a:chOff x="0" y="0"/>
-          <a:chExt cx="0" cy="0"/>
-        </a:xfrm>
-      </p:grpSpPr>
-      <p:sp>
-        <p:nvSpPr>
-          <p:cNvPr id="14" name="Заголовок 13"/>
-          <p:cNvSpPr>
-            <a:spLocks noGrp="1"/>
-          </p:cNvSpPr>
-          <p:nvPr>
-            <p:ph type="title"/>
-          </p:nvPr>
-        </p:nvSpPr>
-        <p:spPr/>
-        <p:txBody>
-          <a:bodyPr>
-            <a:normAutofit fontScale="90000"/>
-          </a:bodyPr>
-          <a:lstStyle/>
-          <a:p>
-            <a:r>
-              <a:rPr lang="ru-RU" i="1" dirty="0"/>
-              <a:t>Моделирование решения обратной задачи кинематики</a:t>
-            </a:r>
-            <a:endParaRPr lang="ru-RU" dirty="0"/>
-          </a:p>
-        </p:txBody>
-      </p:sp>
-      <p:sp>
-        <p:nvSpPr>
-          <p:cNvPr id="15" name="Текст 14"/>
-          <p:cNvSpPr>
-            <a:spLocks noGrp="1"/>
-          </p:cNvSpPr>
-          <p:nvPr>
-            <p:ph type="body" idx="1"/>
-          </p:nvPr>
-        </p:nvSpPr>
-        <p:spPr>
-          <a:xfrm>
-            <a:off x="457200" y="1362024"/>
-            <a:ext cx="4040188" cy="639762"/>
-          </a:xfrm>
-        </p:spPr>
-        <p:txBody>
-          <a:bodyPr>
-            <a:normAutofit/>
-          </a:bodyPr>
-          <a:lstStyle/>
-          <a:p>
-            <a:pPr algn="ctr"/>
-            <a:r>
-              <a:rPr lang="ru-RU" sz="2200" b="0" i="1" dirty="0" smtClean="0"/>
-              <a:t>Блок-схема </a:t>
-            </a:r>
-            <a:r>
-              <a:rPr lang="ru-RU" sz="2200" b="0" i="1" dirty="0"/>
-              <a:t>робота</a:t>
-            </a:r>
-          </a:p>
-        </p:txBody>
-      </p:sp>
-      <p:sp>
-        <p:nvSpPr>
-          <p:cNvPr id="17" name="Текст 16"/>
-          <p:cNvSpPr>
-            <a:spLocks noGrp="1"/>
-          </p:cNvSpPr>
-          <p:nvPr>
-            <p:ph type="body" sz="quarter" idx="3"/>
-          </p:nvPr>
-        </p:nvSpPr>
-        <p:spPr>
-          <a:xfrm>
-            <a:off x="4645025" y="1362024"/>
-            <a:ext cx="4041775" cy="639762"/>
-          </a:xfrm>
-        </p:spPr>
-        <p:txBody>
-          <a:bodyPr>
-            <a:normAutofit/>
-          </a:bodyPr>
-          <a:lstStyle/>
-          <a:p>
-            <a:pPr algn="ctr"/>
-            <a:r>
-              <a:rPr lang="ru-RU" sz="2200" b="0" i="1" dirty="0"/>
-              <a:t>Блок-схема ноги робота</a:t>
-            </a:r>
-          </a:p>
-        </p:txBody>
-      </p:sp>
-      <p:sp>
-        <p:nvSpPr>
-          <p:cNvPr id="4" name="Номер слайда 3"/>
-          <p:cNvSpPr>
-            <a:spLocks noGrp="1"/>
-          </p:cNvSpPr>
-          <p:nvPr>
-            <p:ph type="sldNum" sz="quarter" idx="12"/>
-          </p:nvPr>
-        </p:nvSpPr>
-        <p:spPr/>
-        <p:txBody>
-          <a:bodyPr/>
-          <a:lstStyle/>
-          <a:p>
-            <a:fld id="{B19B0651-EE4F-4900-A07F-96A6BFA9D0F0}" type="slidenum">
-              <a:rPr lang="ru-RU" sz="1400" i="1" smtClean="0"/>
-              <a:t>9</a:t>
-            </a:fld>
-            <a:endParaRPr lang="ru-RU" sz="1400" i="1" dirty="0"/>
-          </a:p>
-        </p:txBody>
-      </p:sp>
-      <p:pic>
-        <p:nvPicPr>
-          <p:cNvPr id="5" name="Объект 4"/>
-          <p:cNvPicPr>
-            <a:picLocks noGrp="1" noChangeAspect="1"/>
-          </p:cNvPicPr>
-          <p:nvPr>
-            <p:ph sz="half" idx="2"/>
-          </p:nvPr>
-        </p:nvPicPr>
-        <p:blipFill>
-          <a:blip r:embed="rId2">
-            <a:extLst>
-              <a:ext uri="{28A0092B-C50C-407E-A947-70E740481C1C}">
-                <a14:useLocalDpi xmlns:a14="http://schemas.microsoft.com/office/drawing/2010/main" val="0"/>
-              </a:ext>
-            </a:extLst>
-          </a:blip>
-          <a:stretch>
-            <a:fillRect/>
-          </a:stretch>
-        </p:blipFill>
-        <p:spPr>
-          <a:xfrm>
-            <a:off x="457200" y="2034229"/>
-            <a:ext cx="4040188" cy="3266979"/>
-          </a:xfrm>
-        </p:spPr>
-      </p:pic>
-      <p:pic>
-        <p:nvPicPr>
-          <p:cNvPr id="6" name="Объект 5"/>
-          <p:cNvPicPr>
-            <a:picLocks noGrp="1" noChangeAspect="1"/>
-          </p:cNvPicPr>
-          <p:nvPr>
-            <p:ph sz="quarter" idx="4"/>
-          </p:nvPr>
-        </p:nvPicPr>
-        <p:blipFill>
-          <a:blip r:embed="rId3" cstate="print">
-            <a:extLst>
-              <a:ext uri="{28A0092B-C50C-407E-A947-70E740481C1C}">
-                <a14:useLocalDpi xmlns:a14="http://schemas.microsoft.com/office/drawing/2010/main" val="0"/>
-              </a:ext>
-            </a:extLst>
-          </a:blip>
-          <a:stretch>
-            <a:fillRect/>
-          </a:stretch>
-        </p:blipFill>
-        <p:spPr>
-          <a:xfrm>
-            <a:off x="4645025" y="2147719"/>
-            <a:ext cx="4041775" cy="3040000"/>
-          </a:xfrm>
-        </p:spPr>
-      </p:pic>
-      <p:sp>
-        <p:nvSpPr>
-          <p:cNvPr id="2" name="TextBox 1"/>
-          <p:cNvSpPr txBox="1"/>
-          <p:nvPr/>
-        </p:nvSpPr>
-        <p:spPr>
-          <a:xfrm>
-            <a:off x="467544" y="5345340"/>
-            <a:ext cx="8280920" cy="1107996"/>
-          </a:xfrm>
-          <a:prstGeom prst="rect">
-            <a:avLst/>
-          </a:prstGeom>
-          <a:noFill/>
-        </p:spPr>
-        <p:txBody>
-          <a:bodyPr wrap="square" rtlCol="0">
-            <a:spAutoFit/>
-          </a:bodyPr>
-          <a:lstStyle/>
-          <a:p>
-            <a:pPr algn="ctr"/>
-            <a:r>
-              <a:rPr lang="ru-RU" sz="2200" i="1" dirty="0"/>
-              <a:t>Моделирование производим в графической среде имитационного моделирования </a:t>
-            </a:r>
-            <a:r>
-              <a:rPr lang="ru-RU" sz="2200" i="1" dirty="0" err="1"/>
-              <a:t>Simulink</a:t>
-            </a:r>
-            <a:r>
-              <a:rPr lang="ru-RU" sz="2200" i="1" dirty="0"/>
-              <a:t> в пакете MATLAB с помощью пакета расширения для физического моделирования </a:t>
-            </a:r>
-            <a:r>
-              <a:rPr lang="ru-RU" sz="2200" i="1" dirty="0" err="1"/>
-              <a:t>SimMechanics</a:t>
-            </a:r>
-            <a:endParaRPr lang="ru-RU" sz="2200" i="1" dirty="0"/>
-          </a:p>
-        </p:txBody>
-      </p:sp>
-    </p:spTree>
-    <p:extLst>
-      <p:ext uri="{BB962C8B-B14F-4D97-AF65-F5344CB8AC3E}">
-        <p14:creationId xmlns:p14="http://schemas.microsoft.com/office/powerpoint/2010/main" val="3569601698"/>
       </p:ext>
     </p:extLst>
   </p:cSld>
